--- a/Presentation/Service Final Presentation.pptx
+++ b/Presentation/Service Final Presentation.pptx
@@ -1011,7 +1011,7 @@
   <p:cSld>
     <p:spTree>
       <p:nvGrpSpPr>
-        <p:cNvPr id="159" name="Shape 159"/>
+        <p:cNvPr id="165" name="Shape 165"/>
         <p:cNvGrpSpPr/>
         <p:nvPr/>
       </p:nvGrpSpPr>
@@ -1025,7 +1025,7 @@
       </p:grpSpPr>
       <p:sp>
         <p:nvSpPr>
-          <p:cNvPr id="160" name="Shape 160"/>
+          <p:cNvPr id="166" name="Shape 166"/>
           <p:cNvSpPr/>
           <p:nvPr>
             <p:ph idx="2" type="sldImg"/>
@@ -1059,7 +1059,7 @@
       </p:sp>
       <p:sp>
         <p:nvSpPr>
-          <p:cNvPr id="161" name="Shape 161"/>
+          <p:cNvPr id="167" name="Shape 167"/>
           <p:cNvSpPr txBox="1"/>
           <p:nvPr>
             <p:ph idx="1" type="body"/>
@@ -1106,7 +1106,7 @@
   <p:cSld>
     <p:spTree>
       <p:nvGrpSpPr>
-        <p:cNvPr id="177" name="Shape 177"/>
+        <p:cNvPr id="202" name="Shape 202"/>
         <p:cNvGrpSpPr/>
         <p:nvPr/>
       </p:nvGrpSpPr>
@@ -1120,7 +1120,7 @@
       </p:grpSpPr>
       <p:sp>
         <p:nvSpPr>
-          <p:cNvPr id="178" name="Shape 178"/>
+          <p:cNvPr id="203" name="Shape 203"/>
           <p:cNvSpPr/>
           <p:nvPr>
             <p:ph idx="2" type="sldImg"/>
@@ -1154,7 +1154,7 @@
       </p:sp>
       <p:sp>
         <p:nvSpPr>
-          <p:cNvPr id="179" name="Shape 179"/>
+          <p:cNvPr id="204" name="Shape 204"/>
           <p:cNvSpPr txBox="1"/>
           <p:nvPr>
             <p:ph idx="1" type="body"/>
@@ -1225,7 +1225,7 @@
   <p:cSld>
     <p:spTree>
       <p:nvGrpSpPr>
-        <p:cNvPr id="191" name="Shape 191"/>
+        <p:cNvPr id="216" name="Shape 216"/>
         <p:cNvGrpSpPr/>
         <p:nvPr/>
       </p:nvGrpSpPr>
@@ -1239,7 +1239,7 @@
       </p:grpSpPr>
       <p:sp>
         <p:nvSpPr>
-          <p:cNvPr id="192" name="Shape 192"/>
+          <p:cNvPr id="217" name="Shape 217"/>
           <p:cNvSpPr/>
           <p:nvPr>
             <p:ph idx="2" type="sldImg"/>
@@ -1273,7 +1273,7 @@
       </p:sp>
       <p:sp>
         <p:nvSpPr>
-          <p:cNvPr id="193" name="Shape 193"/>
+          <p:cNvPr id="218" name="Shape 218"/>
           <p:cNvSpPr txBox="1"/>
           <p:nvPr>
             <p:ph idx="1" type="body"/>
@@ -11446,11 +11446,20 @@
         <p:spPr>
           <a:xfrm>
             <a:off x="2949200" y="1146025"/>
-            <a:ext cx="2740200" cy="1893300"/>
+            <a:ext cx="2740200" cy="1649400"/>
           </a:xfrm>
           <a:prstGeom prst="rect">
             <a:avLst/>
           </a:prstGeom>
+          <a:ln cap="flat" cmpd="sng" w="9525">
+            <a:solidFill>
+              <a:srgbClr val="FFFFFF"/>
+            </a:solidFill>
+            <a:prstDash val="solid"/>
+            <a:round/>
+            <a:headEnd len="med" w="med" type="none"/>
+            <a:tailEnd len="med" w="med" type="none"/>
+          </a:ln>
         </p:spPr>
         <p:txBody>
           <a:bodyPr anchorCtr="0" anchor="t" bIns="91425" lIns="91425" rIns="91425" tIns="91425">
@@ -11506,11 +11515,20 @@
         <p:spPr>
           <a:xfrm>
             <a:off x="5854450" y="1146025"/>
-            <a:ext cx="2740200" cy="1893300"/>
+            <a:ext cx="2740200" cy="1649400"/>
           </a:xfrm>
           <a:prstGeom prst="rect">
             <a:avLst/>
           </a:prstGeom>
+          <a:ln cap="flat" cmpd="sng" w="9525">
+            <a:solidFill>
+              <a:srgbClr val="FFFFFF"/>
+            </a:solidFill>
+            <a:prstDash val="solid"/>
+            <a:round/>
+            <a:headEnd len="med" w="med" type="none"/>
+            <a:tailEnd len="med" w="med" type="none"/>
+          </a:ln>
         </p:spPr>
         <p:txBody>
           <a:bodyPr anchorCtr="0" anchor="t" bIns="91425" lIns="91425" rIns="91425" tIns="91425">
@@ -11613,12 +11631,21 @@
         </p:nvSpPr>
         <p:spPr>
           <a:xfrm>
-            <a:off x="2949200" y="2840375"/>
-            <a:ext cx="2740200" cy="1893300"/>
+            <a:off x="2949200" y="2949125"/>
+            <a:ext cx="2740200" cy="1733100"/>
           </a:xfrm>
           <a:prstGeom prst="rect">
             <a:avLst/>
           </a:prstGeom>
+          <a:ln cap="flat" cmpd="sng" w="9525">
+            <a:solidFill>
+              <a:srgbClr val="FFFFFF"/>
+            </a:solidFill>
+            <a:prstDash val="solid"/>
+            <a:round/>
+            <a:headEnd len="med" w="med" type="none"/>
+            <a:tailEnd len="med" w="med" type="none"/>
+          </a:ln>
         </p:spPr>
         <p:txBody>
           <a:bodyPr anchorCtr="0" anchor="t" bIns="91425" lIns="91425" rIns="91425" tIns="91425">
@@ -11673,12 +11700,21 @@
         </p:nvSpPr>
         <p:spPr>
           <a:xfrm>
-            <a:off x="5854450" y="2840375"/>
-            <a:ext cx="2740200" cy="1893300"/>
+            <a:off x="5854450" y="2948975"/>
+            <a:ext cx="2740200" cy="1733100"/>
           </a:xfrm>
           <a:prstGeom prst="rect">
             <a:avLst/>
           </a:prstGeom>
+          <a:ln cap="flat" cmpd="sng" w="9525">
+            <a:solidFill>
+              <a:srgbClr val="FFFFFF"/>
+            </a:solidFill>
+            <a:prstDash val="solid"/>
+            <a:round/>
+            <a:headEnd len="med" w="med" type="none"/>
+            <a:tailEnd len="med" w="med" type="none"/>
+          </a:ln>
         </p:spPr>
         <p:txBody>
           <a:bodyPr anchorCtr="0" anchor="t" bIns="91425" lIns="91425" rIns="91425" tIns="91425">
@@ -12669,7 +12705,7 @@
             </a:pPr>
             <a:r>
               <a:rPr lang="en"/>
-              <a:t>PRODUCT DEVELOPMENT</a:t>
+              <a:t>TECHNOLOGY STACK</a:t>
             </a:r>
           </a:p>
         </p:txBody>
@@ -12682,8 +12718,8 @@
         </p:nvGrpSpPr>
         <p:grpSpPr>
           <a:xfrm>
-            <a:off x="503153" y="671540"/>
-            <a:ext cx="502751" cy="344308"/>
+            <a:off x="539352" y="740719"/>
+            <a:ext cx="384395" cy="254088"/>
             <a:chOff x="5292575" y="3681900"/>
             <a:chExt cx="420150" cy="373275"/>
           </a:xfrm>
@@ -13429,12 +13465,21 @@
         </p:nvSpPr>
         <p:spPr>
           <a:xfrm>
-            <a:off x="2579500" y="1085100"/>
-            <a:ext cx="2106000" cy="1945500"/>
+            <a:off x="2274700" y="461325"/>
+            <a:ext cx="2154600" cy="2313000"/>
           </a:xfrm>
           <a:prstGeom prst="rect">
             <a:avLst/>
           </a:prstGeom>
+          <a:ln cap="flat" cmpd="sng" w="9525">
+            <a:solidFill>
+              <a:srgbClr val="FFFFFF"/>
+            </a:solidFill>
+            <a:prstDash val="solid"/>
+            <a:round/>
+            <a:headEnd len="med" w="med" type="none"/>
+            <a:tailEnd len="med" w="med" type="none"/>
+          </a:ln>
         </p:spPr>
         <p:txBody>
           <a:bodyPr anchorCtr="0" anchor="t" bIns="91425" lIns="91425" rIns="91425" tIns="91425">
@@ -13449,8 +13494,32 @@
               <a:buNone/>
             </a:pPr>
             <a:r>
-              <a:rPr lang="en" sz="1800" u="sng"/>
-              <a:t>WebRatio</a:t>
+              <a:t/>
+            </a:r>
+            <a:endParaRPr sz="1800" u="sng"/>
+          </a:p>
+          <a:p>
+            <a:pPr lvl="0">
+              <a:spcBef>
+                <a:spcPts val="0"/>
+              </a:spcBef>
+              <a:buNone/>
+            </a:pPr>
+            <a:r>
+              <a:t/>
+            </a:r>
+            <a:endParaRPr sz="1000" u="sng"/>
+          </a:p>
+          <a:p>
+            <a:pPr indent="-330200" lvl="0" marL="457200" rtl="0">
+              <a:spcBef>
+                <a:spcPts val="0"/>
+              </a:spcBef>
+              <a:buSzPct val="100000"/>
+            </a:pPr>
+            <a:r>
+              <a:rPr lang="en" sz="1600"/>
+              <a:t>Templates?</a:t>
             </a:r>
           </a:p>
           <a:p>
@@ -13462,19 +13531,7 @@
             </a:pPr>
             <a:r>
               <a:rPr lang="en" sz="1600"/>
-              <a:t>Primary problem</a:t>
-            </a:r>
-          </a:p>
-          <a:p>
-            <a:pPr indent="-330200" lvl="0" marL="457200" rtl="0">
-              <a:spcBef>
-                <a:spcPts val="0"/>
-              </a:spcBef>
-              <a:buSzPct val="100000"/>
-            </a:pPr>
-            <a:r>
-              <a:rPr lang="en" sz="1600"/>
-              <a:t>BPMN view</a:t>
+              <a:t>BPM ↔ Web Project?</a:t>
             </a:r>
           </a:p>
           <a:p>
@@ -13487,6 +13544,18 @@
             <a:r>
               <a:rPr lang="en" sz="1600"/>
               <a:t>Rebuild</a:t>
+            </a:r>
+          </a:p>
+          <a:p>
+            <a:pPr indent="-330200" lvl="0" marL="457200" rtl="0">
+              <a:spcBef>
+                <a:spcPts val="0"/>
+              </a:spcBef>
+              <a:buSzPct val="100000"/>
+            </a:pPr>
+            <a:r>
+              <a:rPr lang="en" sz="1600"/>
+              <a:t>MySQL Workbench</a:t>
             </a:r>
           </a:p>
         </p:txBody>
@@ -13501,12 +13570,21 @@
         </p:nvSpPr>
         <p:spPr>
           <a:xfrm>
-            <a:off x="4801500" y="1085100"/>
-            <a:ext cx="2029800" cy="1945500"/>
+            <a:off x="4554000" y="461250"/>
+            <a:ext cx="1977000" cy="2313000"/>
           </a:xfrm>
           <a:prstGeom prst="rect">
             <a:avLst/>
           </a:prstGeom>
+          <a:ln cap="flat" cmpd="sng" w="9525">
+            <a:solidFill>
+              <a:srgbClr val="FFFFFF"/>
+            </a:solidFill>
+            <a:prstDash val="solid"/>
+            <a:round/>
+            <a:headEnd len="med" w="med" type="none"/>
+            <a:tailEnd len="med" w="med" type="none"/>
+          </a:ln>
         </p:spPr>
         <p:txBody>
           <a:bodyPr anchorCtr="0" anchor="t" bIns="91425" lIns="91425" rIns="91425" tIns="91425">
@@ -13514,16 +13592,28 @@
           </a:bodyPr>
           <a:lstStyle/>
           <a:p>
-            <a:pPr lvl="0" rtl="0">
+            <a:pPr lvl="0">
               <a:spcBef>
                 <a:spcPts val="0"/>
               </a:spcBef>
               <a:buNone/>
             </a:pPr>
             <a:r>
-              <a:rPr lang="en" sz="1800" u="sng"/>
-              <a:t>Circuit</a:t>
+              <a:t/>
             </a:r>
+            <a:endParaRPr sz="1800" u="sng"/>
+          </a:p>
+          <a:p>
+            <a:pPr lvl="0" rtl="0">
+              <a:spcBef>
+                <a:spcPts val="0"/>
+              </a:spcBef>
+              <a:buNone/>
+            </a:pPr>
+            <a:r>
+              <a:t/>
+            </a:r>
+            <a:endParaRPr sz="1000" u="sng"/>
           </a:p>
           <a:p>
             <a:pPr indent="-330200" lvl="0" marL="457200" rtl="0">
@@ -13573,12 +13663,21 @@
         </p:nvSpPr>
         <p:spPr>
           <a:xfrm>
-            <a:off x="6947325" y="1085100"/>
-            <a:ext cx="1896300" cy="1945500"/>
+            <a:off x="6663500" y="461400"/>
+            <a:ext cx="1896300" cy="2313000"/>
           </a:xfrm>
           <a:prstGeom prst="rect">
             <a:avLst/>
           </a:prstGeom>
+          <a:ln cap="flat" cmpd="sng" w="9525">
+            <a:solidFill>
+              <a:srgbClr val="FFFFFF"/>
+            </a:solidFill>
+            <a:prstDash val="solid"/>
+            <a:round/>
+            <a:headEnd len="med" w="med" type="none"/>
+            <a:tailEnd len="med" w="med" type="none"/>
+          </a:ln>
         </p:spPr>
         <p:txBody>
           <a:bodyPr anchorCtr="0" anchor="t" bIns="91425" lIns="91425" rIns="91425" tIns="91425">
@@ -13593,9 +13692,21 @@
               <a:buNone/>
             </a:pPr>
             <a:r>
-              <a:rPr lang="en" sz="1800" u="sng"/>
-              <a:t>Trello</a:t>
+              <a:t/>
             </a:r>
+            <a:endParaRPr sz="1800" u="sng"/>
+          </a:p>
+          <a:p>
+            <a:pPr lvl="0" rtl="0">
+              <a:spcBef>
+                <a:spcPts val="0"/>
+              </a:spcBef>
+              <a:buNone/>
+            </a:pPr>
+            <a:r>
+              <a:t/>
+            </a:r>
+            <a:endParaRPr sz="1000"/>
           </a:p>
           <a:p>
             <a:pPr indent="-330200" lvl="0" marL="457200" rtl="0">
@@ -13681,12 +13792,21 @@
         </p:nvSpPr>
         <p:spPr>
           <a:xfrm>
-            <a:off x="2579475" y="2905750"/>
-            <a:ext cx="2154600" cy="1945500"/>
+            <a:off x="2274675" y="2956800"/>
+            <a:ext cx="2154600" cy="1700400"/>
           </a:xfrm>
           <a:prstGeom prst="rect">
             <a:avLst/>
           </a:prstGeom>
+          <a:ln cap="flat" cmpd="sng" w="9525">
+            <a:solidFill>
+              <a:srgbClr val="FFFFFF"/>
+            </a:solidFill>
+            <a:prstDash val="solid"/>
+            <a:round/>
+            <a:headEnd len="med" w="med" type="none"/>
+            <a:tailEnd len="med" w="med" type="none"/>
+          </a:ln>
         </p:spPr>
         <p:txBody>
           <a:bodyPr anchorCtr="0" anchor="t" bIns="91425" lIns="91425" rIns="91425" tIns="91425">
@@ -13701,9 +13821,21 @@
               <a:buNone/>
             </a:pPr>
             <a:r>
-              <a:rPr lang="en" sz="1800" u="sng"/>
-              <a:t>Git</a:t>
+              <a:t/>
             </a:r>
+            <a:endParaRPr sz="1800" u="sng"/>
+          </a:p>
+          <a:p>
+            <a:pPr lvl="0">
+              <a:spcBef>
+                <a:spcPts val="0"/>
+              </a:spcBef>
+              <a:buNone/>
+            </a:pPr>
+            <a:r>
+              <a:t/>
+            </a:r>
+            <a:endParaRPr sz="1000" u="sng"/>
           </a:p>
           <a:p>
             <a:pPr indent="-330200" lvl="0" marL="457200" rtl="0">
@@ -13727,18 +13859,6 @@
             <a:r>
               <a:rPr lang="en" sz="1600"/>
               <a:t>File sharing</a:t>
-            </a:r>
-          </a:p>
-          <a:p>
-            <a:pPr indent="-330200" lvl="0" marL="457200" rtl="0">
-              <a:spcBef>
-                <a:spcPts val="0"/>
-              </a:spcBef>
-              <a:buSzPct val="100000"/>
-            </a:pPr>
-            <a:r>
-              <a:rPr lang="en" sz="1600"/>
-              <a:t>No integrations</a:t>
             </a:r>
           </a:p>
           <a:p>
@@ -13765,12 +13885,21 @@
         </p:nvSpPr>
         <p:spPr>
           <a:xfrm>
-            <a:off x="6947325" y="2905750"/>
-            <a:ext cx="1977000" cy="1945500"/>
+            <a:off x="6670475" y="2956750"/>
+            <a:ext cx="1896300" cy="1700400"/>
           </a:xfrm>
           <a:prstGeom prst="rect">
             <a:avLst/>
           </a:prstGeom>
+          <a:ln cap="flat" cmpd="sng" w="9525">
+            <a:solidFill>
+              <a:srgbClr val="FFFFFF"/>
+            </a:solidFill>
+            <a:prstDash val="solid"/>
+            <a:round/>
+            <a:headEnd len="med" w="med" type="none"/>
+            <a:tailEnd len="med" w="med" type="none"/>
+          </a:ln>
         </p:spPr>
         <p:txBody>
           <a:bodyPr anchorCtr="0" anchor="t" bIns="91425" lIns="91425" rIns="91425" tIns="91425">
@@ -13785,9 +13914,21 @@
               <a:buNone/>
             </a:pPr>
             <a:r>
-              <a:rPr lang="en" sz="1800" u="sng"/>
-              <a:t>Testing</a:t>
+              <a:t/>
             </a:r>
+            <a:endParaRPr sz="1800" u="sng"/>
+          </a:p>
+          <a:p>
+            <a:pPr lvl="0">
+              <a:spcBef>
+                <a:spcPts val="0"/>
+              </a:spcBef>
+              <a:buNone/>
+            </a:pPr>
+            <a:r>
+              <a:t/>
+            </a:r>
+            <a:endParaRPr sz="1000" u="sng"/>
           </a:p>
           <a:p>
             <a:pPr indent="-330200" lvl="0" marL="457200" rtl="0">
@@ -13849,12 +13990,21 @@
         </p:nvSpPr>
         <p:spPr>
           <a:xfrm>
-            <a:off x="4801500" y="2905750"/>
-            <a:ext cx="2074200" cy="1945500"/>
+            <a:off x="4554000" y="2956800"/>
+            <a:ext cx="1977000" cy="1700400"/>
           </a:xfrm>
           <a:prstGeom prst="rect">
             <a:avLst/>
           </a:prstGeom>
+          <a:ln cap="flat" cmpd="sng" w="9525">
+            <a:solidFill>
+              <a:srgbClr val="FFFFFF"/>
+            </a:solidFill>
+            <a:prstDash val="solid"/>
+            <a:round/>
+            <a:headEnd len="med" w="med" type="none"/>
+            <a:tailEnd len="med" w="med" type="none"/>
+          </a:ln>
         </p:spPr>
         <p:txBody>
           <a:bodyPr anchorCtr="0" anchor="t" bIns="91425" lIns="91425" rIns="91425" tIns="91425">
@@ -13862,15 +14012,39 @@
           </a:bodyPr>
           <a:lstStyle/>
           <a:p>
-            <a:pPr lvl="0" rtl="0">
+            <a:pPr lvl="0">
               <a:spcBef>
                 <a:spcPts val="0"/>
               </a:spcBef>
               <a:buNone/>
             </a:pPr>
             <a:r>
-              <a:rPr lang="en" sz="1800" u="sng"/>
-              <a:t>Cameo</a:t>
+              <a:t/>
+            </a:r>
+            <a:endParaRPr sz="1800" u="sng"/>
+          </a:p>
+          <a:p>
+            <a:pPr lvl="0" rtl="0">
+              <a:spcBef>
+                <a:spcPts val="0"/>
+              </a:spcBef>
+              <a:buNone/>
+            </a:pPr>
+            <a:r>
+              <a:t/>
+            </a:r>
+            <a:endParaRPr sz="1000" u="sng"/>
+          </a:p>
+          <a:p>
+            <a:pPr indent="-330200" lvl="0" marL="457200" rtl="0">
+              <a:spcBef>
+                <a:spcPts val="0"/>
+              </a:spcBef>
+              <a:buSzPct val="100000"/>
+            </a:pPr>
+            <a:r>
+              <a:rPr lang="en" sz="1600"/>
+              <a:t>Learning curve</a:t>
             </a:r>
           </a:p>
           <a:p>
@@ -13882,19 +14056,7 @@
             </a:pPr>
             <a:r>
               <a:rPr lang="en" sz="1600"/>
-              <a:t>Slow</a:t>
-            </a:r>
-          </a:p>
-          <a:p>
-            <a:pPr indent="-330200" lvl="0" marL="457200" rtl="0">
-              <a:spcBef>
-                <a:spcPts val="0"/>
-              </a:spcBef>
-              <a:buSzPct val="100000"/>
-            </a:pPr>
-            <a:r>
-              <a:rPr lang="en" sz="1600"/>
-              <a:t>Dense</a:t>
+              <a:t>Result</a:t>
             </a:r>
           </a:p>
           <a:p>
@@ -13911,6 +14073,171 @@
           </a:p>
         </p:txBody>
       </p:sp>
+      <p:pic>
+        <p:nvPicPr>
+          <p:cNvPr id="159" name="Shape 159"/>
+          <p:cNvPicPr preferRelativeResize="0"/>
+          <p:nvPr/>
+        </p:nvPicPr>
+        <p:blipFill rotWithShape="1">
+          <a:blip r:embed="rId3">
+            <a:alphaModFix/>
+          </a:blip>
+          <a:srcRect b="31502" l="0" r="0" t="31591"/>
+          <a:stretch/>
+        </p:blipFill>
+        <p:spPr>
+          <a:xfrm>
+            <a:off x="2565037" y="632900"/>
+            <a:ext cx="1696950" cy="469725"/>
+          </a:xfrm>
+          <a:prstGeom prst="rect">
+            <a:avLst/>
+          </a:prstGeom>
+          <a:noFill/>
+          <a:ln>
+            <a:noFill/>
+          </a:ln>
+        </p:spPr>
+      </p:pic>
+      <p:pic>
+        <p:nvPicPr>
+          <p:cNvPr id="160" name="Shape 160"/>
+          <p:cNvPicPr preferRelativeResize="0"/>
+          <p:nvPr/>
+        </p:nvPicPr>
+        <p:blipFill>
+          <a:blip r:embed="rId4">
+            <a:alphaModFix/>
+          </a:blip>
+          <a:stretch>
+            <a:fillRect/>
+          </a:stretch>
+        </p:blipFill>
+        <p:spPr>
+          <a:xfrm>
+            <a:off x="5225076" y="556926"/>
+            <a:ext cx="621675" cy="621674"/>
+          </a:xfrm>
+          <a:prstGeom prst="rect">
+            <a:avLst/>
+          </a:prstGeom>
+          <a:noFill/>
+          <a:ln>
+            <a:noFill/>
+          </a:ln>
+        </p:spPr>
+      </p:pic>
+      <p:pic>
+        <p:nvPicPr>
+          <p:cNvPr id="161" name="Shape 161"/>
+          <p:cNvPicPr preferRelativeResize="0"/>
+          <p:nvPr/>
+        </p:nvPicPr>
+        <p:blipFill>
+          <a:blip r:embed="rId5">
+            <a:alphaModFix/>
+          </a:blip>
+          <a:stretch>
+            <a:fillRect/>
+          </a:stretch>
+        </p:blipFill>
+        <p:spPr>
+          <a:xfrm>
+            <a:off x="6744761" y="568325"/>
+            <a:ext cx="1691831" cy="469724"/>
+          </a:xfrm>
+          <a:prstGeom prst="rect">
+            <a:avLst/>
+          </a:prstGeom>
+          <a:noFill/>
+          <a:ln>
+            <a:noFill/>
+          </a:ln>
+        </p:spPr>
+      </p:pic>
+      <p:pic>
+        <p:nvPicPr>
+          <p:cNvPr id="162" name="Shape 162"/>
+          <p:cNvPicPr preferRelativeResize="0"/>
+          <p:nvPr/>
+        </p:nvPicPr>
+        <p:blipFill rotWithShape="1">
+          <a:blip r:embed="rId6">
+            <a:alphaModFix/>
+          </a:blip>
+          <a:srcRect b="20849" l="0" r="0" t="20831"/>
+          <a:stretch/>
+        </p:blipFill>
+        <p:spPr>
+          <a:xfrm>
+            <a:off x="2680587" y="3055025"/>
+            <a:ext cx="1465834" cy="500100"/>
+          </a:xfrm>
+          <a:prstGeom prst="rect">
+            <a:avLst/>
+          </a:prstGeom>
+          <a:noFill/>
+          <a:ln>
+            <a:noFill/>
+          </a:ln>
+        </p:spPr>
+      </p:pic>
+      <p:pic>
+        <p:nvPicPr>
+          <p:cNvPr id="163" name="Shape 163"/>
+          <p:cNvPicPr preferRelativeResize="0"/>
+          <p:nvPr/>
+        </p:nvPicPr>
+        <p:blipFill>
+          <a:blip r:embed="rId7">
+            <a:alphaModFix/>
+          </a:blip>
+          <a:stretch>
+            <a:fillRect/>
+          </a:stretch>
+        </p:blipFill>
+        <p:spPr>
+          <a:xfrm>
+            <a:off x="4598400" y="3004028"/>
+            <a:ext cx="1896301" cy="472996"/>
+          </a:xfrm>
+          <a:prstGeom prst="rect">
+            <a:avLst/>
+          </a:prstGeom>
+          <a:noFill/>
+          <a:ln>
+            <a:noFill/>
+          </a:ln>
+        </p:spPr>
+      </p:pic>
+      <p:pic>
+        <p:nvPicPr>
+          <p:cNvPr id="164" name="Shape 164"/>
+          <p:cNvPicPr preferRelativeResize="0"/>
+          <p:nvPr/>
+        </p:nvPicPr>
+        <p:blipFill rotWithShape="1">
+          <a:blip r:embed="rId8">
+            <a:alphaModFix/>
+          </a:blip>
+          <a:srcRect b="22058" l="14704" r="14768" t="20513"/>
+          <a:stretch/>
+        </p:blipFill>
+        <p:spPr>
+          <a:xfrm>
+            <a:off x="7044725" y="3055021"/>
+            <a:ext cx="1091894" cy="500099"/>
+          </a:xfrm>
+          <a:prstGeom prst="rect">
+            <a:avLst/>
+          </a:prstGeom>
+          <a:noFill/>
+          <a:ln>
+            <a:noFill/>
+          </a:ln>
+        </p:spPr>
+      </p:pic>
     </p:spTree>
   </p:cSld>
   <p:clrMapOvr>
@@ -13924,7 +14251,7 @@
   <p:cSld>
     <p:spTree>
       <p:nvGrpSpPr>
-        <p:cNvPr id="162" name="Shape 162"/>
+        <p:cNvPr id="168" name="Shape 168"/>
         <p:cNvGrpSpPr/>
         <p:nvPr/>
       </p:nvGrpSpPr>
@@ -13938,7 +14265,7 @@
       </p:grpSpPr>
       <p:sp>
         <p:nvSpPr>
-          <p:cNvPr id="163" name="Shape 163"/>
+          <p:cNvPr id="169" name="Shape 169"/>
           <p:cNvSpPr txBox="1"/>
           <p:nvPr>
             <p:ph type="title"/>
@@ -13986,7 +14313,7 @@
       </p:sp>
       <p:grpSp>
         <p:nvGrpSpPr>
-          <p:cNvPr id="164" name="Shape 164"/>
+          <p:cNvPr id="170" name="Shape 170"/>
           <p:cNvGrpSpPr/>
           <p:nvPr/>
         </p:nvGrpSpPr>
@@ -14000,7 +14327,7 @@
         </p:grpSpPr>
         <p:sp>
           <p:nvSpPr>
-            <p:cNvPr id="165" name="Shape 165"/>
+            <p:cNvPr id="171" name="Shape 171"/>
             <p:cNvSpPr/>
             <p:nvPr/>
           </p:nvSpPr>
@@ -14263,757 +14590,6 @@
                   </a:lnTo>
                   <a:lnTo>
                     <a:pt x="14273" y="13030"/>
-                  </a:lnTo>
-                </a:path>
-              </a:pathLst>
-            </a:custGeom>
-            <a:noFill/>
-            <a:ln cap="rnd" cmpd="sng" w="19050">
-              <a:solidFill>
-                <a:srgbClr val="FFFFFF"/>
-              </a:solidFill>
-              <a:prstDash val="solid"/>
-              <a:round/>
-              <a:headEnd len="med" w="med" type="none"/>
-              <a:tailEnd len="med" w="med" type="none"/>
-            </a:ln>
-          </p:spPr>
-          <p:txBody>
-            <a:bodyPr anchorCtr="0" anchor="ctr" bIns="91425" lIns="91425" rIns="91425" tIns="91425">
-              <a:noAutofit/>
-            </a:bodyPr>
-            <a:lstStyle/>
-            <a:p>
-              <a:pPr lvl="0">
-                <a:spcBef>
-                  <a:spcPts val="0"/>
-                </a:spcBef>
-                <a:buNone/>
-              </a:pPr>
-              <a:r>
-                <a:t/>
-              </a:r>
-              <a:endParaRPr/>
-            </a:p>
-          </p:txBody>
-        </p:sp>
-        <p:sp>
-          <p:nvSpPr>
-            <p:cNvPr id="166" name="Shape 166"/>
-            <p:cNvSpPr/>
-            <p:nvPr/>
-          </p:nvSpPr>
-          <p:spPr>
-            <a:xfrm>
-              <a:off x="704725" y="2545750"/>
-              <a:ext cx="185125" cy="25"/>
-            </a:xfrm>
-            <a:custGeom>
-              <a:pathLst>
-                <a:path extrusionOk="0" fill="none" h="1" w="7405">
-                  <a:moveTo>
-                    <a:pt x="7404" y="0"/>
-                  </a:moveTo>
-                  <a:lnTo>
-                    <a:pt x="0" y="0"/>
-                  </a:lnTo>
-                </a:path>
-              </a:pathLst>
-            </a:custGeom>
-            <a:noFill/>
-            <a:ln cap="rnd" cmpd="sng" w="19050">
-              <a:solidFill>
-                <a:srgbClr val="FFFFFF"/>
-              </a:solidFill>
-              <a:prstDash val="solid"/>
-              <a:round/>
-              <a:headEnd len="med" w="med" type="none"/>
-              <a:tailEnd len="med" w="med" type="none"/>
-            </a:ln>
-          </p:spPr>
-          <p:txBody>
-            <a:bodyPr anchorCtr="0" anchor="ctr" bIns="91425" lIns="91425" rIns="91425" tIns="91425">
-              <a:noAutofit/>
-            </a:bodyPr>
-            <a:lstStyle/>
-            <a:p>
-              <a:pPr lvl="0">
-                <a:spcBef>
-                  <a:spcPts val="0"/>
-                </a:spcBef>
-                <a:buNone/>
-              </a:pPr>
-              <a:r>
-                <a:t/>
-              </a:r>
-              <a:endParaRPr/>
-            </a:p>
-          </p:txBody>
-        </p:sp>
-        <p:sp>
-          <p:nvSpPr>
-            <p:cNvPr id="167" name="Shape 167"/>
-            <p:cNvSpPr/>
-            <p:nvPr/>
-          </p:nvSpPr>
-          <p:spPr>
-            <a:xfrm>
-              <a:off x="811875" y="2626125"/>
-              <a:ext cx="31075" cy="31075"/>
-            </a:xfrm>
-            <a:custGeom>
-              <a:pathLst>
-                <a:path extrusionOk="0" fill="none" h="1243" w="1243">
-                  <a:moveTo>
-                    <a:pt x="1" y="633"/>
-                  </a:moveTo>
-                  <a:lnTo>
-                    <a:pt x="1" y="633"/>
-                  </a:lnTo>
-                  <a:lnTo>
-                    <a:pt x="25" y="487"/>
-                  </a:lnTo>
-                  <a:lnTo>
-                    <a:pt x="50" y="390"/>
-                  </a:lnTo>
-                  <a:lnTo>
-                    <a:pt x="98" y="268"/>
-                  </a:lnTo>
-                  <a:lnTo>
-                    <a:pt x="171" y="171"/>
-                  </a:lnTo>
-                  <a:lnTo>
-                    <a:pt x="269" y="98"/>
-                  </a:lnTo>
-                  <a:lnTo>
-                    <a:pt x="390" y="49"/>
-                  </a:lnTo>
-                  <a:lnTo>
-                    <a:pt x="488" y="24"/>
-                  </a:lnTo>
-                  <a:lnTo>
-                    <a:pt x="634" y="0"/>
-                  </a:lnTo>
-                  <a:lnTo>
-                    <a:pt x="634" y="0"/>
-                  </a:lnTo>
-                  <a:lnTo>
-                    <a:pt x="756" y="24"/>
-                  </a:lnTo>
-                  <a:lnTo>
-                    <a:pt x="853" y="49"/>
-                  </a:lnTo>
-                  <a:lnTo>
-                    <a:pt x="975" y="98"/>
-                  </a:lnTo>
-                  <a:lnTo>
-                    <a:pt x="1072" y="171"/>
-                  </a:lnTo>
-                  <a:lnTo>
-                    <a:pt x="1146" y="268"/>
-                  </a:lnTo>
-                  <a:lnTo>
-                    <a:pt x="1194" y="390"/>
-                  </a:lnTo>
-                  <a:lnTo>
-                    <a:pt x="1243" y="487"/>
-                  </a:lnTo>
-                  <a:lnTo>
-                    <a:pt x="1243" y="633"/>
-                  </a:lnTo>
-                  <a:lnTo>
-                    <a:pt x="1243" y="633"/>
-                  </a:lnTo>
-                  <a:lnTo>
-                    <a:pt x="1243" y="755"/>
-                  </a:lnTo>
-                  <a:lnTo>
-                    <a:pt x="1194" y="853"/>
-                  </a:lnTo>
-                  <a:lnTo>
-                    <a:pt x="1146" y="974"/>
-                  </a:lnTo>
-                  <a:lnTo>
-                    <a:pt x="1072" y="1072"/>
-                  </a:lnTo>
-                  <a:lnTo>
-                    <a:pt x="975" y="1145"/>
-                  </a:lnTo>
-                  <a:lnTo>
-                    <a:pt x="853" y="1194"/>
-                  </a:lnTo>
-                  <a:lnTo>
-                    <a:pt x="756" y="1242"/>
-                  </a:lnTo>
-                  <a:lnTo>
-                    <a:pt x="634" y="1242"/>
-                  </a:lnTo>
-                  <a:lnTo>
-                    <a:pt x="634" y="1242"/>
-                  </a:lnTo>
-                  <a:lnTo>
-                    <a:pt x="488" y="1242"/>
-                  </a:lnTo>
-                  <a:lnTo>
-                    <a:pt x="390" y="1194"/>
-                  </a:lnTo>
-                  <a:lnTo>
-                    <a:pt x="269" y="1145"/>
-                  </a:lnTo>
-                  <a:lnTo>
-                    <a:pt x="171" y="1072"/>
-                  </a:lnTo>
-                  <a:lnTo>
-                    <a:pt x="98" y="974"/>
-                  </a:lnTo>
-                  <a:lnTo>
-                    <a:pt x="50" y="853"/>
-                  </a:lnTo>
-                  <a:lnTo>
-                    <a:pt x="25" y="755"/>
-                  </a:lnTo>
-                  <a:lnTo>
-                    <a:pt x="1" y="633"/>
-                  </a:lnTo>
-                  <a:lnTo>
-                    <a:pt x="1" y="633"/>
-                  </a:lnTo>
-                </a:path>
-              </a:pathLst>
-            </a:custGeom>
-            <a:noFill/>
-            <a:ln cap="rnd" cmpd="sng" w="19050">
-              <a:solidFill>
-                <a:srgbClr val="FFFFFF"/>
-              </a:solidFill>
-              <a:prstDash val="solid"/>
-              <a:round/>
-              <a:headEnd len="med" w="med" type="none"/>
-              <a:tailEnd len="med" w="med" type="none"/>
-            </a:ln>
-          </p:spPr>
-          <p:txBody>
-            <a:bodyPr anchorCtr="0" anchor="ctr" bIns="91425" lIns="91425" rIns="91425" tIns="91425">
-              <a:noAutofit/>
-            </a:bodyPr>
-            <a:lstStyle/>
-            <a:p>
-              <a:pPr lvl="0">
-                <a:spcBef>
-                  <a:spcPts val="0"/>
-                </a:spcBef>
-                <a:buNone/>
-              </a:pPr>
-              <a:r>
-                <a:t/>
-              </a:r>
-              <a:endParaRPr/>
-            </a:p>
-          </p:txBody>
-        </p:sp>
-        <p:sp>
-          <p:nvSpPr>
-            <p:cNvPr id="168" name="Shape 168"/>
-            <p:cNvSpPr/>
-            <p:nvPr/>
-          </p:nvSpPr>
-          <p:spPr>
-            <a:xfrm>
-              <a:off x="751000" y="2568275"/>
-              <a:ext cx="54200" cy="53600"/>
-            </a:xfrm>
-            <a:custGeom>
-              <a:pathLst>
-                <a:path extrusionOk="0" fill="none" h="2144" w="2168">
-                  <a:moveTo>
-                    <a:pt x="1096" y="2144"/>
-                  </a:moveTo>
-                  <a:lnTo>
-                    <a:pt x="1096" y="2144"/>
-                  </a:lnTo>
-                  <a:lnTo>
-                    <a:pt x="877" y="2119"/>
-                  </a:lnTo>
-                  <a:lnTo>
-                    <a:pt x="658" y="2071"/>
-                  </a:lnTo>
-                  <a:lnTo>
-                    <a:pt x="487" y="1973"/>
-                  </a:lnTo>
-                  <a:lnTo>
-                    <a:pt x="317" y="1827"/>
-                  </a:lnTo>
-                  <a:lnTo>
-                    <a:pt x="195" y="1681"/>
-                  </a:lnTo>
-                  <a:lnTo>
-                    <a:pt x="98" y="1486"/>
-                  </a:lnTo>
-                  <a:lnTo>
-                    <a:pt x="25" y="1291"/>
-                  </a:lnTo>
-                  <a:lnTo>
-                    <a:pt x="0" y="1072"/>
-                  </a:lnTo>
-                  <a:lnTo>
-                    <a:pt x="0" y="1072"/>
-                  </a:lnTo>
-                  <a:lnTo>
-                    <a:pt x="25" y="853"/>
-                  </a:lnTo>
-                  <a:lnTo>
-                    <a:pt x="98" y="658"/>
-                  </a:lnTo>
-                  <a:lnTo>
-                    <a:pt x="195" y="463"/>
-                  </a:lnTo>
-                  <a:lnTo>
-                    <a:pt x="317" y="317"/>
-                  </a:lnTo>
-                  <a:lnTo>
-                    <a:pt x="487" y="171"/>
-                  </a:lnTo>
-                  <a:lnTo>
-                    <a:pt x="658" y="73"/>
-                  </a:lnTo>
-                  <a:lnTo>
-                    <a:pt x="877" y="0"/>
-                  </a:lnTo>
-                  <a:lnTo>
-                    <a:pt x="1096" y="0"/>
-                  </a:lnTo>
-                  <a:lnTo>
-                    <a:pt x="1096" y="0"/>
-                  </a:lnTo>
-                  <a:lnTo>
-                    <a:pt x="1315" y="0"/>
-                  </a:lnTo>
-                  <a:lnTo>
-                    <a:pt x="1510" y="73"/>
-                  </a:lnTo>
-                  <a:lnTo>
-                    <a:pt x="1681" y="171"/>
-                  </a:lnTo>
-                  <a:lnTo>
-                    <a:pt x="1851" y="317"/>
-                  </a:lnTo>
-                  <a:lnTo>
-                    <a:pt x="1973" y="463"/>
-                  </a:lnTo>
-                  <a:lnTo>
-                    <a:pt x="2070" y="658"/>
-                  </a:lnTo>
-                  <a:lnTo>
-                    <a:pt x="2144" y="853"/>
-                  </a:lnTo>
-                  <a:lnTo>
-                    <a:pt x="2168" y="1072"/>
-                  </a:lnTo>
-                  <a:lnTo>
-                    <a:pt x="2168" y="1072"/>
-                  </a:lnTo>
-                  <a:lnTo>
-                    <a:pt x="2144" y="1291"/>
-                  </a:lnTo>
-                  <a:lnTo>
-                    <a:pt x="2070" y="1486"/>
-                  </a:lnTo>
-                  <a:lnTo>
-                    <a:pt x="1973" y="1681"/>
-                  </a:lnTo>
-                  <a:lnTo>
-                    <a:pt x="1851" y="1827"/>
-                  </a:lnTo>
-                  <a:lnTo>
-                    <a:pt x="1681" y="1973"/>
-                  </a:lnTo>
-                  <a:lnTo>
-                    <a:pt x="1510" y="2071"/>
-                  </a:lnTo>
-                  <a:lnTo>
-                    <a:pt x="1315" y="2119"/>
-                  </a:lnTo>
-                  <a:lnTo>
-                    <a:pt x="1096" y="2144"/>
-                  </a:lnTo>
-                  <a:lnTo>
-                    <a:pt x="1096" y="2144"/>
-                  </a:lnTo>
-                </a:path>
-              </a:pathLst>
-            </a:custGeom>
-            <a:noFill/>
-            <a:ln cap="rnd" cmpd="sng" w="19050">
-              <a:solidFill>
-                <a:srgbClr val="FFFFFF"/>
-              </a:solidFill>
-              <a:prstDash val="solid"/>
-              <a:round/>
-              <a:headEnd len="med" w="med" type="none"/>
-              <a:tailEnd len="med" w="med" type="none"/>
-            </a:ln>
-          </p:spPr>
-          <p:txBody>
-            <a:bodyPr anchorCtr="0" anchor="ctr" bIns="91425" lIns="91425" rIns="91425" tIns="91425">
-              <a:noAutofit/>
-            </a:bodyPr>
-            <a:lstStyle/>
-            <a:p>
-              <a:pPr lvl="0">
-                <a:spcBef>
-                  <a:spcPts val="0"/>
-                </a:spcBef>
-                <a:buNone/>
-              </a:pPr>
-              <a:r>
-                <a:t/>
-              </a:r>
-              <a:endParaRPr/>
-            </a:p>
-          </p:txBody>
-        </p:sp>
-        <p:sp>
-          <p:nvSpPr>
-            <p:cNvPr id="169" name="Shape 169"/>
-            <p:cNvSpPr/>
-            <p:nvPr/>
-          </p:nvSpPr>
-          <p:spPr>
-            <a:xfrm>
-              <a:off x="769875" y="2662650"/>
-              <a:ext cx="23775" cy="23775"/>
-            </a:xfrm>
-            <a:custGeom>
-              <a:pathLst>
-                <a:path extrusionOk="0" fill="none" h="951" w="951">
-                  <a:moveTo>
-                    <a:pt x="0" y="463"/>
-                  </a:moveTo>
-                  <a:lnTo>
-                    <a:pt x="0" y="463"/>
-                  </a:lnTo>
-                  <a:lnTo>
-                    <a:pt x="0" y="366"/>
-                  </a:lnTo>
-                  <a:lnTo>
-                    <a:pt x="25" y="293"/>
-                  </a:lnTo>
-                  <a:lnTo>
-                    <a:pt x="73" y="195"/>
-                  </a:lnTo>
-                  <a:lnTo>
-                    <a:pt x="146" y="122"/>
-                  </a:lnTo>
-                  <a:lnTo>
-                    <a:pt x="220" y="73"/>
-                  </a:lnTo>
-                  <a:lnTo>
-                    <a:pt x="293" y="25"/>
-                  </a:lnTo>
-                  <a:lnTo>
-                    <a:pt x="390" y="0"/>
-                  </a:lnTo>
-                  <a:lnTo>
-                    <a:pt x="487" y="0"/>
-                  </a:lnTo>
-                  <a:lnTo>
-                    <a:pt x="487" y="0"/>
-                  </a:lnTo>
-                  <a:lnTo>
-                    <a:pt x="585" y="0"/>
-                  </a:lnTo>
-                  <a:lnTo>
-                    <a:pt x="658" y="25"/>
-                  </a:lnTo>
-                  <a:lnTo>
-                    <a:pt x="755" y="73"/>
-                  </a:lnTo>
-                  <a:lnTo>
-                    <a:pt x="828" y="122"/>
-                  </a:lnTo>
-                  <a:lnTo>
-                    <a:pt x="877" y="195"/>
-                  </a:lnTo>
-                  <a:lnTo>
-                    <a:pt x="926" y="293"/>
-                  </a:lnTo>
-                  <a:lnTo>
-                    <a:pt x="950" y="366"/>
-                  </a:lnTo>
-                  <a:lnTo>
-                    <a:pt x="950" y="463"/>
-                  </a:lnTo>
-                  <a:lnTo>
-                    <a:pt x="950" y="463"/>
-                  </a:lnTo>
-                  <a:lnTo>
-                    <a:pt x="950" y="561"/>
-                  </a:lnTo>
-                  <a:lnTo>
-                    <a:pt x="926" y="658"/>
-                  </a:lnTo>
-                  <a:lnTo>
-                    <a:pt x="877" y="755"/>
-                  </a:lnTo>
-                  <a:lnTo>
-                    <a:pt x="828" y="804"/>
-                  </a:lnTo>
-                  <a:lnTo>
-                    <a:pt x="755" y="877"/>
-                  </a:lnTo>
-                  <a:lnTo>
-                    <a:pt x="658" y="926"/>
-                  </a:lnTo>
-                  <a:lnTo>
-                    <a:pt x="585" y="950"/>
-                  </a:lnTo>
-                  <a:lnTo>
-                    <a:pt x="487" y="950"/>
-                  </a:lnTo>
-                  <a:lnTo>
-                    <a:pt x="487" y="950"/>
-                  </a:lnTo>
-                  <a:lnTo>
-                    <a:pt x="390" y="950"/>
-                  </a:lnTo>
-                  <a:lnTo>
-                    <a:pt x="293" y="926"/>
-                  </a:lnTo>
-                  <a:lnTo>
-                    <a:pt x="220" y="877"/>
-                  </a:lnTo>
-                  <a:lnTo>
-                    <a:pt x="146" y="804"/>
-                  </a:lnTo>
-                  <a:lnTo>
-                    <a:pt x="73" y="755"/>
-                  </a:lnTo>
-                  <a:lnTo>
-                    <a:pt x="25" y="658"/>
-                  </a:lnTo>
-                  <a:lnTo>
-                    <a:pt x="0" y="561"/>
-                  </a:lnTo>
-                  <a:lnTo>
-                    <a:pt x="0" y="463"/>
-                  </a:lnTo>
-                  <a:lnTo>
-                    <a:pt x="0" y="463"/>
-                  </a:lnTo>
-                </a:path>
-              </a:pathLst>
-            </a:custGeom>
-            <a:noFill/>
-            <a:ln cap="rnd" cmpd="sng" w="19050">
-              <a:solidFill>
-                <a:srgbClr val="FFFFFF"/>
-              </a:solidFill>
-              <a:prstDash val="solid"/>
-              <a:round/>
-              <a:headEnd len="med" w="med" type="none"/>
-              <a:tailEnd len="med" w="med" type="none"/>
-            </a:ln>
-          </p:spPr>
-          <p:txBody>
-            <a:bodyPr anchorCtr="0" anchor="ctr" bIns="91425" lIns="91425" rIns="91425" tIns="91425">
-              <a:noAutofit/>
-            </a:bodyPr>
-            <a:lstStyle/>
-            <a:p>
-              <a:pPr lvl="0">
-                <a:spcBef>
-                  <a:spcPts val="0"/>
-                </a:spcBef>
-                <a:buNone/>
-              </a:pPr>
-              <a:r>
-                <a:t/>
-              </a:r>
-              <a:endParaRPr/>
-            </a:p>
-          </p:txBody>
-        </p:sp>
-        <p:sp>
-          <p:nvSpPr>
-            <p:cNvPr id="170" name="Shape 170"/>
-            <p:cNvSpPr/>
-            <p:nvPr/>
-          </p:nvSpPr>
-          <p:spPr>
-            <a:xfrm>
-              <a:off x="799700" y="2503125"/>
-              <a:ext cx="24375" cy="23775"/>
-            </a:xfrm>
-            <a:custGeom>
-              <a:pathLst>
-                <a:path extrusionOk="0" fill="none" h="951" w="975">
-                  <a:moveTo>
-                    <a:pt x="1" y="463"/>
-                  </a:moveTo>
-                  <a:lnTo>
-                    <a:pt x="1" y="463"/>
-                  </a:lnTo>
-                  <a:lnTo>
-                    <a:pt x="25" y="366"/>
-                  </a:lnTo>
-                  <a:lnTo>
-                    <a:pt x="49" y="293"/>
-                  </a:lnTo>
-                  <a:lnTo>
-                    <a:pt x="98" y="195"/>
-                  </a:lnTo>
-                  <a:lnTo>
-                    <a:pt x="147" y="122"/>
-                  </a:lnTo>
-                  <a:lnTo>
-                    <a:pt x="220" y="73"/>
-                  </a:lnTo>
-                  <a:lnTo>
-                    <a:pt x="293" y="25"/>
-                  </a:lnTo>
-                  <a:lnTo>
-                    <a:pt x="390" y="0"/>
-                  </a:lnTo>
-                  <a:lnTo>
-                    <a:pt x="488" y="0"/>
-                  </a:lnTo>
-                  <a:lnTo>
-                    <a:pt x="488" y="0"/>
-                  </a:lnTo>
-                  <a:lnTo>
-                    <a:pt x="585" y="0"/>
-                  </a:lnTo>
-                  <a:lnTo>
-                    <a:pt x="683" y="25"/>
-                  </a:lnTo>
-                  <a:lnTo>
-                    <a:pt x="756" y="73"/>
-                  </a:lnTo>
-                  <a:lnTo>
-                    <a:pt x="829" y="122"/>
-                  </a:lnTo>
-                  <a:lnTo>
-                    <a:pt x="877" y="195"/>
-                  </a:lnTo>
-                  <a:lnTo>
-                    <a:pt x="926" y="293"/>
-                  </a:lnTo>
-                  <a:lnTo>
-                    <a:pt x="951" y="366"/>
-                  </a:lnTo>
-                  <a:lnTo>
-                    <a:pt x="975" y="463"/>
-                  </a:lnTo>
-                  <a:lnTo>
-                    <a:pt x="975" y="463"/>
-                  </a:lnTo>
-                  <a:lnTo>
-                    <a:pt x="951" y="561"/>
-                  </a:lnTo>
-                  <a:lnTo>
-                    <a:pt x="926" y="658"/>
-                  </a:lnTo>
-                  <a:lnTo>
-                    <a:pt x="877" y="731"/>
-                  </a:lnTo>
-                  <a:lnTo>
-                    <a:pt x="829" y="804"/>
-                  </a:lnTo>
-                  <a:lnTo>
-                    <a:pt x="756" y="877"/>
-                  </a:lnTo>
-                  <a:lnTo>
-                    <a:pt x="683" y="902"/>
-                  </a:lnTo>
-                  <a:lnTo>
-                    <a:pt x="585" y="950"/>
-                  </a:lnTo>
-                  <a:lnTo>
-                    <a:pt x="488" y="950"/>
-                  </a:lnTo>
-                  <a:lnTo>
-                    <a:pt x="488" y="950"/>
-                  </a:lnTo>
-                  <a:lnTo>
-                    <a:pt x="390" y="950"/>
-                  </a:lnTo>
-                  <a:lnTo>
-                    <a:pt x="293" y="902"/>
-                  </a:lnTo>
-                  <a:lnTo>
-                    <a:pt x="220" y="877"/>
-                  </a:lnTo>
-                  <a:lnTo>
-                    <a:pt x="147" y="804"/>
-                  </a:lnTo>
-                  <a:lnTo>
-                    <a:pt x="98" y="731"/>
-                  </a:lnTo>
-                  <a:lnTo>
-                    <a:pt x="49" y="658"/>
-                  </a:lnTo>
-                  <a:lnTo>
-                    <a:pt x="25" y="561"/>
-                  </a:lnTo>
-                  <a:lnTo>
-                    <a:pt x="1" y="463"/>
-                  </a:lnTo>
-                  <a:lnTo>
-                    <a:pt x="1" y="463"/>
-                  </a:lnTo>
-                  <a:close/>
-                </a:path>
-              </a:pathLst>
-            </a:custGeom>
-            <a:noFill/>
-            <a:ln cap="rnd" cmpd="sng" w="19050">
-              <a:solidFill>
-                <a:srgbClr val="FFFFFF"/>
-              </a:solidFill>
-              <a:prstDash val="solid"/>
-              <a:round/>
-              <a:headEnd len="med" w="med" type="none"/>
-              <a:tailEnd len="med" w="med" type="none"/>
-            </a:ln>
-          </p:spPr>
-          <p:txBody>
-            <a:bodyPr anchorCtr="0" anchor="ctr" bIns="91425" lIns="91425" rIns="91425" tIns="91425">
-              <a:noAutofit/>
-            </a:bodyPr>
-            <a:lstStyle/>
-            <a:p>
-              <a:pPr lvl="0">
-                <a:spcBef>
-                  <a:spcPts val="0"/>
-                </a:spcBef>
-                <a:buNone/>
-              </a:pPr>
-              <a:r>
-                <a:t/>
-              </a:r>
-              <a:endParaRPr/>
-            </a:p>
-          </p:txBody>
-        </p:sp>
-        <p:sp>
-          <p:nvSpPr>
-            <p:cNvPr id="171" name="Shape 171"/>
-            <p:cNvSpPr/>
-            <p:nvPr/>
-          </p:nvSpPr>
-          <p:spPr>
-            <a:xfrm>
-              <a:off x="766825" y="2388050"/>
-              <a:ext cx="60925" cy="25"/>
-            </a:xfrm>
-            <a:custGeom>
-              <a:pathLst>
-                <a:path extrusionOk="0" fill="none" h="1" w="2437">
-                  <a:moveTo>
-                    <a:pt x="2436" y="0"/>
-                  </a:moveTo>
-                  <a:lnTo>
-                    <a:pt x="1" y="0"/>
                   </a:lnTo>
                 </a:path>
               </a:pathLst>
@@ -15056,6 +14632,757 @@
           </p:nvSpPr>
           <p:spPr>
             <a:xfrm>
+              <a:off x="704725" y="2545750"/>
+              <a:ext cx="185125" cy="25"/>
+            </a:xfrm>
+            <a:custGeom>
+              <a:pathLst>
+                <a:path extrusionOk="0" fill="none" h="1" w="7405">
+                  <a:moveTo>
+                    <a:pt x="7404" y="0"/>
+                  </a:moveTo>
+                  <a:lnTo>
+                    <a:pt x="0" y="0"/>
+                  </a:lnTo>
+                </a:path>
+              </a:pathLst>
+            </a:custGeom>
+            <a:noFill/>
+            <a:ln cap="rnd" cmpd="sng" w="19050">
+              <a:solidFill>
+                <a:srgbClr val="FFFFFF"/>
+              </a:solidFill>
+              <a:prstDash val="solid"/>
+              <a:round/>
+              <a:headEnd len="med" w="med" type="none"/>
+              <a:tailEnd len="med" w="med" type="none"/>
+            </a:ln>
+          </p:spPr>
+          <p:txBody>
+            <a:bodyPr anchorCtr="0" anchor="ctr" bIns="91425" lIns="91425" rIns="91425" tIns="91425">
+              <a:noAutofit/>
+            </a:bodyPr>
+            <a:lstStyle/>
+            <a:p>
+              <a:pPr lvl="0">
+                <a:spcBef>
+                  <a:spcPts val="0"/>
+                </a:spcBef>
+                <a:buNone/>
+              </a:pPr>
+              <a:r>
+                <a:t/>
+              </a:r>
+              <a:endParaRPr/>
+            </a:p>
+          </p:txBody>
+        </p:sp>
+        <p:sp>
+          <p:nvSpPr>
+            <p:cNvPr id="173" name="Shape 173"/>
+            <p:cNvSpPr/>
+            <p:nvPr/>
+          </p:nvSpPr>
+          <p:spPr>
+            <a:xfrm>
+              <a:off x="811875" y="2626125"/>
+              <a:ext cx="31075" cy="31075"/>
+            </a:xfrm>
+            <a:custGeom>
+              <a:pathLst>
+                <a:path extrusionOk="0" fill="none" h="1243" w="1243">
+                  <a:moveTo>
+                    <a:pt x="1" y="633"/>
+                  </a:moveTo>
+                  <a:lnTo>
+                    <a:pt x="1" y="633"/>
+                  </a:lnTo>
+                  <a:lnTo>
+                    <a:pt x="25" y="487"/>
+                  </a:lnTo>
+                  <a:lnTo>
+                    <a:pt x="50" y="390"/>
+                  </a:lnTo>
+                  <a:lnTo>
+                    <a:pt x="98" y="268"/>
+                  </a:lnTo>
+                  <a:lnTo>
+                    <a:pt x="171" y="171"/>
+                  </a:lnTo>
+                  <a:lnTo>
+                    <a:pt x="269" y="98"/>
+                  </a:lnTo>
+                  <a:lnTo>
+                    <a:pt x="390" y="49"/>
+                  </a:lnTo>
+                  <a:lnTo>
+                    <a:pt x="488" y="24"/>
+                  </a:lnTo>
+                  <a:lnTo>
+                    <a:pt x="634" y="0"/>
+                  </a:lnTo>
+                  <a:lnTo>
+                    <a:pt x="634" y="0"/>
+                  </a:lnTo>
+                  <a:lnTo>
+                    <a:pt x="756" y="24"/>
+                  </a:lnTo>
+                  <a:lnTo>
+                    <a:pt x="853" y="49"/>
+                  </a:lnTo>
+                  <a:lnTo>
+                    <a:pt x="975" y="98"/>
+                  </a:lnTo>
+                  <a:lnTo>
+                    <a:pt x="1072" y="171"/>
+                  </a:lnTo>
+                  <a:lnTo>
+                    <a:pt x="1146" y="268"/>
+                  </a:lnTo>
+                  <a:lnTo>
+                    <a:pt x="1194" y="390"/>
+                  </a:lnTo>
+                  <a:lnTo>
+                    <a:pt x="1243" y="487"/>
+                  </a:lnTo>
+                  <a:lnTo>
+                    <a:pt x="1243" y="633"/>
+                  </a:lnTo>
+                  <a:lnTo>
+                    <a:pt x="1243" y="633"/>
+                  </a:lnTo>
+                  <a:lnTo>
+                    <a:pt x="1243" y="755"/>
+                  </a:lnTo>
+                  <a:lnTo>
+                    <a:pt x="1194" y="853"/>
+                  </a:lnTo>
+                  <a:lnTo>
+                    <a:pt x="1146" y="974"/>
+                  </a:lnTo>
+                  <a:lnTo>
+                    <a:pt x="1072" y="1072"/>
+                  </a:lnTo>
+                  <a:lnTo>
+                    <a:pt x="975" y="1145"/>
+                  </a:lnTo>
+                  <a:lnTo>
+                    <a:pt x="853" y="1194"/>
+                  </a:lnTo>
+                  <a:lnTo>
+                    <a:pt x="756" y="1242"/>
+                  </a:lnTo>
+                  <a:lnTo>
+                    <a:pt x="634" y="1242"/>
+                  </a:lnTo>
+                  <a:lnTo>
+                    <a:pt x="634" y="1242"/>
+                  </a:lnTo>
+                  <a:lnTo>
+                    <a:pt x="488" y="1242"/>
+                  </a:lnTo>
+                  <a:lnTo>
+                    <a:pt x="390" y="1194"/>
+                  </a:lnTo>
+                  <a:lnTo>
+                    <a:pt x="269" y="1145"/>
+                  </a:lnTo>
+                  <a:lnTo>
+                    <a:pt x="171" y="1072"/>
+                  </a:lnTo>
+                  <a:lnTo>
+                    <a:pt x="98" y="974"/>
+                  </a:lnTo>
+                  <a:lnTo>
+                    <a:pt x="50" y="853"/>
+                  </a:lnTo>
+                  <a:lnTo>
+                    <a:pt x="25" y="755"/>
+                  </a:lnTo>
+                  <a:lnTo>
+                    <a:pt x="1" y="633"/>
+                  </a:lnTo>
+                  <a:lnTo>
+                    <a:pt x="1" y="633"/>
+                  </a:lnTo>
+                </a:path>
+              </a:pathLst>
+            </a:custGeom>
+            <a:noFill/>
+            <a:ln cap="rnd" cmpd="sng" w="19050">
+              <a:solidFill>
+                <a:srgbClr val="FFFFFF"/>
+              </a:solidFill>
+              <a:prstDash val="solid"/>
+              <a:round/>
+              <a:headEnd len="med" w="med" type="none"/>
+              <a:tailEnd len="med" w="med" type="none"/>
+            </a:ln>
+          </p:spPr>
+          <p:txBody>
+            <a:bodyPr anchorCtr="0" anchor="ctr" bIns="91425" lIns="91425" rIns="91425" tIns="91425">
+              <a:noAutofit/>
+            </a:bodyPr>
+            <a:lstStyle/>
+            <a:p>
+              <a:pPr lvl="0">
+                <a:spcBef>
+                  <a:spcPts val="0"/>
+                </a:spcBef>
+                <a:buNone/>
+              </a:pPr>
+              <a:r>
+                <a:t/>
+              </a:r>
+              <a:endParaRPr/>
+            </a:p>
+          </p:txBody>
+        </p:sp>
+        <p:sp>
+          <p:nvSpPr>
+            <p:cNvPr id="174" name="Shape 174"/>
+            <p:cNvSpPr/>
+            <p:nvPr/>
+          </p:nvSpPr>
+          <p:spPr>
+            <a:xfrm>
+              <a:off x="751000" y="2568275"/>
+              <a:ext cx="54200" cy="53600"/>
+            </a:xfrm>
+            <a:custGeom>
+              <a:pathLst>
+                <a:path extrusionOk="0" fill="none" h="2144" w="2168">
+                  <a:moveTo>
+                    <a:pt x="1096" y="2144"/>
+                  </a:moveTo>
+                  <a:lnTo>
+                    <a:pt x="1096" y="2144"/>
+                  </a:lnTo>
+                  <a:lnTo>
+                    <a:pt x="877" y="2119"/>
+                  </a:lnTo>
+                  <a:lnTo>
+                    <a:pt x="658" y="2071"/>
+                  </a:lnTo>
+                  <a:lnTo>
+                    <a:pt x="487" y="1973"/>
+                  </a:lnTo>
+                  <a:lnTo>
+                    <a:pt x="317" y="1827"/>
+                  </a:lnTo>
+                  <a:lnTo>
+                    <a:pt x="195" y="1681"/>
+                  </a:lnTo>
+                  <a:lnTo>
+                    <a:pt x="98" y="1486"/>
+                  </a:lnTo>
+                  <a:lnTo>
+                    <a:pt x="25" y="1291"/>
+                  </a:lnTo>
+                  <a:lnTo>
+                    <a:pt x="0" y="1072"/>
+                  </a:lnTo>
+                  <a:lnTo>
+                    <a:pt x="0" y="1072"/>
+                  </a:lnTo>
+                  <a:lnTo>
+                    <a:pt x="25" y="853"/>
+                  </a:lnTo>
+                  <a:lnTo>
+                    <a:pt x="98" y="658"/>
+                  </a:lnTo>
+                  <a:lnTo>
+                    <a:pt x="195" y="463"/>
+                  </a:lnTo>
+                  <a:lnTo>
+                    <a:pt x="317" y="317"/>
+                  </a:lnTo>
+                  <a:lnTo>
+                    <a:pt x="487" y="171"/>
+                  </a:lnTo>
+                  <a:lnTo>
+                    <a:pt x="658" y="73"/>
+                  </a:lnTo>
+                  <a:lnTo>
+                    <a:pt x="877" y="0"/>
+                  </a:lnTo>
+                  <a:lnTo>
+                    <a:pt x="1096" y="0"/>
+                  </a:lnTo>
+                  <a:lnTo>
+                    <a:pt x="1096" y="0"/>
+                  </a:lnTo>
+                  <a:lnTo>
+                    <a:pt x="1315" y="0"/>
+                  </a:lnTo>
+                  <a:lnTo>
+                    <a:pt x="1510" y="73"/>
+                  </a:lnTo>
+                  <a:lnTo>
+                    <a:pt x="1681" y="171"/>
+                  </a:lnTo>
+                  <a:lnTo>
+                    <a:pt x="1851" y="317"/>
+                  </a:lnTo>
+                  <a:lnTo>
+                    <a:pt x="1973" y="463"/>
+                  </a:lnTo>
+                  <a:lnTo>
+                    <a:pt x="2070" y="658"/>
+                  </a:lnTo>
+                  <a:lnTo>
+                    <a:pt x="2144" y="853"/>
+                  </a:lnTo>
+                  <a:lnTo>
+                    <a:pt x="2168" y="1072"/>
+                  </a:lnTo>
+                  <a:lnTo>
+                    <a:pt x="2168" y="1072"/>
+                  </a:lnTo>
+                  <a:lnTo>
+                    <a:pt x="2144" y="1291"/>
+                  </a:lnTo>
+                  <a:lnTo>
+                    <a:pt x="2070" y="1486"/>
+                  </a:lnTo>
+                  <a:lnTo>
+                    <a:pt x="1973" y="1681"/>
+                  </a:lnTo>
+                  <a:lnTo>
+                    <a:pt x="1851" y="1827"/>
+                  </a:lnTo>
+                  <a:lnTo>
+                    <a:pt x="1681" y="1973"/>
+                  </a:lnTo>
+                  <a:lnTo>
+                    <a:pt x="1510" y="2071"/>
+                  </a:lnTo>
+                  <a:lnTo>
+                    <a:pt x="1315" y="2119"/>
+                  </a:lnTo>
+                  <a:lnTo>
+                    <a:pt x="1096" y="2144"/>
+                  </a:lnTo>
+                  <a:lnTo>
+                    <a:pt x="1096" y="2144"/>
+                  </a:lnTo>
+                </a:path>
+              </a:pathLst>
+            </a:custGeom>
+            <a:noFill/>
+            <a:ln cap="rnd" cmpd="sng" w="19050">
+              <a:solidFill>
+                <a:srgbClr val="FFFFFF"/>
+              </a:solidFill>
+              <a:prstDash val="solid"/>
+              <a:round/>
+              <a:headEnd len="med" w="med" type="none"/>
+              <a:tailEnd len="med" w="med" type="none"/>
+            </a:ln>
+          </p:spPr>
+          <p:txBody>
+            <a:bodyPr anchorCtr="0" anchor="ctr" bIns="91425" lIns="91425" rIns="91425" tIns="91425">
+              <a:noAutofit/>
+            </a:bodyPr>
+            <a:lstStyle/>
+            <a:p>
+              <a:pPr lvl="0">
+                <a:spcBef>
+                  <a:spcPts val="0"/>
+                </a:spcBef>
+                <a:buNone/>
+              </a:pPr>
+              <a:r>
+                <a:t/>
+              </a:r>
+              <a:endParaRPr/>
+            </a:p>
+          </p:txBody>
+        </p:sp>
+        <p:sp>
+          <p:nvSpPr>
+            <p:cNvPr id="175" name="Shape 175"/>
+            <p:cNvSpPr/>
+            <p:nvPr/>
+          </p:nvSpPr>
+          <p:spPr>
+            <a:xfrm>
+              <a:off x="769875" y="2662650"/>
+              <a:ext cx="23775" cy="23775"/>
+            </a:xfrm>
+            <a:custGeom>
+              <a:pathLst>
+                <a:path extrusionOk="0" fill="none" h="951" w="951">
+                  <a:moveTo>
+                    <a:pt x="0" y="463"/>
+                  </a:moveTo>
+                  <a:lnTo>
+                    <a:pt x="0" y="463"/>
+                  </a:lnTo>
+                  <a:lnTo>
+                    <a:pt x="0" y="366"/>
+                  </a:lnTo>
+                  <a:lnTo>
+                    <a:pt x="25" y="293"/>
+                  </a:lnTo>
+                  <a:lnTo>
+                    <a:pt x="73" y="195"/>
+                  </a:lnTo>
+                  <a:lnTo>
+                    <a:pt x="146" y="122"/>
+                  </a:lnTo>
+                  <a:lnTo>
+                    <a:pt x="220" y="73"/>
+                  </a:lnTo>
+                  <a:lnTo>
+                    <a:pt x="293" y="25"/>
+                  </a:lnTo>
+                  <a:lnTo>
+                    <a:pt x="390" y="0"/>
+                  </a:lnTo>
+                  <a:lnTo>
+                    <a:pt x="487" y="0"/>
+                  </a:lnTo>
+                  <a:lnTo>
+                    <a:pt x="487" y="0"/>
+                  </a:lnTo>
+                  <a:lnTo>
+                    <a:pt x="585" y="0"/>
+                  </a:lnTo>
+                  <a:lnTo>
+                    <a:pt x="658" y="25"/>
+                  </a:lnTo>
+                  <a:lnTo>
+                    <a:pt x="755" y="73"/>
+                  </a:lnTo>
+                  <a:lnTo>
+                    <a:pt x="828" y="122"/>
+                  </a:lnTo>
+                  <a:lnTo>
+                    <a:pt x="877" y="195"/>
+                  </a:lnTo>
+                  <a:lnTo>
+                    <a:pt x="926" y="293"/>
+                  </a:lnTo>
+                  <a:lnTo>
+                    <a:pt x="950" y="366"/>
+                  </a:lnTo>
+                  <a:lnTo>
+                    <a:pt x="950" y="463"/>
+                  </a:lnTo>
+                  <a:lnTo>
+                    <a:pt x="950" y="463"/>
+                  </a:lnTo>
+                  <a:lnTo>
+                    <a:pt x="950" y="561"/>
+                  </a:lnTo>
+                  <a:lnTo>
+                    <a:pt x="926" y="658"/>
+                  </a:lnTo>
+                  <a:lnTo>
+                    <a:pt x="877" y="755"/>
+                  </a:lnTo>
+                  <a:lnTo>
+                    <a:pt x="828" y="804"/>
+                  </a:lnTo>
+                  <a:lnTo>
+                    <a:pt x="755" y="877"/>
+                  </a:lnTo>
+                  <a:lnTo>
+                    <a:pt x="658" y="926"/>
+                  </a:lnTo>
+                  <a:lnTo>
+                    <a:pt x="585" y="950"/>
+                  </a:lnTo>
+                  <a:lnTo>
+                    <a:pt x="487" y="950"/>
+                  </a:lnTo>
+                  <a:lnTo>
+                    <a:pt x="487" y="950"/>
+                  </a:lnTo>
+                  <a:lnTo>
+                    <a:pt x="390" y="950"/>
+                  </a:lnTo>
+                  <a:lnTo>
+                    <a:pt x="293" y="926"/>
+                  </a:lnTo>
+                  <a:lnTo>
+                    <a:pt x="220" y="877"/>
+                  </a:lnTo>
+                  <a:lnTo>
+                    <a:pt x="146" y="804"/>
+                  </a:lnTo>
+                  <a:lnTo>
+                    <a:pt x="73" y="755"/>
+                  </a:lnTo>
+                  <a:lnTo>
+                    <a:pt x="25" y="658"/>
+                  </a:lnTo>
+                  <a:lnTo>
+                    <a:pt x="0" y="561"/>
+                  </a:lnTo>
+                  <a:lnTo>
+                    <a:pt x="0" y="463"/>
+                  </a:lnTo>
+                  <a:lnTo>
+                    <a:pt x="0" y="463"/>
+                  </a:lnTo>
+                </a:path>
+              </a:pathLst>
+            </a:custGeom>
+            <a:noFill/>
+            <a:ln cap="rnd" cmpd="sng" w="19050">
+              <a:solidFill>
+                <a:srgbClr val="FFFFFF"/>
+              </a:solidFill>
+              <a:prstDash val="solid"/>
+              <a:round/>
+              <a:headEnd len="med" w="med" type="none"/>
+              <a:tailEnd len="med" w="med" type="none"/>
+            </a:ln>
+          </p:spPr>
+          <p:txBody>
+            <a:bodyPr anchorCtr="0" anchor="ctr" bIns="91425" lIns="91425" rIns="91425" tIns="91425">
+              <a:noAutofit/>
+            </a:bodyPr>
+            <a:lstStyle/>
+            <a:p>
+              <a:pPr lvl="0">
+                <a:spcBef>
+                  <a:spcPts val="0"/>
+                </a:spcBef>
+                <a:buNone/>
+              </a:pPr>
+              <a:r>
+                <a:t/>
+              </a:r>
+              <a:endParaRPr/>
+            </a:p>
+          </p:txBody>
+        </p:sp>
+        <p:sp>
+          <p:nvSpPr>
+            <p:cNvPr id="176" name="Shape 176"/>
+            <p:cNvSpPr/>
+            <p:nvPr/>
+          </p:nvSpPr>
+          <p:spPr>
+            <a:xfrm>
+              <a:off x="799700" y="2503125"/>
+              <a:ext cx="24375" cy="23775"/>
+            </a:xfrm>
+            <a:custGeom>
+              <a:pathLst>
+                <a:path extrusionOk="0" fill="none" h="951" w="975">
+                  <a:moveTo>
+                    <a:pt x="1" y="463"/>
+                  </a:moveTo>
+                  <a:lnTo>
+                    <a:pt x="1" y="463"/>
+                  </a:lnTo>
+                  <a:lnTo>
+                    <a:pt x="25" y="366"/>
+                  </a:lnTo>
+                  <a:lnTo>
+                    <a:pt x="49" y="293"/>
+                  </a:lnTo>
+                  <a:lnTo>
+                    <a:pt x="98" y="195"/>
+                  </a:lnTo>
+                  <a:lnTo>
+                    <a:pt x="147" y="122"/>
+                  </a:lnTo>
+                  <a:lnTo>
+                    <a:pt x="220" y="73"/>
+                  </a:lnTo>
+                  <a:lnTo>
+                    <a:pt x="293" y="25"/>
+                  </a:lnTo>
+                  <a:lnTo>
+                    <a:pt x="390" y="0"/>
+                  </a:lnTo>
+                  <a:lnTo>
+                    <a:pt x="488" y="0"/>
+                  </a:lnTo>
+                  <a:lnTo>
+                    <a:pt x="488" y="0"/>
+                  </a:lnTo>
+                  <a:lnTo>
+                    <a:pt x="585" y="0"/>
+                  </a:lnTo>
+                  <a:lnTo>
+                    <a:pt x="683" y="25"/>
+                  </a:lnTo>
+                  <a:lnTo>
+                    <a:pt x="756" y="73"/>
+                  </a:lnTo>
+                  <a:lnTo>
+                    <a:pt x="829" y="122"/>
+                  </a:lnTo>
+                  <a:lnTo>
+                    <a:pt x="877" y="195"/>
+                  </a:lnTo>
+                  <a:lnTo>
+                    <a:pt x="926" y="293"/>
+                  </a:lnTo>
+                  <a:lnTo>
+                    <a:pt x="951" y="366"/>
+                  </a:lnTo>
+                  <a:lnTo>
+                    <a:pt x="975" y="463"/>
+                  </a:lnTo>
+                  <a:lnTo>
+                    <a:pt x="975" y="463"/>
+                  </a:lnTo>
+                  <a:lnTo>
+                    <a:pt x="951" y="561"/>
+                  </a:lnTo>
+                  <a:lnTo>
+                    <a:pt x="926" y="658"/>
+                  </a:lnTo>
+                  <a:lnTo>
+                    <a:pt x="877" y="731"/>
+                  </a:lnTo>
+                  <a:lnTo>
+                    <a:pt x="829" y="804"/>
+                  </a:lnTo>
+                  <a:lnTo>
+                    <a:pt x="756" y="877"/>
+                  </a:lnTo>
+                  <a:lnTo>
+                    <a:pt x="683" y="902"/>
+                  </a:lnTo>
+                  <a:lnTo>
+                    <a:pt x="585" y="950"/>
+                  </a:lnTo>
+                  <a:lnTo>
+                    <a:pt x="488" y="950"/>
+                  </a:lnTo>
+                  <a:lnTo>
+                    <a:pt x="488" y="950"/>
+                  </a:lnTo>
+                  <a:lnTo>
+                    <a:pt x="390" y="950"/>
+                  </a:lnTo>
+                  <a:lnTo>
+                    <a:pt x="293" y="902"/>
+                  </a:lnTo>
+                  <a:lnTo>
+                    <a:pt x="220" y="877"/>
+                  </a:lnTo>
+                  <a:lnTo>
+                    <a:pt x="147" y="804"/>
+                  </a:lnTo>
+                  <a:lnTo>
+                    <a:pt x="98" y="731"/>
+                  </a:lnTo>
+                  <a:lnTo>
+                    <a:pt x="49" y="658"/>
+                  </a:lnTo>
+                  <a:lnTo>
+                    <a:pt x="25" y="561"/>
+                  </a:lnTo>
+                  <a:lnTo>
+                    <a:pt x="1" y="463"/>
+                  </a:lnTo>
+                  <a:lnTo>
+                    <a:pt x="1" y="463"/>
+                  </a:lnTo>
+                  <a:close/>
+                </a:path>
+              </a:pathLst>
+            </a:custGeom>
+            <a:noFill/>
+            <a:ln cap="rnd" cmpd="sng" w="19050">
+              <a:solidFill>
+                <a:srgbClr val="FFFFFF"/>
+              </a:solidFill>
+              <a:prstDash val="solid"/>
+              <a:round/>
+              <a:headEnd len="med" w="med" type="none"/>
+              <a:tailEnd len="med" w="med" type="none"/>
+            </a:ln>
+          </p:spPr>
+          <p:txBody>
+            <a:bodyPr anchorCtr="0" anchor="ctr" bIns="91425" lIns="91425" rIns="91425" tIns="91425">
+              <a:noAutofit/>
+            </a:bodyPr>
+            <a:lstStyle/>
+            <a:p>
+              <a:pPr lvl="0">
+                <a:spcBef>
+                  <a:spcPts val="0"/>
+                </a:spcBef>
+                <a:buNone/>
+              </a:pPr>
+              <a:r>
+                <a:t/>
+              </a:r>
+              <a:endParaRPr/>
+            </a:p>
+          </p:txBody>
+        </p:sp>
+        <p:sp>
+          <p:nvSpPr>
+            <p:cNvPr id="177" name="Shape 177"/>
+            <p:cNvSpPr/>
+            <p:nvPr/>
+          </p:nvSpPr>
+          <p:spPr>
+            <a:xfrm>
+              <a:off x="766825" y="2388050"/>
+              <a:ext cx="60925" cy="25"/>
+            </a:xfrm>
+            <a:custGeom>
+              <a:pathLst>
+                <a:path extrusionOk="0" fill="none" h="1" w="2437">
+                  <a:moveTo>
+                    <a:pt x="2436" y="0"/>
+                  </a:moveTo>
+                  <a:lnTo>
+                    <a:pt x="1" y="0"/>
+                  </a:lnTo>
+                </a:path>
+              </a:pathLst>
+            </a:custGeom>
+            <a:noFill/>
+            <a:ln cap="rnd" cmpd="sng" w="19050">
+              <a:solidFill>
+                <a:srgbClr val="FFFFFF"/>
+              </a:solidFill>
+              <a:prstDash val="solid"/>
+              <a:round/>
+              <a:headEnd len="med" w="med" type="none"/>
+              <a:tailEnd len="med" w="med" type="none"/>
+            </a:ln>
+          </p:spPr>
+          <p:txBody>
+            <a:bodyPr anchorCtr="0" anchor="ctr" bIns="91425" lIns="91425" rIns="91425" tIns="91425">
+              <a:noAutofit/>
+            </a:bodyPr>
+            <a:lstStyle/>
+            <a:p>
+              <a:pPr lvl="0">
+                <a:spcBef>
+                  <a:spcPts val="0"/>
+                </a:spcBef>
+                <a:buNone/>
+              </a:pPr>
+              <a:r>
+                <a:t/>
+              </a:r>
+              <a:endParaRPr/>
+            </a:p>
+          </p:txBody>
+        </p:sp>
+        <p:sp>
+          <p:nvSpPr>
+            <p:cNvPr id="178" name="Shape 178"/>
+            <p:cNvSpPr/>
+            <p:nvPr/>
+          </p:nvSpPr>
+          <p:spPr>
+            <a:xfrm>
               <a:off x="769875" y="2456250"/>
               <a:ext cx="31075" cy="31075"/>
             </a:xfrm>
@@ -15213,7 +15540,7 @@
       </p:grpSp>
       <p:sp>
         <p:nvSpPr>
-          <p:cNvPr id="173" name="Shape 173"/>
+          <p:cNvPr id="179" name="Shape 179"/>
           <p:cNvSpPr txBox="1"/>
           <p:nvPr>
             <p:ph idx="1" type="body"/>
@@ -15221,12 +15548,21 @@
         </p:nvSpPr>
         <p:spPr>
           <a:xfrm>
-            <a:off x="1596575" y="1085100"/>
-            <a:ext cx="2323200" cy="3840900"/>
+            <a:off x="1444175" y="1999500"/>
+            <a:ext cx="2323200" cy="2326200"/>
           </a:xfrm>
           <a:prstGeom prst="rect">
             <a:avLst/>
           </a:prstGeom>
+          <a:ln cap="flat" cmpd="sng" w="9525">
+            <a:solidFill>
+              <a:srgbClr val="FFFFFF"/>
+            </a:solidFill>
+            <a:prstDash val="solid"/>
+            <a:round/>
+            <a:headEnd len="med" w="med" type="none"/>
+            <a:tailEnd len="med" w="med" type="none"/>
+          </a:ln>
         </p:spPr>
         <p:txBody>
           <a:bodyPr anchorCtr="0" anchor="t" bIns="91425" lIns="91425" rIns="91425" tIns="91425">
@@ -15303,7 +15639,7 @@
       </p:sp>
       <p:sp>
         <p:nvSpPr>
-          <p:cNvPr id="174" name="Shape 174"/>
+          <p:cNvPr id="180" name="Shape 180"/>
           <p:cNvSpPr txBox="1"/>
           <p:nvPr>
             <p:ph idx="2" type="body"/>
@@ -15311,12 +15647,21 @@
         </p:nvSpPr>
         <p:spPr>
           <a:xfrm>
-            <a:off x="3818573" y="1085100"/>
-            <a:ext cx="2323200" cy="3840900"/>
+            <a:off x="3859850" y="1999500"/>
+            <a:ext cx="2323200" cy="2326200"/>
           </a:xfrm>
           <a:prstGeom prst="rect">
             <a:avLst/>
           </a:prstGeom>
+          <a:ln cap="flat" cmpd="sng" w="9525">
+            <a:solidFill>
+              <a:srgbClr val="FFFFFF"/>
+            </a:solidFill>
+            <a:prstDash val="solid"/>
+            <a:round/>
+            <a:headEnd len="med" w="med" type="none"/>
+            <a:tailEnd len="med" w="med" type="none"/>
+          </a:ln>
         </p:spPr>
         <p:txBody>
           <a:bodyPr anchorCtr="0" anchor="t" bIns="91425" lIns="91425" rIns="91425" tIns="91425">
@@ -15393,7 +15738,7 @@
       </p:sp>
       <p:sp>
         <p:nvSpPr>
-          <p:cNvPr id="175" name="Shape 175"/>
+          <p:cNvPr id="181" name="Shape 181"/>
           <p:cNvSpPr txBox="1"/>
           <p:nvPr>
             <p:ph idx="3" type="body"/>
@@ -15401,12 +15746,21 @@
         </p:nvSpPr>
         <p:spPr>
           <a:xfrm>
-            <a:off x="6269200" y="1085100"/>
-            <a:ext cx="2578800" cy="3840900"/>
+            <a:off x="6269200" y="1999500"/>
+            <a:ext cx="2529300" cy="2326200"/>
           </a:xfrm>
           <a:prstGeom prst="rect">
             <a:avLst/>
           </a:prstGeom>
+          <a:ln cap="flat" cmpd="sng" w="9525">
+            <a:solidFill>
+              <a:srgbClr val="FFFFFF"/>
+            </a:solidFill>
+            <a:prstDash val="solid"/>
+            <a:round/>
+            <a:headEnd len="med" w="med" type="none"/>
+            <a:tailEnd len="med" w="med" type="none"/>
+          </a:ln>
         </p:spPr>
         <p:txBody>
           <a:bodyPr anchorCtr="0" anchor="t" bIns="91425" lIns="91425" rIns="91425" tIns="91425">
@@ -15483,7 +15837,7 @@
       </p:sp>
       <p:sp>
         <p:nvSpPr>
-          <p:cNvPr id="176" name="Shape 176"/>
+          <p:cNvPr id="182" name="Shape 182"/>
           <p:cNvSpPr txBox="1"/>
           <p:nvPr>
             <p:ph idx="12" type="sldNum"/>
@@ -15517,692 +15871,20 @@
           </a:p>
         </p:txBody>
       </p:sp>
-    </p:spTree>
-  </p:cSld>
-  <p:clrMapOvr>
-    <a:masterClrMapping/>
-  </p:clrMapOvr>
-</p:sld>
-</file>
-
-<file path=ppt/slides/slide8.xml><?xml version="1.0" encoding="utf-8"?>
-<p:sld xmlns:a="http://schemas.openxmlformats.org/drawingml/2006/main" xmlns:r="http://schemas.openxmlformats.org/officeDocument/2006/relationships" xmlns:mc="http://schemas.openxmlformats.org/markup-compatibility/2006" xmlns:mv="urn:schemas-microsoft-com:mac:vml" xmlns:p="http://schemas.openxmlformats.org/presentationml/2006/main" xmlns:c="http://schemas.openxmlformats.org/drawingml/2006/chart" xmlns:dgm="http://schemas.openxmlformats.org/drawingml/2006/diagram" xmlns:o="urn:schemas-microsoft-com:office:office" xmlns:v="urn:schemas-microsoft-com:vml" xmlns:pvml="urn:schemas-microsoft-com:office:powerpoint" xmlns:com="http://schemas.openxmlformats.org/drawingml/2006/compatibility" xmlns:p14="http://schemas.microsoft.com/office/powerpoint/2010/main">
-  <p:cSld>
-    <p:spTree>
-      <p:nvGrpSpPr>
-        <p:cNvPr id="180" name="Shape 180"/>
-        <p:cNvGrpSpPr/>
-        <p:nvPr/>
-      </p:nvGrpSpPr>
-      <p:grpSpPr>
-        <a:xfrm>
-          <a:off x="0" y="0"/>
-          <a:ext cx="0" cy="0"/>
-          <a:chOff x="0" y="0"/>
-          <a:chExt cx="0" cy="0"/>
-        </a:xfrm>
-      </p:grpSpPr>
-      <p:sp>
-        <p:nvSpPr>
-          <p:cNvPr id="181" name="Shape 181"/>
-          <p:cNvSpPr txBox="1"/>
-          <p:nvPr>
-            <p:ph type="title"/>
-          </p:nvPr>
-        </p:nvSpPr>
-        <p:spPr>
-          <a:xfrm>
-            <a:off x="457200" y="1146025"/>
-            <a:ext cx="2154600" cy="816300"/>
-          </a:xfrm>
-          <a:prstGeom prst="rect">
-            <a:avLst/>
-          </a:prstGeom>
-        </p:spPr>
-        <p:txBody>
-          <a:bodyPr anchorCtr="0" anchor="t" bIns="91425" lIns="91425" rIns="91425" tIns="91425">
-            <a:noAutofit/>
-          </a:bodyPr>
-          <a:lstStyle/>
-          <a:p>
-            <a:pPr lvl="0" rtl="0">
-              <a:spcBef>
-                <a:spcPts val="0"/>
-              </a:spcBef>
-              <a:buNone/>
-            </a:pPr>
-            <a:r>
-              <a:rPr lang="en"/>
-              <a:t>NEXT STEPS</a:t>
-            </a:r>
-          </a:p>
-        </p:txBody>
-      </p:sp>
       <p:grpSp>
         <p:nvGrpSpPr>
-          <p:cNvPr id="182" name="Shape 182"/>
+          <p:cNvPr id="183" name="Shape 183"/>
           <p:cNvGrpSpPr/>
           <p:nvPr/>
         </p:nvGrpSpPr>
         <p:grpSpPr>
           <a:xfrm>
-            <a:off x="537007" y="676770"/>
-            <a:ext cx="389070" cy="355894"/>
-            <a:chOff x="576250" y="4319400"/>
-            <a:chExt cx="442075" cy="442050"/>
+            <a:off x="6353011" y="1469219"/>
+            <a:ext cx="474796" cy="449703"/>
+            <a:chOff x="2583100" y="2973775"/>
+            <a:chExt cx="461550" cy="437200"/>
           </a:xfrm>
         </p:grpSpPr>
-        <p:sp>
-          <p:nvSpPr>
-            <p:cNvPr id="183" name="Shape 183"/>
-            <p:cNvSpPr/>
-            <p:nvPr/>
-          </p:nvSpPr>
-          <p:spPr>
-            <a:xfrm>
-              <a:off x="576250" y="4319400"/>
-              <a:ext cx="442075" cy="442050"/>
-            </a:xfrm>
-            <a:custGeom>
-              <a:pathLst>
-                <a:path extrusionOk="0" fill="none" h="17682" w="17683">
-                  <a:moveTo>
-                    <a:pt x="11472" y="17292"/>
-                  </a:moveTo>
-                  <a:lnTo>
-                    <a:pt x="11472" y="12153"/>
-                  </a:lnTo>
-                  <a:lnTo>
-                    <a:pt x="16416" y="7209"/>
-                  </a:lnTo>
-                  <a:lnTo>
-                    <a:pt x="16416" y="7209"/>
-                  </a:lnTo>
-                  <a:lnTo>
-                    <a:pt x="16562" y="7063"/>
-                  </a:lnTo>
-                  <a:lnTo>
-                    <a:pt x="16684" y="6868"/>
-                  </a:lnTo>
-                  <a:lnTo>
-                    <a:pt x="16830" y="6674"/>
-                  </a:lnTo>
-                  <a:lnTo>
-                    <a:pt x="16927" y="6479"/>
-                  </a:lnTo>
-                  <a:lnTo>
-                    <a:pt x="17146" y="6040"/>
-                  </a:lnTo>
-                  <a:lnTo>
-                    <a:pt x="17317" y="5553"/>
-                  </a:lnTo>
-                  <a:lnTo>
-                    <a:pt x="17439" y="5042"/>
-                  </a:lnTo>
-                  <a:lnTo>
-                    <a:pt x="17560" y="4506"/>
-                  </a:lnTo>
-                  <a:lnTo>
-                    <a:pt x="17633" y="3970"/>
-                  </a:lnTo>
-                  <a:lnTo>
-                    <a:pt x="17658" y="3434"/>
-                  </a:lnTo>
-                  <a:lnTo>
-                    <a:pt x="17682" y="2898"/>
-                  </a:lnTo>
-                  <a:lnTo>
-                    <a:pt x="17682" y="2411"/>
-                  </a:lnTo>
-                  <a:lnTo>
-                    <a:pt x="17658" y="1949"/>
-                  </a:lnTo>
-                  <a:lnTo>
-                    <a:pt x="17609" y="1510"/>
-                  </a:lnTo>
-                  <a:lnTo>
-                    <a:pt x="17536" y="1145"/>
-                  </a:lnTo>
-                  <a:lnTo>
-                    <a:pt x="17463" y="828"/>
-                  </a:lnTo>
-                  <a:lnTo>
-                    <a:pt x="17366" y="585"/>
-                  </a:lnTo>
-                  <a:lnTo>
-                    <a:pt x="17292" y="487"/>
-                  </a:lnTo>
-                  <a:lnTo>
-                    <a:pt x="17244" y="439"/>
-                  </a:lnTo>
-                  <a:lnTo>
-                    <a:pt x="17244" y="439"/>
-                  </a:lnTo>
-                  <a:lnTo>
-                    <a:pt x="17195" y="390"/>
-                  </a:lnTo>
-                  <a:lnTo>
-                    <a:pt x="17098" y="317"/>
-                  </a:lnTo>
-                  <a:lnTo>
-                    <a:pt x="16854" y="219"/>
-                  </a:lnTo>
-                  <a:lnTo>
-                    <a:pt x="16537" y="146"/>
-                  </a:lnTo>
-                  <a:lnTo>
-                    <a:pt x="16172" y="73"/>
-                  </a:lnTo>
-                  <a:lnTo>
-                    <a:pt x="15734" y="25"/>
-                  </a:lnTo>
-                  <a:lnTo>
-                    <a:pt x="15271" y="0"/>
-                  </a:lnTo>
-                  <a:lnTo>
-                    <a:pt x="14784" y="0"/>
-                  </a:lnTo>
-                  <a:lnTo>
-                    <a:pt x="14248" y="25"/>
-                  </a:lnTo>
-                  <a:lnTo>
-                    <a:pt x="13712" y="49"/>
-                  </a:lnTo>
-                  <a:lnTo>
-                    <a:pt x="13176" y="122"/>
-                  </a:lnTo>
-                  <a:lnTo>
-                    <a:pt x="12641" y="244"/>
-                  </a:lnTo>
-                  <a:lnTo>
-                    <a:pt x="12129" y="366"/>
-                  </a:lnTo>
-                  <a:lnTo>
-                    <a:pt x="11642" y="536"/>
-                  </a:lnTo>
-                  <a:lnTo>
-                    <a:pt x="11204" y="755"/>
-                  </a:lnTo>
-                  <a:lnTo>
-                    <a:pt x="10985" y="853"/>
-                  </a:lnTo>
-                  <a:lnTo>
-                    <a:pt x="10814" y="999"/>
-                  </a:lnTo>
-                  <a:lnTo>
-                    <a:pt x="10619" y="1121"/>
-                  </a:lnTo>
-                  <a:lnTo>
-                    <a:pt x="10473" y="1267"/>
-                  </a:lnTo>
-                  <a:lnTo>
-                    <a:pt x="5529" y="6211"/>
-                  </a:lnTo>
-                  <a:lnTo>
-                    <a:pt x="390" y="6211"/>
-                  </a:lnTo>
-                  <a:lnTo>
-                    <a:pt x="390" y="6211"/>
-                  </a:lnTo>
-                  <a:lnTo>
-                    <a:pt x="244" y="6235"/>
-                  </a:lnTo>
-                  <a:lnTo>
-                    <a:pt x="147" y="6259"/>
-                  </a:lnTo>
-                  <a:lnTo>
-                    <a:pt x="49" y="6308"/>
-                  </a:lnTo>
-                  <a:lnTo>
-                    <a:pt x="0" y="6381"/>
-                  </a:lnTo>
-                  <a:lnTo>
-                    <a:pt x="0" y="6454"/>
-                  </a:lnTo>
-                  <a:lnTo>
-                    <a:pt x="25" y="6552"/>
-                  </a:lnTo>
-                  <a:lnTo>
-                    <a:pt x="74" y="6649"/>
-                  </a:lnTo>
-                  <a:lnTo>
-                    <a:pt x="171" y="6771"/>
-                  </a:lnTo>
-                  <a:lnTo>
-                    <a:pt x="2582" y="9158"/>
-                  </a:lnTo>
-                  <a:lnTo>
-                    <a:pt x="2265" y="9474"/>
-                  </a:lnTo>
-                  <a:lnTo>
-                    <a:pt x="950" y="9718"/>
-                  </a:lnTo>
-                  <a:lnTo>
-                    <a:pt x="950" y="9718"/>
-                  </a:lnTo>
-                  <a:lnTo>
-                    <a:pt x="804" y="9767"/>
-                  </a:lnTo>
-                  <a:lnTo>
-                    <a:pt x="682" y="9815"/>
-                  </a:lnTo>
-                  <a:lnTo>
-                    <a:pt x="609" y="9913"/>
-                  </a:lnTo>
-                  <a:lnTo>
-                    <a:pt x="561" y="9986"/>
-                  </a:lnTo>
-                  <a:lnTo>
-                    <a:pt x="561" y="10083"/>
-                  </a:lnTo>
-                  <a:lnTo>
-                    <a:pt x="585" y="10205"/>
-                  </a:lnTo>
-                  <a:lnTo>
-                    <a:pt x="634" y="10302"/>
-                  </a:lnTo>
-                  <a:lnTo>
-                    <a:pt x="731" y="10424"/>
-                  </a:lnTo>
-                  <a:lnTo>
-                    <a:pt x="7258" y="16951"/>
-                  </a:lnTo>
-                  <a:lnTo>
-                    <a:pt x="7258" y="16951"/>
-                  </a:lnTo>
-                  <a:lnTo>
-                    <a:pt x="7380" y="17049"/>
-                  </a:lnTo>
-                  <a:lnTo>
-                    <a:pt x="7477" y="17097"/>
-                  </a:lnTo>
-                  <a:lnTo>
-                    <a:pt x="7599" y="17122"/>
-                  </a:lnTo>
-                  <a:lnTo>
-                    <a:pt x="7697" y="17122"/>
-                  </a:lnTo>
-                  <a:lnTo>
-                    <a:pt x="7770" y="17073"/>
-                  </a:lnTo>
-                  <a:lnTo>
-                    <a:pt x="7867" y="17000"/>
-                  </a:lnTo>
-                  <a:lnTo>
-                    <a:pt x="7916" y="16878"/>
-                  </a:lnTo>
-                  <a:lnTo>
-                    <a:pt x="7965" y="16732"/>
-                  </a:lnTo>
-                  <a:lnTo>
-                    <a:pt x="8208" y="15417"/>
-                  </a:lnTo>
-                  <a:lnTo>
-                    <a:pt x="8525" y="15100"/>
-                  </a:lnTo>
-                  <a:lnTo>
-                    <a:pt x="10911" y="17511"/>
-                  </a:lnTo>
-                  <a:lnTo>
-                    <a:pt x="10911" y="17511"/>
-                  </a:lnTo>
-                  <a:lnTo>
-                    <a:pt x="11033" y="17609"/>
-                  </a:lnTo>
-                  <a:lnTo>
-                    <a:pt x="11131" y="17658"/>
-                  </a:lnTo>
-                  <a:lnTo>
-                    <a:pt x="11228" y="17682"/>
-                  </a:lnTo>
-                  <a:lnTo>
-                    <a:pt x="11301" y="17682"/>
-                  </a:lnTo>
-                  <a:lnTo>
-                    <a:pt x="11374" y="17633"/>
-                  </a:lnTo>
-                  <a:lnTo>
-                    <a:pt x="11423" y="17536"/>
-                  </a:lnTo>
-                  <a:lnTo>
-                    <a:pt x="11447" y="17438"/>
-                  </a:lnTo>
-                  <a:lnTo>
-                    <a:pt x="11472" y="17292"/>
-                  </a:lnTo>
-                  <a:lnTo>
-                    <a:pt x="11472" y="17292"/>
-                  </a:lnTo>
-                  <a:close/>
-                  <a:moveTo>
-                    <a:pt x="6162" y="12202"/>
-                  </a:moveTo>
-                  <a:lnTo>
-                    <a:pt x="6162" y="12202"/>
-                  </a:lnTo>
-                  <a:lnTo>
-                    <a:pt x="6089" y="12275"/>
-                  </a:lnTo>
-                  <a:lnTo>
-                    <a:pt x="6016" y="12324"/>
-                  </a:lnTo>
-                  <a:lnTo>
-                    <a:pt x="5919" y="12348"/>
-                  </a:lnTo>
-                  <a:lnTo>
-                    <a:pt x="5821" y="12348"/>
-                  </a:lnTo>
-                  <a:lnTo>
-                    <a:pt x="5724" y="12348"/>
-                  </a:lnTo>
-                  <a:lnTo>
-                    <a:pt x="5626" y="12324"/>
-                  </a:lnTo>
-                  <a:lnTo>
-                    <a:pt x="5553" y="12275"/>
-                  </a:lnTo>
-                  <a:lnTo>
-                    <a:pt x="5480" y="12202"/>
-                  </a:lnTo>
-                  <a:lnTo>
-                    <a:pt x="5480" y="12202"/>
-                  </a:lnTo>
-                  <a:lnTo>
-                    <a:pt x="5407" y="12129"/>
-                  </a:lnTo>
-                  <a:lnTo>
-                    <a:pt x="5359" y="12056"/>
-                  </a:lnTo>
-                  <a:lnTo>
-                    <a:pt x="5334" y="11959"/>
-                  </a:lnTo>
-                  <a:lnTo>
-                    <a:pt x="5334" y="11861"/>
-                  </a:lnTo>
-                  <a:lnTo>
-                    <a:pt x="5334" y="11764"/>
-                  </a:lnTo>
-                  <a:lnTo>
-                    <a:pt x="5359" y="11666"/>
-                  </a:lnTo>
-                  <a:lnTo>
-                    <a:pt x="5407" y="11593"/>
-                  </a:lnTo>
-                  <a:lnTo>
-                    <a:pt x="5480" y="11520"/>
-                  </a:lnTo>
-                  <a:lnTo>
-                    <a:pt x="8013" y="8987"/>
-                  </a:lnTo>
-                  <a:lnTo>
-                    <a:pt x="8013" y="8987"/>
-                  </a:lnTo>
-                  <a:lnTo>
-                    <a:pt x="8086" y="8939"/>
-                  </a:lnTo>
-                  <a:lnTo>
-                    <a:pt x="8159" y="8890"/>
-                  </a:lnTo>
-                  <a:lnTo>
-                    <a:pt x="8257" y="8865"/>
-                  </a:lnTo>
-                  <a:lnTo>
-                    <a:pt x="8354" y="8841"/>
-                  </a:lnTo>
-                  <a:lnTo>
-                    <a:pt x="8452" y="8865"/>
-                  </a:lnTo>
-                  <a:lnTo>
-                    <a:pt x="8525" y="8890"/>
-                  </a:lnTo>
-                  <a:lnTo>
-                    <a:pt x="8622" y="8939"/>
-                  </a:lnTo>
-                  <a:lnTo>
-                    <a:pt x="8695" y="8987"/>
-                  </a:lnTo>
-                  <a:lnTo>
-                    <a:pt x="8695" y="8987"/>
-                  </a:lnTo>
-                  <a:lnTo>
-                    <a:pt x="8744" y="9060"/>
-                  </a:lnTo>
-                  <a:lnTo>
-                    <a:pt x="8793" y="9158"/>
-                  </a:lnTo>
-                  <a:lnTo>
-                    <a:pt x="8817" y="9231"/>
-                  </a:lnTo>
-                  <a:lnTo>
-                    <a:pt x="8841" y="9328"/>
-                  </a:lnTo>
-                  <a:lnTo>
-                    <a:pt x="8817" y="9426"/>
-                  </a:lnTo>
-                  <a:lnTo>
-                    <a:pt x="8793" y="9523"/>
-                  </a:lnTo>
-                  <a:lnTo>
-                    <a:pt x="8744" y="9596"/>
-                  </a:lnTo>
-                  <a:lnTo>
-                    <a:pt x="8695" y="9669"/>
-                  </a:lnTo>
-                  <a:lnTo>
-                    <a:pt x="6162" y="12202"/>
-                  </a:lnTo>
-                  <a:close/>
-                  <a:moveTo>
-                    <a:pt x="13396" y="7307"/>
-                  </a:moveTo>
-                  <a:lnTo>
-                    <a:pt x="13396" y="7307"/>
-                  </a:lnTo>
-                  <a:lnTo>
-                    <a:pt x="13274" y="7404"/>
-                  </a:lnTo>
-                  <a:lnTo>
-                    <a:pt x="13152" y="7477"/>
-                  </a:lnTo>
-                  <a:lnTo>
-                    <a:pt x="13006" y="7526"/>
-                  </a:lnTo>
-                  <a:lnTo>
-                    <a:pt x="12836" y="7550"/>
-                  </a:lnTo>
-                  <a:lnTo>
-                    <a:pt x="12689" y="7526"/>
-                  </a:lnTo>
-                  <a:lnTo>
-                    <a:pt x="12543" y="7477"/>
-                  </a:lnTo>
-                  <a:lnTo>
-                    <a:pt x="12421" y="7404"/>
-                  </a:lnTo>
-                  <a:lnTo>
-                    <a:pt x="12300" y="7307"/>
-                  </a:lnTo>
-                  <a:lnTo>
-                    <a:pt x="10376" y="5383"/>
-                  </a:lnTo>
-                  <a:lnTo>
-                    <a:pt x="10376" y="5383"/>
-                  </a:lnTo>
-                  <a:lnTo>
-                    <a:pt x="10278" y="5261"/>
-                  </a:lnTo>
-                  <a:lnTo>
-                    <a:pt x="10205" y="5139"/>
-                  </a:lnTo>
-                  <a:lnTo>
-                    <a:pt x="10156" y="4993"/>
-                  </a:lnTo>
-                  <a:lnTo>
-                    <a:pt x="10132" y="4847"/>
-                  </a:lnTo>
-                  <a:lnTo>
-                    <a:pt x="10156" y="4676"/>
-                  </a:lnTo>
-                  <a:lnTo>
-                    <a:pt x="10205" y="4530"/>
-                  </a:lnTo>
-                  <a:lnTo>
-                    <a:pt x="10278" y="4408"/>
-                  </a:lnTo>
-                  <a:lnTo>
-                    <a:pt x="10376" y="4287"/>
-                  </a:lnTo>
-                  <a:lnTo>
-                    <a:pt x="10376" y="4287"/>
-                  </a:lnTo>
-                  <a:lnTo>
-                    <a:pt x="11326" y="3313"/>
-                  </a:lnTo>
-                  <a:lnTo>
-                    <a:pt x="11326" y="3313"/>
-                  </a:lnTo>
-                  <a:lnTo>
-                    <a:pt x="11496" y="3166"/>
-                  </a:lnTo>
-                  <a:lnTo>
-                    <a:pt x="11666" y="3045"/>
-                  </a:lnTo>
-                  <a:lnTo>
-                    <a:pt x="11861" y="2947"/>
-                  </a:lnTo>
-                  <a:lnTo>
-                    <a:pt x="12032" y="2850"/>
-                  </a:lnTo>
-                  <a:lnTo>
-                    <a:pt x="12227" y="2777"/>
-                  </a:lnTo>
-                  <a:lnTo>
-                    <a:pt x="12446" y="2728"/>
-                  </a:lnTo>
-                  <a:lnTo>
-                    <a:pt x="12641" y="2704"/>
-                  </a:lnTo>
-                  <a:lnTo>
-                    <a:pt x="12836" y="2704"/>
-                  </a:lnTo>
-                  <a:lnTo>
-                    <a:pt x="13055" y="2704"/>
-                  </a:lnTo>
-                  <a:lnTo>
-                    <a:pt x="13250" y="2728"/>
-                  </a:lnTo>
-                  <a:lnTo>
-                    <a:pt x="13469" y="2777"/>
-                  </a:lnTo>
-                  <a:lnTo>
-                    <a:pt x="13664" y="2850"/>
-                  </a:lnTo>
-                  <a:lnTo>
-                    <a:pt x="13834" y="2947"/>
-                  </a:lnTo>
-                  <a:lnTo>
-                    <a:pt x="14029" y="3045"/>
-                  </a:lnTo>
-                  <a:lnTo>
-                    <a:pt x="14199" y="3166"/>
-                  </a:lnTo>
-                  <a:lnTo>
-                    <a:pt x="14370" y="3313"/>
-                  </a:lnTo>
-                  <a:lnTo>
-                    <a:pt x="14370" y="3313"/>
-                  </a:lnTo>
-                  <a:lnTo>
-                    <a:pt x="14516" y="3483"/>
-                  </a:lnTo>
-                  <a:lnTo>
-                    <a:pt x="14638" y="3653"/>
-                  </a:lnTo>
-                  <a:lnTo>
-                    <a:pt x="14735" y="3848"/>
-                  </a:lnTo>
-                  <a:lnTo>
-                    <a:pt x="14833" y="4019"/>
-                  </a:lnTo>
-                  <a:lnTo>
-                    <a:pt x="14906" y="4214"/>
-                  </a:lnTo>
-                  <a:lnTo>
-                    <a:pt x="14954" y="4433"/>
-                  </a:lnTo>
-                  <a:lnTo>
-                    <a:pt x="14979" y="4628"/>
-                  </a:lnTo>
-                  <a:lnTo>
-                    <a:pt x="14979" y="4847"/>
-                  </a:lnTo>
-                  <a:lnTo>
-                    <a:pt x="14979" y="5042"/>
-                  </a:lnTo>
-                  <a:lnTo>
-                    <a:pt x="14954" y="5237"/>
-                  </a:lnTo>
-                  <a:lnTo>
-                    <a:pt x="14906" y="5456"/>
-                  </a:lnTo>
-                  <a:lnTo>
-                    <a:pt x="14833" y="5651"/>
-                  </a:lnTo>
-                  <a:lnTo>
-                    <a:pt x="14735" y="5821"/>
-                  </a:lnTo>
-                  <a:lnTo>
-                    <a:pt x="14638" y="6016"/>
-                  </a:lnTo>
-                  <a:lnTo>
-                    <a:pt x="14516" y="6186"/>
-                  </a:lnTo>
-                  <a:lnTo>
-                    <a:pt x="14370" y="6357"/>
-                  </a:lnTo>
-                  <a:lnTo>
-                    <a:pt x="14370" y="6357"/>
-                  </a:lnTo>
-                  <a:lnTo>
-                    <a:pt x="13396" y="7307"/>
-                  </a:lnTo>
-                  <a:lnTo>
-                    <a:pt x="13396" y="7307"/>
-                  </a:lnTo>
-                  <a:close/>
-                </a:path>
-              </a:pathLst>
-            </a:custGeom>
-            <a:noFill/>
-            <a:ln cap="rnd" cmpd="sng" w="19050">
-              <a:solidFill>
-                <a:srgbClr val="FFFFFF"/>
-              </a:solidFill>
-              <a:prstDash val="solid"/>
-              <a:round/>
-              <a:headEnd len="med" w="med" type="none"/>
-              <a:tailEnd len="med" w="med" type="none"/>
-            </a:ln>
-          </p:spPr>
-          <p:txBody>
-            <a:bodyPr anchorCtr="0" anchor="ctr" bIns="91425" lIns="91425" rIns="91425" tIns="91425">
-              <a:noAutofit/>
-            </a:bodyPr>
-            <a:lstStyle/>
-            <a:p>
-              <a:pPr lvl="0">
-                <a:spcBef>
-                  <a:spcPts val="0"/>
-                </a:spcBef>
-                <a:buNone/>
-              </a:pPr>
-              <a:r>
-                <a:t/>
-              </a:r>
-              <a:endParaRPr/>
-            </a:p>
-          </p:txBody>
-        </p:sp>
         <p:sp>
           <p:nvSpPr>
             <p:cNvPr id="184" name="Shape 184"/>
@@ -16211,114 +15893,89 @@
           </p:nvSpPr>
           <p:spPr>
             <a:xfrm>
-              <a:off x="595725" y="4668875"/>
-              <a:ext cx="73100" cy="73100"/>
+              <a:off x="2701225" y="3315975"/>
+              <a:ext cx="225300" cy="95000"/>
             </a:xfrm>
             <a:custGeom>
               <a:pathLst>
-                <a:path extrusionOk="0" fill="none" h="2924" w="2924">
+                <a:path extrusionOk="0" fill="none" h="3800" w="9012">
                   <a:moveTo>
-                    <a:pt x="2656" y="269"/>
+                    <a:pt x="2947" y="0"/>
                   </a:moveTo>
                   <a:lnTo>
-                    <a:pt x="2656" y="269"/>
-                  </a:lnTo>
-                  <a:lnTo>
-                    <a:pt x="2509" y="147"/>
-                  </a:lnTo>
-                  <a:lnTo>
-                    <a:pt x="2363" y="74"/>
-                  </a:lnTo>
-                  <a:lnTo>
-                    <a:pt x="2193" y="25"/>
-                  </a:lnTo>
-                  <a:lnTo>
-                    <a:pt x="2022" y="1"/>
-                  </a:lnTo>
-                  <a:lnTo>
-                    <a:pt x="1852" y="25"/>
-                  </a:lnTo>
-                  <a:lnTo>
-                    <a:pt x="1681" y="74"/>
-                  </a:lnTo>
-                  <a:lnTo>
-                    <a:pt x="1511" y="147"/>
-                  </a:lnTo>
-                  <a:lnTo>
-                    <a:pt x="1365" y="269"/>
-                  </a:lnTo>
-                  <a:lnTo>
-                    <a:pt x="1365" y="269"/>
-                  </a:lnTo>
-                  <a:lnTo>
-                    <a:pt x="1219" y="488"/>
-                  </a:lnTo>
-                  <a:lnTo>
-                    <a:pt x="999" y="829"/>
-                  </a:lnTo>
-                  <a:lnTo>
-                    <a:pt x="561" y="1730"/>
-                  </a:lnTo>
-                  <a:lnTo>
-                    <a:pt x="171" y="2558"/>
-                  </a:lnTo>
-                  <a:lnTo>
-                    <a:pt x="1" y="2924"/>
-                  </a:lnTo>
-                  <a:lnTo>
-                    <a:pt x="1" y="2924"/>
-                  </a:lnTo>
-                  <a:lnTo>
-                    <a:pt x="366" y="2753"/>
-                  </a:lnTo>
-                  <a:lnTo>
-                    <a:pt x="1194" y="2363"/>
-                  </a:lnTo>
-                  <a:lnTo>
-                    <a:pt x="2095" y="1925"/>
-                  </a:lnTo>
-                  <a:lnTo>
-                    <a:pt x="2436" y="1706"/>
-                  </a:lnTo>
-                  <a:lnTo>
-                    <a:pt x="2656" y="1560"/>
-                  </a:lnTo>
-                  <a:lnTo>
-                    <a:pt x="2656" y="1560"/>
-                  </a:lnTo>
-                  <a:lnTo>
-                    <a:pt x="2777" y="1414"/>
-                  </a:lnTo>
-                  <a:lnTo>
-                    <a:pt x="2850" y="1243"/>
-                  </a:lnTo>
-                  <a:lnTo>
-                    <a:pt x="2899" y="1073"/>
-                  </a:lnTo>
-                  <a:lnTo>
-                    <a:pt x="2923" y="902"/>
-                  </a:lnTo>
-                  <a:lnTo>
-                    <a:pt x="2899" y="732"/>
-                  </a:lnTo>
-                  <a:lnTo>
-                    <a:pt x="2850" y="561"/>
-                  </a:lnTo>
-                  <a:lnTo>
-                    <a:pt x="2777" y="415"/>
-                  </a:lnTo>
-                  <a:lnTo>
-                    <a:pt x="2656" y="269"/>
-                  </a:lnTo>
-                  <a:lnTo>
-                    <a:pt x="2656" y="269"/>
-                  </a:lnTo>
-                  <a:close/>
+                    <a:pt x="2947" y="2947"/>
+                  </a:lnTo>
+                  <a:lnTo>
+                    <a:pt x="853" y="2947"/>
+                  </a:lnTo>
+                  <a:lnTo>
+                    <a:pt x="853" y="2947"/>
+                  </a:lnTo>
+                  <a:lnTo>
+                    <a:pt x="682" y="2947"/>
+                  </a:lnTo>
+                  <a:lnTo>
+                    <a:pt x="512" y="2996"/>
+                  </a:lnTo>
+                  <a:lnTo>
+                    <a:pt x="365" y="3093"/>
+                  </a:lnTo>
+                  <a:lnTo>
+                    <a:pt x="244" y="3191"/>
+                  </a:lnTo>
+                  <a:lnTo>
+                    <a:pt x="146" y="3313"/>
+                  </a:lnTo>
+                  <a:lnTo>
+                    <a:pt x="49" y="3459"/>
+                  </a:lnTo>
+                  <a:lnTo>
+                    <a:pt x="0" y="3629"/>
+                  </a:lnTo>
+                  <a:lnTo>
+                    <a:pt x="0" y="3800"/>
+                  </a:lnTo>
+                  <a:lnTo>
+                    <a:pt x="9011" y="3800"/>
+                  </a:lnTo>
+                  <a:lnTo>
+                    <a:pt x="9011" y="3800"/>
+                  </a:lnTo>
+                  <a:lnTo>
+                    <a:pt x="9011" y="3629"/>
+                  </a:lnTo>
+                  <a:lnTo>
+                    <a:pt x="8963" y="3459"/>
+                  </a:lnTo>
+                  <a:lnTo>
+                    <a:pt x="8865" y="3313"/>
+                  </a:lnTo>
+                  <a:lnTo>
+                    <a:pt x="8768" y="3191"/>
+                  </a:lnTo>
+                  <a:lnTo>
+                    <a:pt x="8646" y="3093"/>
+                  </a:lnTo>
+                  <a:lnTo>
+                    <a:pt x="8500" y="2996"/>
+                  </a:lnTo>
+                  <a:lnTo>
+                    <a:pt x="8330" y="2947"/>
+                  </a:lnTo>
+                  <a:lnTo>
+                    <a:pt x="8159" y="2947"/>
+                  </a:lnTo>
+                  <a:lnTo>
+                    <a:pt x="6065" y="2947"/>
+                  </a:lnTo>
+                  <a:lnTo>
+                    <a:pt x="6065" y="0"/>
+                  </a:lnTo>
                 </a:path>
               </a:pathLst>
             </a:custGeom>
             <a:noFill/>
-            <a:ln cap="rnd" cmpd="sng" w="19050">
+            <a:ln cap="rnd" cmpd="sng" w="12175">
               <a:solidFill>
                 <a:srgbClr val="FFFFFF"/>
               </a:solidFill>
@@ -16355,270 +16012,160 @@
           </p:nvSpPr>
           <p:spPr>
             <a:xfrm>
-              <a:off x="652350" y="4711500"/>
-              <a:ext cx="46925" cy="46925"/>
+              <a:off x="2583100" y="2973775"/>
+              <a:ext cx="461550" cy="336125"/>
             </a:xfrm>
             <a:custGeom>
               <a:pathLst>
-                <a:path extrusionOk="0" fill="none" h="1877" w="1877">
+                <a:path extrusionOk="0" fill="none" h="13445" w="18462">
                   <a:moveTo>
-                    <a:pt x="1657" y="244"/>
+                    <a:pt x="17974" y="1"/>
                   </a:moveTo>
                   <a:lnTo>
-                    <a:pt x="1657" y="244"/>
-                  </a:lnTo>
-                  <a:lnTo>
-                    <a:pt x="1535" y="147"/>
-                  </a:lnTo>
-                  <a:lnTo>
-                    <a:pt x="1413" y="74"/>
-                  </a:lnTo>
-                  <a:lnTo>
-                    <a:pt x="1267" y="25"/>
-                  </a:lnTo>
-                  <a:lnTo>
-                    <a:pt x="1121" y="1"/>
-                  </a:lnTo>
-                  <a:lnTo>
-                    <a:pt x="975" y="25"/>
-                  </a:lnTo>
-                  <a:lnTo>
-                    <a:pt x="829" y="74"/>
-                  </a:lnTo>
-                  <a:lnTo>
-                    <a:pt x="707" y="147"/>
-                  </a:lnTo>
-                  <a:lnTo>
-                    <a:pt x="585" y="244"/>
-                  </a:lnTo>
-                  <a:lnTo>
-                    <a:pt x="585" y="244"/>
-                  </a:lnTo>
-                  <a:lnTo>
-                    <a:pt x="464" y="391"/>
-                  </a:lnTo>
-                  <a:lnTo>
-                    <a:pt x="366" y="610"/>
-                  </a:lnTo>
-                  <a:lnTo>
-                    <a:pt x="269" y="878"/>
-                  </a:lnTo>
-                  <a:lnTo>
-                    <a:pt x="171" y="1170"/>
-                  </a:lnTo>
-                  <a:lnTo>
-                    <a:pt x="50" y="1681"/>
-                  </a:lnTo>
-                  <a:lnTo>
-                    <a:pt x="1" y="1876"/>
-                  </a:lnTo>
-                  <a:lnTo>
-                    <a:pt x="1" y="1876"/>
-                  </a:lnTo>
-                  <a:lnTo>
-                    <a:pt x="220" y="1852"/>
-                  </a:lnTo>
-                  <a:lnTo>
-                    <a:pt x="731" y="1706"/>
-                  </a:lnTo>
-                  <a:lnTo>
-                    <a:pt x="999" y="1633"/>
-                  </a:lnTo>
-                  <a:lnTo>
-                    <a:pt x="1267" y="1535"/>
-                  </a:lnTo>
-                  <a:lnTo>
-                    <a:pt x="1511" y="1413"/>
-                  </a:lnTo>
-                  <a:lnTo>
-                    <a:pt x="1657" y="1316"/>
-                  </a:lnTo>
-                  <a:lnTo>
-                    <a:pt x="1657" y="1316"/>
-                  </a:lnTo>
-                  <a:lnTo>
-                    <a:pt x="1754" y="1194"/>
-                  </a:lnTo>
-                  <a:lnTo>
-                    <a:pt x="1827" y="1048"/>
-                  </a:lnTo>
-                  <a:lnTo>
-                    <a:pt x="1876" y="926"/>
-                  </a:lnTo>
-                  <a:lnTo>
-                    <a:pt x="1876" y="780"/>
-                  </a:lnTo>
-                  <a:lnTo>
-                    <a:pt x="1876" y="634"/>
-                  </a:lnTo>
-                  <a:lnTo>
-                    <a:pt x="1827" y="488"/>
-                  </a:lnTo>
-                  <a:lnTo>
-                    <a:pt x="1754" y="366"/>
-                  </a:lnTo>
-                  <a:lnTo>
-                    <a:pt x="1657" y="244"/>
-                  </a:lnTo>
-                  <a:lnTo>
-                    <a:pt x="1657" y="244"/>
+                    <a:pt x="487" y="1"/>
+                  </a:lnTo>
+                  <a:lnTo>
+                    <a:pt x="487" y="1"/>
+                  </a:lnTo>
+                  <a:lnTo>
+                    <a:pt x="390" y="1"/>
+                  </a:lnTo>
+                  <a:lnTo>
+                    <a:pt x="317" y="50"/>
+                  </a:lnTo>
+                  <a:lnTo>
+                    <a:pt x="220" y="74"/>
+                  </a:lnTo>
+                  <a:lnTo>
+                    <a:pt x="146" y="147"/>
+                  </a:lnTo>
+                  <a:lnTo>
+                    <a:pt x="98" y="220"/>
+                  </a:lnTo>
+                  <a:lnTo>
+                    <a:pt x="49" y="293"/>
+                  </a:lnTo>
+                  <a:lnTo>
+                    <a:pt x="25" y="390"/>
+                  </a:lnTo>
+                  <a:lnTo>
+                    <a:pt x="0" y="488"/>
+                  </a:lnTo>
+                  <a:lnTo>
+                    <a:pt x="0" y="12958"/>
+                  </a:lnTo>
+                  <a:lnTo>
+                    <a:pt x="0" y="12958"/>
+                  </a:lnTo>
+                  <a:lnTo>
+                    <a:pt x="25" y="13055"/>
+                  </a:lnTo>
+                  <a:lnTo>
+                    <a:pt x="49" y="13152"/>
+                  </a:lnTo>
+                  <a:lnTo>
+                    <a:pt x="98" y="13226"/>
+                  </a:lnTo>
+                  <a:lnTo>
+                    <a:pt x="146" y="13299"/>
+                  </a:lnTo>
+                  <a:lnTo>
+                    <a:pt x="220" y="13372"/>
+                  </a:lnTo>
+                  <a:lnTo>
+                    <a:pt x="317" y="13396"/>
+                  </a:lnTo>
+                  <a:lnTo>
+                    <a:pt x="390" y="13445"/>
+                  </a:lnTo>
+                  <a:lnTo>
+                    <a:pt x="487" y="13445"/>
+                  </a:lnTo>
+                  <a:lnTo>
+                    <a:pt x="17974" y="13445"/>
+                  </a:lnTo>
+                  <a:lnTo>
+                    <a:pt x="17974" y="13445"/>
+                  </a:lnTo>
+                  <a:lnTo>
+                    <a:pt x="18072" y="13445"/>
+                  </a:lnTo>
+                  <a:lnTo>
+                    <a:pt x="18145" y="13396"/>
+                  </a:lnTo>
+                  <a:lnTo>
+                    <a:pt x="18242" y="13372"/>
+                  </a:lnTo>
+                  <a:lnTo>
+                    <a:pt x="18315" y="13299"/>
+                  </a:lnTo>
+                  <a:lnTo>
+                    <a:pt x="18364" y="13226"/>
+                  </a:lnTo>
+                  <a:lnTo>
+                    <a:pt x="18413" y="13152"/>
+                  </a:lnTo>
+                  <a:lnTo>
+                    <a:pt x="18437" y="13055"/>
+                  </a:lnTo>
+                  <a:lnTo>
+                    <a:pt x="18461" y="12958"/>
+                  </a:lnTo>
+                  <a:lnTo>
+                    <a:pt x="18461" y="488"/>
+                  </a:lnTo>
+                  <a:lnTo>
+                    <a:pt x="18461" y="488"/>
+                  </a:lnTo>
+                  <a:lnTo>
+                    <a:pt x="18437" y="390"/>
+                  </a:lnTo>
+                  <a:lnTo>
+                    <a:pt x="18413" y="293"/>
+                  </a:lnTo>
+                  <a:lnTo>
+                    <a:pt x="18364" y="220"/>
+                  </a:lnTo>
+                  <a:lnTo>
+                    <a:pt x="18315" y="147"/>
+                  </a:lnTo>
+                  <a:lnTo>
+                    <a:pt x="18242" y="74"/>
+                  </a:lnTo>
+                  <a:lnTo>
+                    <a:pt x="18145" y="50"/>
+                  </a:lnTo>
+                  <a:lnTo>
+                    <a:pt x="18072" y="1"/>
+                  </a:lnTo>
+                  <a:lnTo>
+                    <a:pt x="17974" y="1"/>
+                  </a:lnTo>
+                  <a:lnTo>
+                    <a:pt x="17974" y="1"/>
+                  </a:lnTo>
+                  <a:close/>
+                  <a:moveTo>
+                    <a:pt x="17000" y="11983"/>
+                  </a:moveTo>
+                  <a:lnTo>
+                    <a:pt x="1462" y="11983"/>
+                  </a:lnTo>
+                  <a:lnTo>
+                    <a:pt x="1462" y="1462"/>
+                  </a:lnTo>
+                  <a:lnTo>
+                    <a:pt x="17000" y="1462"/>
+                  </a:lnTo>
+                  <a:lnTo>
+                    <a:pt x="17000" y="11983"/>
                   </a:lnTo>
                   <a:close/>
                 </a:path>
               </a:pathLst>
             </a:custGeom>
             <a:noFill/>
-            <a:ln cap="rnd" cmpd="sng" w="19050">
-              <a:solidFill>
-                <a:srgbClr val="FFFFFF"/>
-              </a:solidFill>
-              <a:prstDash val="solid"/>
-              <a:round/>
-              <a:headEnd len="med" w="med" type="none"/>
-              <a:tailEnd len="med" w="med" type="none"/>
-            </a:ln>
-          </p:spPr>
-          <p:txBody>
-            <a:bodyPr anchorCtr="0" anchor="ctr" bIns="91425" lIns="91425" rIns="91425" tIns="91425">
-              <a:noAutofit/>
-            </a:bodyPr>
-            <a:lstStyle/>
-            <a:p>
-              <a:pPr lvl="0">
-                <a:spcBef>
-                  <a:spcPts val="0"/>
-                </a:spcBef>
-                <a:buNone/>
-              </a:pPr>
-              <a:r>
-                <a:t/>
-              </a:r>
-              <a:endParaRPr/>
-            </a:p>
-          </p:txBody>
-        </p:sp>
-        <p:sp>
-          <p:nvSpPr>
-            <p:cNvPr id="186" name="Shape 186"/>
-            <p:cNvSpPr/>
-            <p:nvPr/>
-          </p:nvSpPr>
-          <p:spPr>
-            <a:xfrm>
-              <a:off x="579300" y="4638450"/>
-              <a:ext cx="46900" cy="46900"/>
-            </a:xfrm>
-            <a:custGeom>
-              <a:pathLst>
-                <a:path extrusionOk="0" fill="none" h="1876" w="1876">
-                  <a:moveTo>
-                    <a:pt x="1632" y="219"/>
-                  </a:moveTo>
-                  <a:lnTo>
-                    <a:pt x="1632" y="219"/>
-                  </a:lnTo>
-                  <a:lnTo>
-                    <a:pt x="1510" y="122"/>
-                  </a:lnTo>
-                  <a:lnTo>
-                    <a:pt x="1388" y="49"/>
-                  </a:lnTo>
-                  <a:lnTo>
-                    <a:pt x="1242" y="0"/>
-                  </a:lnTo>
-                  <a:lnTo>
-                    <a:pt x="1096" y="0"/>
-                  </a:lnTo>
-                  <a:lnTo>
-                    <a:pt x="950" y="0"/>
-                  </a:lnTo>
-                  <a:lnTo>
-                    <a:pt x="828" y="49"/>
-                  </a:lnTo>
-                  <a:lnTo>
-                    <a:pt x="682" y="122"/>
-                  </a:lnTo>
-                  <a:lnTo>
-                    <a:pt x="560" y="219"/>
-                  </a:lnTo>
-                  <a:lnTo>
-                    <a:pt x="560" y="219"/>
-                  </a:lnTo>
-                  <a:lnTo>
-                    <a:pt x="463" y="366"/>
-                  </a:lnTo>
-                  <a:lnTo>
-                    <a:pt x="341" y="609"/>
-                  </a:lnTo>
-                  <a:lnTo>
-                    <a:pt x="244" y="877"/>
-                  </a:lnTo>
-                  <a:lnTo>
-                    <a:pt x="171" y="1145"/>
-                  </a:lnTo>
-                  <a:lnTo>
-                    <a:pt x="25" y="1656"/>
-                  </a:lnTo>
-                  <a:lnTo>
-                    <a:pt x="0" y="1876"/>
-                  </a:lnTo>
-                  <a:lnTo>
-                    <a:pt x="0" y="1876"/>
-                  </a:lnTo>
-                  <a:lnTo>
-                    <a:pt x="195" y="1827"/>
-                  </a:lnTo>
-                  <a:lnTo>
-                    <a:pt x="707" y="1705"/>
-                  </a:lnTo>
-                  <a:lnTo>
-                    <a:pt x="999" y="1608"/>
-                  </a:lnTo>
-                  <a:lnTo>
-                    <a:pt x="1267" y="1510"/>
-                  </a:lnTo>
-                  <a:lnTo>
-                    <a:pt x="1486" y="1413"/>
-                  </a:lnTo>
-                  <a:lnTo>
-                    <a:pt x="1632" y="1291"/>
-                  </a:lnTo>
-                  <a:lnTo>
-                    <a:pt x="1632" y="1291"/>
-                  </a:lnTo>
-                  <a:lnTo>
-                    <a:pt x="1729" y="1169"/>
-                  </a:lnTo>
-                  <a:lnTo>
-                    <a:pt x="1802" y="1048"/>
-                  </a:lnTo>
-                  <a:lnTo>
-                    <a:pt x="1851" y="901"/>
-                  </a:lnTo>
-                  <a:lnTo>
-                    <a:pt x="1876" y="755"/>
-                  </a:lnTo>
-                  <a:lnTo>
-                    <a:pt x="1851" y="609"/>
-                  </a:lnTo>
-                  <a:lnTo>
-                    <a:pt x="1802" y="463"/>
-                  </a:lnTo>
-                  <a:lnTo>
-                    <a:pt x="1729" y="341"/>
-                  </a:lnTo>
-                  <a:lnTo>
-                    <a:pt x="1632" y="219"/>
-                  </a:lnTo>
-                  <a:lnTo>
-                    <a:pt x="1632" y="219"/>
-                  </a:lnTo>
-                  <a:close/>
-                </a:path>
-              </a:pathLst>
-            </a:custGeom>
-            <a:noFill/>
-            <a:ln cap="rnd" cmpd="sng" w="19050">
+            <a:ln cap="rnd" cmpd="sng" w="12175">
               <a:solidFill>
                 <a:srgbClr val="FFFFFF"/>
               </a:solidFill>
@@ -16650,23 +16197,584 @@
       </p:grpSp>
       <p:sp>
         <p:nvSpPr>
-          <p:cNvPr id="187" name="Shape 187"/>
-          <p:cNvSpPr txBox="1"/>
-          <p:nvPr>
-            <p:ph idx="1" type="body"/>
-          </p:nvPr>
+          <p:cNvPr id="186" name="Shape 186"/>
+          <p:cNvSpPr/>
+          <p:nvPr/>
         </p:nvSpPr>
         <p:spPr>
           <a:xfrm>
-            <a:off x="2215999" y="1085100"/>
-            <a:ext cx="2343600" cy="3840900"/>
+            <a:off x="1529849" y="1469022"/>
+            <a:ext cx="426916" cy="450100"/>
           </a:xfrm>
-          <a:prstGeom prst="rect">
-            <a:avLst/>
-          </a:prstGeom>
+          <a:custGeom>
+            <a:pathLst>
+              <a:path extrusionOk="0" fill="none" h="16075" w="15247">
+                <a:moveTo>
+                  <a:pt x="9401" y="10717"/>
+                </a:moveTo>
+                <a:lnTo>
+                  <a:pt x="9401" y="10717"/>
+                </a:lnTo>
+                <a:lnTo>
+                  <a:pt x="9085" y="10692"/>
+                </a:lnTo>
+                <a:lnTo>
+                  <a:pt x="9085" y="9596"/>
+                </a:lnTo>
+                <a:lnTo>
+                  <a:pt x="9085" y="9596"/>
+                </a:lnTo>
+                <a:lnTo>
+                  <a:pt x="9401" y="9377"/>
+                </a:lnTo>
+                <a:lnTo>
+                  <a:pt x="9718" y="9133"/>
+                </a:lnTo>
+                <a:lnTo>
+                  <a:pt x="10010" y="8866"/>
+                </a:lnTo>
+                <a:lnTo>
+                  <a:pt x="10302" y="8573"/>
+                </a:lnTo>
+                <a:lnTo>
+                  <a:pt x="10546" y="8232"/>
+                </a:lnTo>
+                <a:lnTo>
+                  <a:pt x="10765" y="7867"/>
+                </a:lnTo>
+                <a:lnTo>
+                  <a:pt x="10984" y="7502"/>
+                </a:lnTo>
+                <a:lnTo>
+                  <a:pt x="11155" y="7088"/>
+                </a:lnTo>
+                <a:lnTo>
+                  <a:pt x="11155" y="7088"/>
+                </a:lnTo>
+                <a:lnTo>
+                  <a:pt x="11228" y="7112"/>
+                </a:lnTo>
+                <a:lnTo>
+                  <a:pt x="11228" y="7112"/>
+                </a:lnTo>
+                <a:lnTo>
+                  <a:pt x="11374" y="7112"/>
+                </a:lnTo>
+                <a:lnTo>
+                  <a:pt x="11496" y="7039"/>
+                </a:lnTo>
+                <a:lnTo>
+                  <a:pt x="11617" y="6942"/>
+                </a:lnTo>
+                <a:lnTo>
+                  <a:pt x="11715" y="6771"/>
+                </a:lnTo>
+                <a:lnTo>
+                  <a:pt x="11812" y="6601"/>
+                </a:lnTo>
+                <a:lnTo>
+                  <a:pt x="11910" y="6381"/>
+                </a:lnTo>
+                <a:lnTo>
+                  <a:pt x="11958" y="6138"/>
+                </a:lnTo>
+                <a:lnTo>
+                  <a:pt x="12007" y="5870"/>
+                </a:lnTo>
+                <a:lnTo>
+                  <a:pt x="12007" y="5870"/>
+                </a:lnTo>
+                <a:lnTo>
+                  <a:pt x="12031" y="5626"/>
+                </a:lnTo>
+                <a:lnTo>
+                  <a:pt x="12007" y="5383"/>
+                </a:lnTo>
+                <a:lnTo>
+                  <a:pt x="11983" y="5188"/>
+                </a:lnTo>
+                <a:lnTo>
+                  <a:pt x="11934" y="4993"/>
+                </a:lnTo>
+                <a:lnTo>
+                  <a:pt x="11885" y="4823"/>
+                </a:lnTo>
+                <a:lnTo>
+                  <a:pt x="11812" y="4677"/>
+                </a:lnTo>
+                <a:lnTo>
+                  <a:pt x="11715" y="4579"/>
+                </a:lnTo>
+                <a:lnTo>
+                  <a:pt x="11593" y="4506"/>
+                </a:lnTo>
+                <a:lnTo>
+                  <a:pt x="11593" y="4506"/>
+                </a:lnTo>
+                <a:lnTo>
+                  <a:pt x="11666" y="4141"/>
+                </a:lnTo>
+                <a:lnTo>
+                  <a:pt x="11690" y="3800"/>
+                </a:lnTo>
+                <a:lnTo>
+                  <a:pt x="11690" y="3483"/>
+                </a:lnTo>
+                <a:lnTo>
+                  <a:pt x="11690" y="3191"/>
+                </a:lnTo>
+                <a:lnTo>
+                  <a:pt x="11666" y="2899"/>
+                </a:lnTo>
+                <a:lnTo>
+                  <a:pt x="11617" y="2631"/>
+                </a:lnTo>
+                <a:lnTo>
+                  <a:pt x="11544" y="2387"/>
+                </a:lnTo>
+                <a:lnTo>
+                  <a:pt x="11471" y="2144"/>
+                </a:lnTo>
+                <a:lnTo>
+                  <a:pt x="11374" y="1924"/>
+                </a:lnTo>
+                <a:lnTo>
+                  <a:pt x="11276" y="1705"/>
+                </a:lnTo>
+                <a:lnTo>
+                  <a:pt x="11155" y="1510"/>
+                </a:lnTo>
+                <a:lnTo>
+                  <a:pt x="11009" y="1340"/>
+                </a:lnTo>
+                <a:lnTo>
+                  <a:pt x="10862" y="1169"/>
+                </a:lnTo>
+                <a:lnTo>
+                  <a:pt x="10716" y="1023"/>
+                </a:lnTo>
+                <a:lnTo>
+                  <a:pt x="10400" y="755"/>
+                </a:lnTo>
+                <a:lnTo>
+                  <a:pt x="10034" y="561"/>
+                </a:lnTo>
+                <a:lnTo>
+                  <a:pt x="9669" y="366"/>
+                </a:lnTo>
+                <a:lnTo>
+                  <a:pt x="9304" y="244"/>
+                </a:lnTo>
+                <a:lnTo>
+                  <a:pt x="8938" y="146"/>
+                </a:lnTo>
+                <a:lnTo>
+                  <a:pt x="8573" y="73"/>
+                </a:lnTo>
+                <a:lnTo>
+                  <a:pt x="8232" y="25"/>
+                </a:lnTo>
+                <a:lnTo>
+                  <a:pt x="7915" y="0"/>
+                </a:lnTo>
+                <a:lnTo>
+                  <a:pt x="7623" y="0"/>
+                </a:lnTo>
+                <a:lnTo>
+                  <a:pt x="7623" y="0"/>
+                </a:lnTo>
+                <a:lnTo>
+                  <a:pt x="7282" y="25"/>
+                </a:lnTo>
+                <a:lnTo>
+                  <a:pt x="6990" y="98"/>
+                </a:lnTo>
+                <a:lnTo>
+                  <a:pt x="6746" y="171"/>
+                </a:lnTo>
+                <a:lnTo>
+                  <a:pt x="6527" y="293"/>
+                </a:lnTo>
+                <a:lnTo>
+                  <a:pt x="6332" y="390"/>
+                </a:lnTo>
+                <a:lnTo>
+                  <a:pt x="6186" y="536"/>
+                </a:lnTo>
+                <a:lnTo>
+                  <a:pt x="6040" y="658"/>
+                </a:lnTo>
+                <a:lnTo>
+                  <a:pt x="5943" y="780"/>
+                </a:lnTo>
+                <a:lnTo>
+                  <a:pt x="5943" y="780"/>
+                </a:lnTo>
+                <a:lnTo>
+                  <a:pt x="5943" y="780"/>
+                </a:lnTo>
+                <a:lnTo>
+                  <a:pt x="5943" y="780"/>
+                </a:lnTo>
+                <a:lnTo>
+                  <a:pt x="5553" y="853"/>
+                </a:lnTo>
+                <a:lnTo>
+                  <a:pt x="5188" y="975"/>
+                </a:lnTo>
+                <a:lnTo>
+                  <a:pt x="4871" y="1145"/>
+                </a:lnTo>
+                <a:lnTo>
+                  <a:pt x="4603" y="1316"/>
+                </a:lnTo>
+                <a:lnTo>
+                  <a:pt x="4360" y="1535"/>
+                </a:lnTo>
+                <a:lnTo>
+                  <a:pt x="4165" y="1754"/>
+                </a:lnTo>
+                <a:lnTo>
+                  <a:pt x="4019" y="2022"/>
+                </a:lnTo>
+                <a:lnTo>
+                  <a:pt x="3897" y="2290"/>
+                </a:lnTo>
+                <a:lnTo>
+                  <a:pt x="3799" y="2558"/>
+                </a:lnTo>
+                <a:lnTo>
+                  <a:pt x="3726" y="2826"/>
+                </a:lnTo>
+                <a:lnTo>
+                  <a:pt x="3678" y="3118"/>
+                </a:lnTo>
+                <a:lnTo>
+                  <a:pt x="3629" y="3410"/>
+                </a:lnTo>
+                <a:lnTo>
+                  <a:pt x="3629" y="3702"/>
+                </a:lnTo>
+                <a:lnTo>
+                  <a:pt x="3629" y="3970"/>
+                </a:lnTo>
+                <a:lnTo>
+                  <a:pt x="3678" y="4482"/>
+                </a:lnTo>
+                <a:lnTo>
+                  <a:pt x="3678" y="4482"/>
+                </a:lnTo>
+                <a:lnTo>
+                  <a:pt x="3678" y="4506"/>
+                </a:lnTo>
+                <a:lnTo>
+                  <a:pt x="3678" y="4506"/>
+                </a:lnTo>
+                <a:lnTo>
+                  <a:pt x="3556" y="4555"/>
+                </a:lnTo>
+                <a:lnTo>
+                  <a:pt x="3459" y="4652"/>
+                </a:lnTo>
+                <a:lnTo>
+                  <a:pt x="3385" y="4798"/>
+                </a:lnTo>
+                <a:lnTo>
+                  <a:pt x="3312" y="4969"/>
+                </a:lnTo>
+                <a:lnTo>
+                  <a:pt x="3264" y="5164"/>
+                </a:lnTo>
+                <a:lnTo>
+                  <a:pt x="3239" y="5383"/>
+                </a:lnTo>
+                <a:lnTo>
+                  <a:pt x="3215" y="5626"/>
+                </a:lnTo>
+                <a:lnTo>
+                  <a:pt x="3239" y="5870"/>
+                </a:lnTo>
+                <a:lnTo>
+                  <a:pt x="3239" y="5870"/>
+                </a:lnTo>
+                <a:lnTo>
+                  <a:pt x="3288" y="6138"/>
+                </a:lnTo>
+                <a:lnTo>
+                  <a:pt x="3337" y="6381"/>
+                </a:lnTo>
+                <a:lnTo>
+                  <a:pt x="3434" y="6601"/>
+                </a:lnTo>
+                <a:lnTo>
+                  <a:pt x="3532" y="6771"/>
+                </a:lnTo>
+                <a:lnTo>
+                  <a:pt x="3629" y="6942"/>
+                </a:lnTo>
+                <a:lnTo>
+                  <a:pt x="3751" y="7039"/>
+                </a:lnTo>
+                <a:lnTo>
+                  <a:pt x="3873" y="7112"/>
+                </a:lnTo>
+                <a:lnTo>
+                  <a:pt x="4019" y="7112"/>
+                </a:lnTo>
+                <a:lnTo>
+                  <a:pt x="4019" y="7112"/>
+                </a:lnTo>
+                <a:lnTo>
+                  <a:pt x="4092" y="7088"/>
+                </a:lnTo>
+                <a:lnTo>
+                  <a:pt x="4092" y="7088"/>
+                </a:lnTo>
+                <a:lnTo>
+                  <a:pt x="4262" y="7502"/>
+                </a:lnTo>
+                <a:lnTo>
+                  <a:pt x="4481" y="7867"/>
+                </a:lnTo>
+                <a:lnTo>
+                  <a:pt x="4701" y="8232"/>
+                </a:lnTo>
+                <a:lnTo>
+                  <a:pt x="4969" y="8573"/>
+                </a:lnTo>
+                <a:lnTo>
+                  <a:pt x="5236" y="8866"/>
+                </a:lnTo>
+                <a:lnTo>
+                  <a:pt x="5529" y="9133"/>
+                </a:lnTo>
+                <a:lnTo>
+                  <a:pt x="5845" y="9377"/>
+                </a:lnTo>
+                <a:lnTo>
+                  <a:pt x="6162" y="9596"/>
+                </a:lnTo>
+                <a:lnTo>
+                  <a:pt x="6162" y="10668"/>
+                </a:lnTo>
+                <a:lnTo>
+                  <a:pt x="6162" y="10668"/>
+                </a:lnTo>
+                <a:lnTo>
+                  <a:pt x="5650" y="10717"/>
+                </a:lnTo>
+                <a:lnTo>
+                  <a:pt x="5650" y="10717"/>
+                </a:lnTo>
+                <a:lnTo>
+                  <a:pt x="5066" y="10814"/>
+                </a:lnTo>
+                <a:lnTo>
+                  <a:pt x="4506" y="10936"/>
+                </a:lnTo>
+                <a:lnTo>
+                  <a:pt x="3946" y="11058"/>
+                </a:lnTo>
+                <a:lnTo>
+                  <a:pt x="3410" y="11228"/>
+                </a:lnTo>
+                <a:lnTo>
+                  <a:pt x="2923" y="11423"/>
+                </a:lnTo>
+                <a:lnTo>
+                  <a:pt x="2460" y="11642"/>
+                </a:lnTo>
+                <a:lnTo>
+                  <a:pt x="2022" y="11886"/>
+                </a:lnTo>
+                <a:lnTo>
+                  <a:pt x="1632" y="12153"/>
+                </a:lnTo>
+                <a:lnTo>
+                  <a:pt x="1267" y="12421"/>
+                </a:lnTo>
+                <a:lnTo>
+                  <a:pt x="950" y="12738"/>
+                </a:lnTo>
+                <a:lnTo>
+                  <a:pt x="682" y="13079"/>
+                </a:lnTo>
+                <a:lnTo>
+                  <a:pt x="439" y="13420"/>
+                </a:lnTo>
+                <a:lnTo>
+                  <a:pt x="268" y="13810"/>
+                </a:lnTo>
+                <a:lnTo>
+                  <a:pt x="122" y="14199"/>
+                </a:lnTo>
+                <a:lnTo>
+                  <a:pt x="49" y="14638"/>
+                </a:lnTo>
+                <a:lnTo>
+                  <a:pt x="0" y="15076"/>
+                </a:lnTo>
+                <a:lnTo>
+                  <a:pt x="0" y="15076"/>
+                </a:lnTo>
+                <a:lnTo>
+                  <a:pt x="49" y="15125"/>
+                </a:lnTo>
+                <a:lnTo>
+                  <a:pt x="244" y="15222"/>
+                </a:lnTo>
+                <a:lnTo>
+                  <a:pt x="414" y="15295"/>
+                </a:lnTo>
+                <a:lnTo>
+                  <a:pt x="633" y="15393"/>
+                </a:lnTo>
+                <a:lnTo>
+                  <a:pt x="901" y="15490"/>
+                </a:lnTo>
+                <a:lnTo>
+                  <a:pt x="1267" y="15563"/>
+                </a:lnTo>
+                <a:lnTo>
+                  <a:pt x="1705" y="15661"/>
+                </a:lnTo>
+                <a:lnTo>
+                  <a:pt x="2216" y="15758"/>
+                </a:lnTo>
+                <a:lnTo>
+                  <a:pt x="2825" y="15831"/>
+                </a:lnTo>
+                <a:lnTo>
+                  <a:pt x="3556" y="15928"/>
+                </a:lnTo>
+                <a:lnTo>
+                  <a:pt x="4384" y="15977"/>
+                </a:lnTo>
+                <a:lnTo>
+                  <a:pt x="5309" y="16026"/>
+                </a:lnTo>
+                <a:lnTo>
+                  <a:pt x="6381" y="16050"/>
+                </a:lnTo>
+                <a:lnTo>
+                  <a:pt x="7599" y="16075"/>
+                </a:lnTo>
+                <a:lnTo>
+                  <a:pt x="7599" y="16075"/>
+                </a:lnTo>
+                <a:lnTo>
+                  <a:pt x="8792" y="16050"/>
+                </a:lnTo>
+                <a:lnTo>
+                  <a:pt x="9864" y="16026"/>
+                </a:lnTo>
+                <a:lnTo>
+                  <a:pt x="10814" y="15977"/>
+                </a:lnTo>
+                <a:lnTo>
+                  <a:pt x="11642" y="15928"/>
+                </a:lnTo>
+                <a:lnTo>
+                  <a:pt x="12372" y="15831"/>
+                </a:lnTo>
+                <a:lnTo>
+                  <a:pt x="12981" y="15758"/>
+                </a:lnTo>
+                <a:lnTo>
+                  <a:pt x="13517" y="15661"/>
+                </a:lnTo>
+                <a:lnTo>
+                  <a:pt x="13955" y="15563"/>
+                </a:lnTo>
+                <a:lnTo>
+                  <a:pt x="14321" y="15490"/>
+                </a:lnTo>
+                <a:lnTo>
+                  <a:pt x="14613" y="15393"/>
+                </a:lnTo>
+                <a:lnTo>
+                  <a:pt x="14832" y="15295"/>
+                </a:lnTo>
+                <a:lnTo>
+                  <a:pt x="15003" y="15222"/>
+                </a:lnTo>
+                <a:lnTo>
+                  <a:pt x="15173" y="15125"/>
+                </a:lnTo>
+                <a:lnTo>
+                  <a:pt x="15246" y="15076"/>
+                </a:lnTo>
+                <a:lnTo>
+                  <a:pt x="15246" y="15076"/>
+                </a:lnTo>
+                <a:lnTo>
+                  <a:pt x="15198" y="14613"/>
+                </a:lnTo>
+                <a:lnTo>
+                  <a:pt x="15125" y="14175"/>
+                </a:lnTo>
+                <a:lnTo>
+                  <a:pt x="15003" y="13761"/>
+                </a:lnTo>
+                <a:lnTo>
+                  <a:pt x="14832" y="13371"/>
+                </a:lnTo>
+                <a:lnTo>
+                  <a:pt x="14589" y="13006"/>
+                </a:lnTo>
+                <a:lnTo>
+                  <a:pt x="14321" y="12665"/>
+                </a:lnTo>
+                <a:lnTo>
+                  <a:pt x="14004" y="12373"/>
+                </a:lnTo>
+                <a:lnTo>
+                  <a:pt x="13639" y="12080"/>
+                </a:lnTo>
+                <a:lnTo>
+                  <a:pt x="13249" y="11813"/>
+                </a:lnTo>
+                <a:lnTo>
+                  <a:pt x="12811" y="11593"/>
+                </a:lnTo>
+                <a:lnTo>
+                  <a:pt x="12324" y="11374"/>
+                </a:lnTo>
+                <a:lnTo>
+                  <a:pt x="11812" y="11204"/>
+                </a:lnTo>
+                <a:lnTo>
+                  <a:pt x="11252" y="11033"/>
+                </a:lnTo>
+                <a:lnTo>
+                  <a:pt x="10668" y="10911"/>
+                </a:lnTo>
+                <a:lnTo>
+                  <a:pt x="10034" y="10790"/>
+                </a:lnTo>
+                <a:lnTo>
+                  <a:pt x="9401" y="10717"/>
+                </a:lnTo>
+                <a:lnTo>
+                  <a:pt x="9401" y="10717"/>
+                </a:lnTo>
+                <a:close/>
+              </a:path>
+            </a:pathLst>
+          </a:custGeom>
+          <a:noFill/>
+          <a:ln cap="rnd" cmpd="sng" w="12175">
+            <a:solidFill>
+              <a:srgbClr val="FFFFFF"/>
+            </a:solidFill>
+            <a:prstDash val="solid"/>
+            <a:round/>
+            <a:headEnd len="med" w="med" type="none"/>
+            <a:tailEnd len="med" w="med" type="none"/>
+          </a:ln>
         </p:spPr>
         <p:txBody>
-          <a:bodyPr anchorCtr="0" anchor="t" bIns="91425" lIns="91425" rIns="91425" tIns="91425">
+          <a:bodyPr anchorCtr="0" anchor="ctr" bIns="91425" lIns="91425" rIns="91425" tIns="91425">
             <a:noAutofit/>
           </a:bodyPr>
           <a:lstStyle/>
@@ -16678,362 +16786,1251 @@
               <a:buNone/>
             </a:pPr>
             <a:r>
-              <a:rPr lang="en" sz="1800" u="sng"/>
-              <a:t>Property managers</a:t>
+              <a:t/>
             </a:r>
-          </a:p>
-          <a:p>
-            <a:pPr indent="-342900" lvl="0" marL="457200" rtl="0">
-              <a:spcBef>
-                <a:spcPts val="0"/>
-              </a:spcBef>
-              <a:spcAft>
-                <a:spcPts val="1000"/>
-              </a:spcAft>
-              <a:buSzPct val="100000"/>
-            </a:pPr>
-            <a:r>
-              <a:rPr lang="en" sz="1800"/>
-              <a:t>Validation</a:t>
-            </a:r>
-          </a:p>
-          <a:p>
-            <a:pPr indent="-342900" lvl="0" marL="457200">
-              <a:spcBef>
-                <a:spcPts val="0"/>
-              </a:spcBef>
-              <a:spcAft>
-                <a:spcPts val="1000"/>
-              </a:spcAft>
-              <a:buSzPct val="100000"/>
-            </a:pPr>
-            <a:r>
-              <a:rPr lang="en" sz="1800"/>
-              <a:t>Responding</a:t>
-            </a:r>
-          </a:p>
-        </p:txBody>
-      </p:sp>
-      <p:sp>
-        <p:nvSpPr>
-          <p:cNvPr id="188" name="Shape 188"/>
-          <p:cNvSpPr txBox="1"/>
-          <p:nvPr>
-            <p:ph idx="2" type="body"/>
-          </p:nvPr>
-        </p:nvSpPr>
-        <p:spPr>
-          <a:xfrm>
-            <a:off x="4504374" y="1085100"/>
-            <a:ext cx="2076000" cy="3840900"/>
-          </a:xfrm>
-          <a:prstGeom prst="rect">
-            <a:avLst/>
-          </a:prstGeom>
-        </p:spPr>
-        <p:txBody>
-          <a:bodyPr anchorCtr="0" anchor="t" bIns="91425" lIns="91425" rIns="91425" tIns="91425">
-            <a:noAutofit/>
-          </a:bodyPr>
-          <a:lstStyle/>
-          <a:p>
-            <a:pPr lvl="0">
-              <a:spcBef>
-                <a:spcPts val="0"/>
-              </a:spcBef>
-              <a:buNone/>
-            </a:pPr>
-            <a:r>
-              <a:rPr lang="en" sz="1800" u="sng"/>
-              <a:t>Administration</a:t>
-            </a:r>
-          </a:p>
-          <a:p>
-            <a:pPr indent="-342900" lvl="0" marL="457200" rtl="0">
-              <a:spcBef>
-                <a:spcPts val="0"/>
-              </a:spcBef>
-              <a:spcAft>
-                <a:spcPts val="1000"/>
-              </a:spcAft>
-              <a:buSzPct val="100000"/>
-            </a:pPr>
-            <a:r>
-              <a:rPr lang="en" sz="1800"/>
-              <a:t>Automation</a:t>
-            </a:r>
-          </a:p>
-          <a:p>
-            <a:pPr indent="-342900" lvl="0" marL="457200">
-              <a:spcBef>
-                <a:spcPts val="0"/>
-              </a:spcBef>
-              <a:spcAft>
-                <a:spcPts val="1000"/>
-              </a:spcAft>
-              <a:buSzPct val="100000"/>
-            </a:pPr>
-            <a:r>
-              <a:rPr lang="en" sz="1800"/>
-              <a:t>Workflows</a:t>
-            </a:r>
-          </a:p>
-        </p:txBody>
-      </p:sp>
-      <p:sp>
-        <p:nvSpPr>
-          <p:cNvPr id="189" name="Shape 189"/>
-          <p:cNvSpPr txBox="1"/>
-          <p:nvPr>
-            <p:ph idx="3" type="body"/>
-          </p:nvPr>
-        </p:nvSpPr>
-        <p:spPr>
-          <a:xfrm>
-            <a:off x="6573999" y="1085100"/>
-            <a:ext cx="2154600" cy="3840900"/>
-          </a:xfrm>
-          <a:prstGeom prst="rect">
-            <a:avLst/>
-          </a:prstGeom>
-        </p:spPr>
-        <p:txBody>
-          <a:bodyPr anchorCtr="0" anchor="t" bIns="91425" lIns="91425" rIns="91425" tIns="91425">
-            <a:noAutofit/>
-          </a:bodyPr>
-          <a:lstStyle/>
-          <a:p>
-            <a:pPr lvl="0">
-              <a:spcBef>
-                <a:spcPts val="0"/>
-              </a:spcBef>
-              <a:buNone/>
-            </a:pPr>
-            <a:r>
-              <a:rPr lang="en" sz="1800" u="sng"/>
-              <a:t>Platform</a:t>
-            </a:r>
-          </a:p>
-          <a:p>
-            <a:pPr indent="-342900" lvl="0" marL="457200" rtl="0">
-              <a:spcBef>
-                <a:spcPts val="0"/>
-              </a:spcBef>
-              <a:spcAft>
-                <a:spcPts val="1000"/>
-              </a:spcAft>
-              <a:buSzPct val="100000"/>
-            </a:pPr>
-            <a:r>
-              <a:rPr lang="en" sz="1800"/>
-              <a:t>Hosting</a:t>
-            </a:r>
-          </a:p>
-          <a:p>
-            <a:pPr indent="-342900" lvl="0" marL="457200">
-              <a:spcBef>
-                <a:spcPts val="0"/>
-              </a:spcBef>
-              <a:spcAft>
-                <a:spcPts val="1000"/>
-              </a:spcAft>
-              <a:buSzPct val="100000"/>
-            </a:pPr>
-            <a:r>
-              <a:rPr lang="en" sz="1800"/>
-              <a:t>Development system</a:t>
-            </a:r>
-          </a:p>
-        </p:txBody>
-      </p:sp>
-      <p:sp>
-        <p:nvSpPr>
-          <p:cNvPr id="190" name="Shape 190"/>
-          <p:cNvSpPr txBox="1"/>
-          <p:nvPr>
-            <p:ph idx="12" type="sldNum"/>
-          </p:nvPr>
-        </p:nvSpPr>
-        <p:spPr>
-          <a:xfrm>
-            <a:off x="457200" y="4189182"/>
-            <a:ext cx="548700" cy="544500"/>
-          </a:xfrm>
-          <a:prstGeom prst="rect">
-            <a:avLst/>
-          </a:prstGeom>
-        </p:spPr>
-        <p:txBody>
-          <a:bodyPr anchorCtr="0" anchor="b" bIns="91425" lIns="91425" rIns="91425" tIns="91425">
-            <a:noAutofit/>
-          </a:bodyPr>
-          <a:lstStyle/>
-          <a:p>
-            <a:pPr lvl="0">
-              <a:spcBef>
-                <a:spcPts val="0"/>
-              </a:spcBef>
-              <a:buNone/>
-            </a:pPr>
-            <a:fld id="{00000000-1234-1234-1234-123412341234}" type="slidenum">
-              <a:rPr lang="en"/>
-              <a:t>‹#›</a:t>
-            </a:fld>
-          </a:p>
-        </p:txBody>
-      </p:sp>
-    </p:spTree>
-  </p:cSld>
-  <p:clrMapOvr>
-    <a:masterClrMapping/>
-  </p:clrMapOvr>
-</p:sld>
-</file>
-
-<file path=ppt/slides/slide9.xml><?xml version="1.0" encoding="utf-8"?>
-<p:sld xmlns:a="http://schemas.openxmlformats.org/drawingml/2006/main" xmlns:r="http://schemas.openxmlformats.org/officeDocument/2006/relationships" xmlns:mc="http://schemas.openxmlformats.org/markup-compatibility/2006" xmlns:mv="urn:schemas-microsoft-com:mac:vml" xmlns:p="http://schemas.openxmlformats.org/presentationml/2006/main" xmlns:c="http://schemas.openxmlformats.org/drawingml/2006/chart" xmlns:dgm="http://schemas.openxmlformats.org/drawingml/2006/diagram" xmlns:o="urn:schemas-microsoft-com:office:office" xmlns:v="urn:schemas-microsoft-com:vml" xmlns:pvml="urn:schemas-microsoft-com:office:powerpoint" xmlns:com="http://schemas.openxmlformats.org/drawingml/2006/compatibility" xmlns:p14="http://schemas.microsoft.com/office/powerpoint/2010/main">
-  <p:cSld>
-    <p:spTree>
-      <p:nvGrpSpPr>
-        <p:cNvPr id="194" name="Shape 194"/>
-        <p:cNvGrpSpPr/>
-        <p:nvPr/>
-      </p:nvGrpSpPr>
-      <p:grpSpPr>
-        <a:xfrm>
-          <a:off x="0" y="0"/>
-          <a:ext cx="0" cy="0"/>
-          <a:chOff x="0" y="0"/>
-          <a:chExt cx="0" cy="0"/>
-        </a:xfrm>
-      </p:grpSpPr>
-      <p:sp>
-        <p:nvSpPr>
-          <p:cNvPr id="195" name="Shape 195"/>
-          <p:cNvSpPr txBox="1"/>
-          <p:nvPr>
-            <p:ph idx="12" type="sldNum"/>
-          </p:nvPr>
-        </p:nvSpPr>
-        <p:spPr>
-          <a:xfrm>
-            <a:off x="457200" y="4189182"/>
-            <a:ext cx="548700" cy="544500"/>
-          </a:xfrm>
-          <a:prstGeom prst="rect">
-            <a:avLst/>
-          </a:prstGeom>
-        </p:spPr>
-        <p:txBody>
-          <a:bodyPr anchorCtr="0" anchor="b" bIns="91425" lIns="91425" rIns="91425" tIns="91425">
-            <a:noAutofit/>
-          </a:bodyPr>
-          <a:lstStyle/>
-          <a:p>
-            <a:pPr lvl="0" rtl="0">
-              <a:spcBef>
-                <a:spcPts val="0"/>
-              </a:spcBef>
-              <a:buNone/>
-            </a:pPr>
-            <a:fld id="{00000000-1234-1234-1234-123412341234}" type="slidenum">
-              <a:rPr lang="en">
-                <a:latin typeface="Raleway"/>
-                <a:ea typeface="Raleway"/>
-                <a:cs typeface="Raleway"/>
-                <a:sym typeface="Raleway"/>
-              </a:rPr>
-              <a:t>‹#›</a:t>
-            </a:fld>
-          </a:p>
-        </p:txBody>
-      </p:sp>
-      <p:sp>
-        <p:nvSpPr>
-          <p:cNvPr id="196" name="Shape 196"/>
-          <p:cNvSpPr txBox="1"/>
-          <p:nvPr>
-            <p:ph type="title"/>
-          </p:nvPr>
-        </p:nvSpPr>
-        <p:spPr>
-          <a:xfrm>
-            <a:off x="457200" y="1146025"/>
-            <a:ext cx="2154600" cy="816300"/>
-          </a:xfrm>
-          <a:prstGeom prst="rect">
-            <a:avLst/>
-          </a:prstGeom>
-        </p:spPr>
-        <p:txBody>
-          <a:bodyPr anchorCtr="0" anchor="t" bIns="91425" lIns="91425" rIns="91425" tIns="91425">
-            <a:noAutofit/>
-          </a:bodyPr>
-          <a:lstStyle/>
-          <a:p>
-            <a:pPr lvl="0" rtl="0">
-              <a:spcBef>
-                <a:spcPts val="0"/>
-              </a:spcBef>
-              <a:buNone/>
-            </a:pPr>
-            <a:r>
-              <a:rPr lang="en" sz="3600"/>
-              <a:t>THANKS</a:t>
-            </a:r>
-          </a:p>
-        </p:txBody>
-      </p:sp>
-      <p:sp>
-        <p:nvSpPr>
-          <p:cNvPr id="197" name="Shape 197"/>
-          <p:cNvSpPr txBox="1"/>
-          <p:nvPr>
-            <p:ph idx="1" type="body"/>
-          </p:nvPr>
-        </p:nvSpPr>
-        <p:spPr>
-          <a:xfrm>
-            <a:off x="2961550" y="2521300"/>
-            <a:ext cx="5502900" cy="2172300"/>
-          </a:xfrm>
-          <a:prstGeom prst="rect">
-            <a:avLst/>
-          </a:prstGeom>
-        </p:spPr>
-        <p:txBody>
-          <a:bodyPr anchorCtr="0" anchor="t" bIns="91425" lIns="91425" rIns="91425" tIns="91425">
-            <a:noAutofit/>
-          </a:bodyPr>
-          <a:lstStyle/>
-          <a:p>
-            <a:pPr lvl="0" rtl="0">
-              <a:spcBef>
-                <a:spcPts val="0"/>
-              </a:spcBef>
-              <a:buNone/>
-            </a:pPr>
-            <a:r>
-              <a:rPr b="1" lang="en" sz="3600"/>
-              <a:t>Any questions?</a:t>
-            </a:r>
+            <a:endParaRPr/>
           </a:p>
         </p:txBody>
       </p:sp>
       <p:grpSp>
         <p:nvGrpSpPr>
-          <p:cNvPr id="198" name="Shape 198"/>
+          <p:cNvPr id="187" name="Shape 187"/>
           <p:cNvGrpSpPr/>
           <p:nvPr/>
         </p:nvGrpSpPr>
         <p:grpSpPr>
           <a:xfrm>
-            <a:off x="575020" y="628245"/>
-            <a:ext cx="313060" cy="319622"/>
-            <a:chOff x="3951850" y="2985350"/>
-            <a:chExt cx="407950" cy="416500"/>
+            <a:off x="3977365" y="1489886"/>
+            <a:ext cx="313080" cy="408391"/>
+            <a:chOff x="590250" y="244200"/>
+            <a:chExt cx="407975" cy="532175"/>
           </a:xfrm>
         </p:grpSpPr>
+        <p:sp>
+          <p:nvSpPr>
+            <p:cNvPr id="188" name="Shape 188"/>
+            <p:cNvSpPr/>
+            <p:nvPr/>
+          </p:nvSpPr>
+          <p:spPr>
+            <a:xfrm>
+              <a:off x="623125" y="313625"/>
+              <a:ext cx="375100" cy="462750"/>
+            </a:xfrm>
+            <a:custGeom>
+              <a:pathLst>
+                <a:path extrusionOk="0" fill="none" h="18510" w="15004">
+                  <a:moveTo>
+                    <a:pt x="1" y="17536"/>
+                  </a:moveTo>
+                  <a:lnTo>
+                    <a:pt x="1" y="17536"/>
+                  </a:lnTo>
+                  <a:lnTo>
+                    <a:pt x="1" y="17536"/>
+                  </a:lnTo>
+                  <a:lnTo>
+                    <a:pt x="25" y="17682"/>
+                  </a:lnTo>
+                  <a:lnTo>
+                    <a:pt x="49" y="17852"/>
+                  </a:lnTo>
+                  <a:lnTo>
+                    <a:pt x="123" y="18023"/>
+                  </a:lnTo>
+                  <a:lnTo>
+                    <a:pt x="220" y="18193"/>
+                  </a:lnTo>
+                  <a:lnTo>
+                    <a:pt x="293" y="18291"/>
+                  </a:lnTo>
+                  <a:lnTo>
+                    <a:pt x="390" y="18364"/>
+                  </a:lnTo>
+                  <a:lnTo>
+                    <a:pt x="488" y="18412"/>
+                  </a:lnTo>
+                  <a:lnTo>
+                    <a:pt x="610" y="18461"/>
+                  </a:lnTo>
+                  <a:lnTo>
+                    <a:pt x="756" y="18510"/>
+                  </a:lnTo>
+                  <a:lnTo>
+                    <a:pt x="926" y="18510"/>
+                  </a:lnTo>
+                  <a:lnTo>
+                    <a:pt x="14468" y="18510"/>
+                  </a:lnTo>
+                  <a:lnTo>
+                    <a:pt x="14468" y="18510"/>
+                  </a:lnTo>
+                  <a:lnTo>
+                    <a:pt x="14541" y="18510"/>
+                  </a:lnTo>
+                  <a:lnTo>
+                    <a:pt x="14614" y="18485"/>
+                  </a:lnTo>
+                  <a:lnTo>
+                    <a:pt x="14736" y="18412"/>
+                  </a:lnTo>
+                  <a:lnTo>
+                    <a:pt x="14833" y="18291"/>
+                  </a:lnTo>
+                  <a:lnTo>
+                    <a:pt x="14906" y="18144"/>
+                  </a:lnTo>
+                  <a:lnTo>
+                    <a:pt x="14955" y="17974"/>
+                  </a:lnTo>
+                  <a:lnTo>
+                    <a:pt x="14979" y="17779"/>
+                  </a:lnTo>
+                  <a:lnTo>
+                    <a:pt x="15003" y="17438"/>
+                  </a:lnTo>
+                  <a:lnTo>
+                    <a:pt x="15003" y="487"/>
+                  </a:lnTo>
+                  <a:lnTo>
+                    <a:pt x="15003" y="487"/>
+                  </a:lnTo>
+                  <a:lnTo>
+                    <a:pt x="15003" y="341"/>
+                  </a:lnTo>
+                  <a:lnTo>
+                    <a:pt x="14979" y="219"/>
+                  </a:lnTo>
+                  <a:lnTo>
+                    <a:pt x="14955" y="146"/>
+                  </a:lnTo>
+                  <a:lnTo>
+                    <a:pt x="14906" y="73"/>
+                  </a:lnTo>
+                  <a:lnTo>
+                    <a:pt x="14833" y="49"/>
+                  </a:lnTo>
+                  <a:lnTo>
+                    <a:pt x="14736" y="24"/>
+                  </a:lnTo>
+                  <a:lnTo>
+                    <a:pt x="14468" y="0"/>
+                  </a:lnTo>
+                </a:path>
+              </a:pathLst>
+            </a:custGeom>
+            <a:noFill/>
+            <a:ln cap="rnd" cmpd="sng" w="12175">
+              <a:solidFill>
+                <a:srgbClr val="FFFFFF"/>
+              </a:solidFill>
+              <a:prstDash val="solid"/>
+              <a:round/>
+              <a:headEnd len="med" w="med" type="none"/>
+              <a:tailEnd len="med" w="med" type="none"/>
+            </a:ln>
+          </p:spPr>
+          <p:txBody>
+            <a:bodyPr anchorCtr="0" anchor="ctr" bIns="91425" lIns="91425" rIns="91425" tIns="91425">
+              <a:noAutofit/>
+            </a:bodyPr>
+            <a:lstStyle/>
+            <a:p>
+              <a:pPr lvl="0">
+                <a:spcBef>
+                  <a:spcPts val="0"/>
+                </a:spcBef>
+                <a:buNone/>
+              </a:pPr>
+              <a:r>
+                <a:t/>
+              </a:r>
+              <a:endParaRPr/>
+            </a:p>
+          </p:txBody>
+        </p:sp>
+        <p:sp>
+          <p:nvSpPr>
+            <p:cNvPr id="189" name="Shape 189"/>
+            <p:cNvSpPr/>
+            <p:nvPr/>
+          </p:nvSpPr>
+          <p:spPr>
+            <a:xfrm>
+              <a:off x="590250" y="269775"/>
+              <a:ext cx="377525" cy="462775"/>
+            </a:xfrm>
+            <a:custGeom>
+              <a:pathLst>
+                <a:path extrusionOk="0" fill="none" h="18511" w="15101">
+                  <a:moveTo>
+                    <a:pt x="14321" y="0"/>
+                  </a:moveTo>
+                  <a:lnTo>
+                    <a:pt x="780" y="0"/>
+                  </a:lnTo>
+                  <a:lnTo>
+                    <a:pt x="780" y="0"/>
+                  </a:lnTo>
+                  <a:lnTo>
+                    <a:pt x="634" y="25"/>
+                  </a:lnTo>
+                  <a:lnTo>
+                    <a:pt x="488" y="74"/>
+                  </a:lnTo>
+                  <a:lnTo>
+                    <a:pt x="342" y="122"/>
+                  </a:lnTo>
+                  <a:lnTo>
+                    <a:pt x="220" y="220"/>
+                  </a:lnTo>
+                  <a:lnTo>
+                    <a:pt x="122" y="341"/>
+                  </a:lnTo>
+                  <a:lnTo>
+                    <a:pt x="74" y="488"/>
+                  </a:lnTo>
+                  <a:lnTo>
+                    <a:pt x="25" y="634"/>
+                  </a:lnTo>
+                  <a:lnTo>
+                    <a:pt x="1" y="780"/>
+                  </a:lnTo>
+                  <a:lnTo>
+                    <a:pt x="1" y="17731"/>
+                  </a:lnTo>
+                  <a:lnTo>
+                    <a:pt x="1" y="17731"/>
+                  </a:lnTo>
+                  <a:lnTo>
+                    <a:pt x="25" y="17877"/>
+                  </a:lnTo>
+                  <a:lnTo>
+                    <a:pt x="74" y="18023"/>
+                  </a:lnTo>
+                  <a:lnTo>
+                    <a:pt x="122" y="18169"/>
+                  </a:lnTo>
+                  <a:lnTo>
+                    <a:pt x="220" y="18291"/>
+                  </a:lnTo>
+                  <a:lnTo>
+                    <a:pt x="342" y="18388"/>
+                  </a:lnTo>
+                  <a:lnTo>
+                    <a:pt x="488" y="18437"/>
+                  </a:lnTo>
+                  <a:lnTo>
+                    <a:pt x="634" y="18486"/>
+                  </a:lnTo>
+                  <a:lnTo>
+                    <a:pt x="780" y="18510"/>
+                  </a:lnTo>
+                  <a:lnTo>
+                    <a:pt x="14321" y="18510"/>
+                  </a:lnTo>
+                  <a:lnTo>
+                    <a:pt x="14321" y="18510"/>
+                  </a:lnTo>
+                  <a:lnTo>
+                    <a:pt x="14467" y="18486"/>
+                  </a:lnTo>
+                  <a:lnTo>
+                    <a:pt x="14614" y="18437"/>
+                  </a:lnTo>
+                  <a:lnTo>
+                    <a:pt x="14760" y="18388"/>
+                  </a:lnTo>
+                  <a:lnTo>
+                    <a:pt x="14881" y="18291"/>
+                  </a:lnTo>
+                  <a:lnTo>
+                    <a:pt x="14979" y="18169"/>
+                  </a:lnTo>
+                  <a:lnTo>
+                    <a:pt x="15028" y="18023"/>
+                  </a:lnTo>
+                  <a:lnTo>
+                    <a:pt x="15076" y="17877"/>
+                  </a:lnTo>
+                  <a:lnTo>
+                    <a:pt x="15101" y="17731"/>
+                  </a:lnTo>
+                  <a:lnTo>
+                    <a:pt x="15101" y="780"/>
+                  </a:lnTo>
+                  <a:lnTo>
+                    <a:pt x="15101" y="780"/>
+                  </a:lnTo>
+                  <a:lnTo>
+                    <a:pt x="15076" y="634"/>
+                  </a:lnTo>
+                  <a:lnTo>
+                    <a:pt x="15028" y="488"/>
+                  </a:lnTo>
+                  <a:lnTo>
+                    <a:pt x="14979" y="341"/>
+                  </a:lnTo>
+                  <a:lnTo>
+                    <a:pt x="14881" y="220"/>
+                  </a:lnTo>
+                  <a:lnTo>
+                    <a:pt x="14760" y="122"/>
+                  </a:lnTo>
+                  <a:lnTo>
+                    <a:pt x="14614" y="74"/>
+                  </a:lnTo>
+                  <a:lnTo>
+                    <a:pt x="14467" y="25"/>
+                  </a:lnTo>
+                  <a:lnTo>
+                    <a:pt x="14321" y="0"/>
+                  </a:lnTo>
+                  <a:lnTo>
+                    <a:pt x="14321" y="0"/>
+                  </a:lnTo>
+                </a:path>
+              </a:pathLst>
+            </a:custGeom>
+            <a:noFill/>
+            <a:ln cap="rnd" cmpd="sng" w="12175">
+              <a:solidFill>
+                <a:srgbClr val="FFFFFF"/>
+              </a:solidFill>
+              <a:prstDash val="solid"/>
+              <a:round/>
+              <a:headEnd len="med" w="med" type="none"/>
+              <a:tailEnd len="med" w="med" type="none"/>
+            </a:ln>
+          </p:spPr>
+          <p:txBody>
+            <a:bodyPr anchorCtr="0" anchor="ctr" bIns="91425" lIns="91425" rIns="91425" tIns="91425">
+              <a:noAutofit/>
+            </a:bodyPr>
+            <a:lstStyle/>
+            <a:p>
+              <a:pPr lvl="0">
+                <a:spcBef>
+                  <a:spcPts val="0"/>
+                </a:spcBef>
+                <a:buNone/>
+              </a:pPr>
+              <a:r>
+                <a:t/>
+              </a:r>
+              <a:endParaRPr/>
+            </a:p>
+          </p:txBody>
+        </p:sp>
+        <p:sp>
+          <p:nvSpPr>
+            <p:cNvPr id="190" name="Shape 190"/>
+            <p:cNvSpPr/>
+            <p:nvPr/>
+          </p:nvSpPr>
+          <p:spPr>
+            <a:xfrm>
+              <a:off x="796650" y="274025"/>
+              <a:ext cx="45100" cy="45100"/>
+            </a:xfrm>
+            <a:custGeom>
+              <a:pathLst>
+                <a:path extrusionOk="0" fill="none" h="1804" w="1804">
+                  <a:moveTo>
+                    <a:pt x="902" y="1"/>
+                  </a:moveTo>
+                  <a:lnTo>
+                    <a:pt x="902" y="1"/>
+                  </a:lnTo>
+                  <a:lnTo>
+                    <a:pt x="1073" y="25"/>
+                  </a:lnTo>
+                  <a:lnTo>
+                    <a:pt x="1243" y="74"/>
+                  </a:lnTo>
+                  <a:lnTo>
+                    <a:pt x="1414" y="147"/>
+                  </a:lnTo>
+                  <a:lnTo>
+                    <a:pt x="1535" y="269"/>
+                  </a:lnTo>
+                  <a:lnTo>
+                    <a:pt x="1657" y="391"/>
+                  </a:lnTo>
+                  <a:lnTo>
+                    <a:pt x="1730" y="561"/>
+                  </a:lnTo>
+                  <a:lnTo>
+                    <a:pt x="1779" y="732"/>
+                  </a:lnTo>
+                  <a:lnTo>
+                    <a:pt x="1803" y="902"/>
+                  </a:lnTo>
+                  <a:lnTo>
+                    <a:pt x="1803" y="902"/>
+                  </a:lnTo>
+                  <a:lnTo>
+                    <a:pt x="1779" y="1073"/>
+                  </a:lnTo>
+                  <a:lnTo>
+                    <a:pt x="1730" y="1243"/>
+                  </a:lnTo>
+                  <a:lnTo>
+                    <a:pt x="1657" y="1414"/>
+                  </a:lnTo>
+                  <a:lnTo>
+                    <a:pt x="1535" y="1535"/>
+                  </a:lnTo>
+                  <a:lnTo>
+                    <a:pt x="1414" y="1657"/>
+                  </a:lnTo>
+                  <a:lnTo>
+                    <a:pt x="1243" y="1730"/>
+                  </a:lnTo>
+                  <a:lnTo>
+                    <a:pt x="1073" y="1779"/>
+                  </a:lnTo>
+                  <a:lnTo>
+                    <a:pt x="902" y="1803"/>
+                  </a:lnTo>
+                  <a:lnTo>
+                    <a:pt x="902" y="1803"/>
+                  </a:lnTo>
+                  <a:lnTo>
+                    <a:pt x="732" y="1779"/>
+                  </a:lnTo>
+                  <a:lnTo>
+                    <a:pt x="561" y="1730"/>
+                  </a:lnTo>
+                  <a:lnTo>
+                    <a:pt x="391" y="1657"/>
+                  </a:lnTo>
+                  <a:lnTo>
+                    <a:pt x="269" y="1535"/>
+                  </a:lnTo>
+                  <a:lnTo>
+                    <a:pt x="147" y="1414"/>
+                  </a:lnTo>
+                  <a:lnTo>
+                    <a:pt x="74" y="1243"/>
+                  </a:lnTo>
+                  <a:lnTo>
+                    <a:pt x="25" y="1073"/>
+                  </a:lnTo>
+                  <a:lnTo>
+                    <a:pt x="1" y="902"/>
+                  </a:lnTo>
+                  <a:lnTo>
+                    <a:pt x="1" y="902"/>
+                  </a:lnTo>
+                  <a:lnTo>
+                    <a:pt x="25" y="732"/>
+                  </a:lnTo>
+                  <a:lnTo>
+                    <a:pt x="74" y="561"/>
+                  </a:lnTo>
+                  <a:lnTo>
+                    <a:pt x="147" y="391"/>
+                  </a:lnTo>
+                  <a:lnTo>
+                    <a:pt x="269" y="269"/>
+                  </a:lnTo>
+                  <a:lnTo>
+                    <a:pt x="391" y="147"/>
+                  </a:lnTo>
+                  <a:lnTo>
+                    <a:pt x="561" y="74"/>
+                  </a:lnTo>
+                  <a:lnTo>
+                    <a:pt x="732" y="25"/>
+                  </a:lnTo>
+                  <a:lnTo>
+                    <a:pt x="902" y="1"/>
+                  </a:lnTo>
+                  <a:lnTo>
+                    <a:pt x="902" y="1"/>
+                  </a:lnTo>
+                </a:path>
+              </a:pathLst>
+            </a:custGeom>
+            <a:noFill/>
+            <a:ln cap="rnd" cmpd="sng" w="12175">
+              <a:solidFill>
+                <a:srgbClr val="FFFFFF"/>
+              </a:solidFill>
+              <a:prstDash val="solid"/>
+              <a:round/>
+              <a:headEnd len="med" w="med" type="none"/>
+              <a:tailEnd len="med" w="med" type="none"/>
+            </a:ln>
+          </p:spPr>
+          <p:txBody>
+            <a:bodyPr anchorCtr="0" anchor="ctr" bIns="91425" lIns="91425" rIns="91425" tIns="91425">
+              <a:noAutofit/>
+            </a:bodyPr>
+            <a:lstStyle/>
+            <a:p>
+              <a:pPr lvl="0">
+                <a:spcBef>
+                  <a:spcPts val="0"/>
+                </a:spcBef>
+                <a:buNone/>
+              </a:pPr>
+              <a:r>
+                <a:t/>
+              </a:r>
+              <a:endParaRPr/>
+            </a:p>
+          </p:txBody>
+        </p:sp>
+        <p:sp>
+          <p:nvSpPr>
+            <p:cNvPr id="191" name="Shape 191"/>
+            <p:cNvSpPr/>
+            <p:nvPr/>
+          </p:nvSpPr>
+          <p:spPr>
+            <a:xfrm>
+              <a:off x="713850" y="274025"/>
+              <a:ext cx="45075" cy="45100"/>
+            </a:xfrm>
+            <a:custGeom>
+              <a:pathLst>
+                <a:path extrusionOk="0" fill="none" h="1804" w="1803">
+                  <a:moveTo>
+                    <a:pt x="902" y="1"/>
+                  </a:moveTo>
+                  <a:lnTo>
+                    <a:pt x="902" y="1"/>
+                  </a:lnTo>
+                  <a:lnTo>
+                    <a:pt x="1072" y="25"/>
+                  </a:lnTo>
+                  <a:lnTo>
+                    <a:pt x="1243" y="74"/>
+                  </a:lnTo>
+                  <a:lnTo>
+                    <a:pt x="1413" y="147"/>
+                  </a:lnTo>
+                  <a:lnTo>
+                    <a:pt x="1535" y="269"/>
+                  </a:lnTo>
+                  <a:lnTo>
+                    <a:pt x="1657" y="391"/>
+                  </a:lnTo>
+                  <a:lnTo>
+                    <a:pt x="1730" y="561"/>
+                  </a:lnTo>
+                  <a:lnTo>
+                    <a:pt x="1779" y="732"/>
+                  </a:lnTo>
+                  <a:lnTo>
+                    <a:pt x="1803" y="902"/>
+                  </a:lnTo>
+                  <a:lnTo>
+                    <a:pt x="1803" y="902"/>
+                  </a:lnTo>
+                  <a:lnTo>
+                    <a:pt x="1779" y="1073"/>
+                  </a:lnTo>
+                  <a:lnTo>
+                    <a:pt x="1730" y="1243"/>
+                  </a:lnTo>
+                  <a:lnTo>
+                    <a:pt x="1657" y="1414"/>
+                  </a:lnTo>
+                  <a:lnTo>
+                    <a:pt x="1535" y="1535"/>
+                  </a:lnTo>
+                  <a:lnTo>
+                    <a:pt x="1413" y="1657"/>
+                  </a:lnTo>
+                  <a:lnTo>
+                    <a:pt x="1243" y="1730"/>
+                  </a:lnTo>
+                  <a:lnTo>
+                    <a:pt x="1072" y="1779"/>
+                  </a:lnTo>
+                  <a:lnTo>
+                    <a:pt x="902" y="1803"/>
+                  </a:lnTo>
+                  <a:lnTo>
+                    <a:pt x="902" y="1803"/>
+                  </a:lnTo>
+                  <a:lnTo>
+                    <a:pt x="731" y="1779"/>
+                  </a:lnTo>
+                  <a:lnTo>
+                    <a:pt x="561" y="1730"/>
+                  </a:lnTo>
+                  <a:lnTo>
+                    <a:pt x="390" y="1657"/>
+                  </a:lnTo>
+                  <a:lnTo>
+                    <a:pt x="269" y="1535"/>
+                  </a:lnTo>
+                  <a:lnTo>
+                    <a:pt x="147" y="1414"/>
+                  </a:lnTo>
+                  <a:lnTo>
+                    <a:pt x="74" y="1243"/>
+                  </a:lnTo>
+                  <a:lnTo>
+                    <a:pt x="25" y="1073"/>
+                  </a:lnTo>
+                  <a:lnTo>
+                    <a:pt x="1" y="902"/>
+                  </a:lnTo>
+                  <a:lnTo>
+                    <a:pt x="1" y="902"/>
+                  </a:lnTo>
+                  <a:lnTo>
+                    <a:pt x="25" y="732"/>
+                  </a:lnTo>
+                  <a:lnTo>
+                    <a:pt x="74" y="561"/>
+                  </a:lnTo>
+                  <a:lnTo>
+                    <a:pt x="147" y="391"/>
+                  </a:lnTo>
+                  <a:lnTo>
+                    <a:pt x="269" y="269"/>
+                  </a:lnTo>
+                  <a:lnTo>
+                    <a:pt x="390" y="147"/>
+                  </a:lnTo>
+                  <a:lnTo>
+                    <a:pt x="561" y="74"/>
+                  </a:lnTo>
+                  <a:lnTo>
+                    <a:pt x="731" y="25"/>
+                  </a:lnTo>
+                  <a:lnTo>
+                    <a:pt x="902" y="1"/>
+                  </a:lnTo>
+                  <a:lnTo>
+                    <a:pt x="902" y="1"/>
+                  </a:lnTo>
+                </a:path>
+              </a:pathLst>
+            </a:custGeom>
+            <a:noFill/>
+            <a:ln cap="rnd" cmpd="sng" w="12175">
+              <a:solidFill>
+                <a:srgbClr val="FFFFFF"/>
+              </a:solidFill>
+              <a:prstDash val="solid"/>
+              <a:round/>
+              <a:headEnd len="med" w="med" type="none"/>
+              <a:tailEnd len="med" w="med" type="none"/>
+            </a:ln>
+          </p:spPr>
+          <p:txBody>
+            <a:bodyPr anchorCtr="0" anchor="ctr" bIns="91425" lIns="91425" rIns="91425" tIns="91425">
+              <a:noAutofit/>
+            </a:bodyPr>
+            <a:lstStyle/>
+            <a:p>
+              <a:pPr lvl="0">
+                <a:spcBef>
+                  <a:spcPts val="0"/>
+                </a:spcBef>
+                <a:buNone/>
+              </a:pPr>
+              <a:r>
+                <a:t/>
+              </a:r>
+              <a:endParaRPr/>
+            </a:p>
+          </p:txBody>
+        </p:sp>
+        <p:sp>
+          <p:nvSpPr>
+            <p:cNvPr id="192" name="Shape 192"/>
+            <p:cNvSpPr/>
+            <p:nvPr/>
+          </p:nvSpPr>
+          <p:spPr>
+            <a:xfrm>
+              <a:off x="631050" y="274025"/>
+              <a:ext cx="45075" cy="45100"/>
+            </a:xfrm>
+            <a:custGeom>
+              <a:pathLst>
+                <a:path extrusionOk="0" fill="none" h="1804" w="1803">
+                  <a:moveTo>
+                    <a:pt x="0" y="902"/>
+                  </a:moveTo>
+                  <a:lnTo>
+                    <a:pt x="0" y="902"/>
+                  </a:lnTo>
+                  <a:lnTo>
+                    <a:pt x="25" y="732"/>
+                  </a:lnTo>
+                  <a:lnTo>
+                    <a:pt x="73" y="561"/>
+                  </a:lnTo>
+                  <a:lnTo>
+                    <a:pt x="147" y="391"/>
+                  </a:lnTo>
+                  <a:lnTo>
+                    <a:pt x="268" y="269"/>
+                  </a:lnTo>
+                  <a:lnTo>
+                    <a:pt x="390" y="147"/>
+                  </a:lnTo>
+                  <a:lnTo>
+                    <a:pt x="561" y="74"/>
+                  </a:lnTo>
+                  <a:lnTo>
+                    <a:pt x="731" y="25"/>
+                  </a:lnTo>
+                  <a:lnTo>
+                    <a:pt x="902" y="1"/>
+                  </a:lnTo>
+                  <a:lnTo>
+                    <a:pt x="902" y="1"/>
+                  </a:lnTo>
+                  <a:lnTo>
+                    <a:pt x="1072" y="25"/>
+                  </a:lnTo>
+                  <a:lnTo>
+                    <a:pt x="1243" y="74"/>
+                  </a:lnTo>
+                  <a:lnTo>
+                    <a:pt x="1413" y="147"/>
+                  </a:lnTo>
+                  <a:lnTo>
+                    <a:pt x="1535" y="269"/>
+                  </a:lnTo>
+                  <a:lnTo>
+                    <a:pt x="1657" y="391"/>
+                  </a:lnTo>
+                  <a:lnTo>
+                    <a:pt x="1730" y="561"/>
+                  </a:lnTo>
+                  <a:lnTo>
+                    <a:pt x="1778" y="732"/>
+                  </a:lnTo>
+                  <a:lnTo>
+                    <a:pt x="1803" y="902"/>
+                  </a:lnTo>
+                  <a:lnTo>
+                    <a:pt x="1803" y="902"/>
+                  </a:lnTo>
+                  <a:lnTo>
+                    <a:pt x="1778" y="1073"/>
+                  </a:lnTo>
+                  <a:lnTo>
+                    <a:pt x="1730" y="1243"/>
+                  </a:lnTo>
+                  <a:lnTo>
+                    <a:pt x="1657" y="1414"/>
+                  </a:lnTo>
+                  <a:lnTo>
+                    <a:pt x="1535" y="1535"/>
+                  </a:lnTo>
+                  <a:lnTo>
+                    <a:pt x="1413" y="1657"/>
+                  </a:lnTo>
+                  <a:lnTo>
+                    <a:pt x="1243" y="1730"/>
+                  </a:lnTo>
+                  <a:lnTo>
+                    <a:pt x="1072" y="1779"/>
+                  </a:lnTo>
+                  <a:lnTo>
+                    <a:pt x="902" y="1803"/>
+                  </a:lnTo>
+                  <a:lnTo>
+                    <a:pt x="902" y="1803"/>
+                  </a:lnTo>
+                  <a:lnTo>
+                    <a:pt x="731" y="1779"/>
+                  </a:lnTo>
+                  <a:lnTo>
+                    <a:pt x="561" y="1730"/>
+                  </a:lnTo>
+                  <a:lnTo>
+                    <a:pt x="390" y="1657"/>
+                  </a:lnTo>
+                  <a:lnTo>
+                    <a:pt x="268" y="1535"/>
+                  </a:lnTo>
+                  <a:lnTo>
+                    <a:pt x="147" y="1414"/>
+                  </a:lnTo>
+                  <a:lnTo>
+                    <a:pt x="73" y="1243"/>
+                  </a:lnTo>
+                  <a:lnTo>
+                    <a:pt x="25" y="1073"/>
+                  </a:lnTo>
+                  <a:lnTo>
+                    <a:pt x="0" y="902"/>
+                  </a:lnTo>
+                  <a:lnTo>
+                    <a:pt x="0" y="902"/>
+                  </a:lnTo>
+                </a:path>
+              </a:pathLst>
+            </a:custGeom>
+            <a:noFill/>
+            <a:ln cap="rnd" cmpd="sng" w="12175">
+              <a:solidFill>
+                <a:srgbClr val="FFFFFF"/>
+              </a:solidFill>
+              <a:prstDash val="solid"/>
+              <a:round/>
+              <a:headEnd len="med" w="med" type="none"/>
+              <a:tailEnd len="med" w="med" type="none"/>
+            </a:ln>
+          </p:spPr>
+          <p:txBody>
+            <a:bodyPr anchorCtr="0" anchor="ctr" bIns="91425" lIns="91425" rIns="91425" tIns="91425">
+              <a:noAutofit/>
+            </a:bodyPr>
+            <a:lstStyle/>
+            <a:p>
+              <a:pPr lvl="0">
+                <a:spcBef>
+                  <a:spcPts val="0"/>
+                </a:spcBef>
+                <a:buNone/>
+              </a:pPr>
+              <a:r>
+                <a:t/>
+              </a:r>
+              <a:endParaRPr/>
+            </a:p>
+          </p:txBody>
+        </p:sp>
+        <p:sp>
+          <p:nvSpPr>
+            <p:cNvPr id="193" name="Shape 193"/>
+            <p:cNvSpPr/>
+            <p:nvPr/>
+          </p:nvSpPr>
+          <p:spPr>
+            <a:xfrm>
+              <a:off x="649925" y="590050"/>
+              <a:ext cx="133975" cy="25"/>
+            </a:xfrm>
+            <a:custGeom>
+              <a:pathLst>
+                <a:path extrusionOk="0" fill="none" h="1" w="5359">
+                  <a:moveTo>
+                    <a:pt x="5358" y="0"/>
+                  </a:moveTo>
+                  <a:lnTo>
+                    <a:pt x="0" y="0"/>
+                  </a:lnTo>
+                </a:path>
+              </a:pathLst>
+            </a:custGeom>
+            <a:noFill/>
+            <a:ln cap="rnd" cmpd="sng" w="12175">
+              <a:solidFill>
+                <a:srgbClr val="FFFFFF"/>
+              </a:solidFill>
+              <a:prstDash val="solid"/>
+              <a:round/>
+              <a:headEnd len="med" w="med" type="none"/>
+              <a:tailEnd len="med" w="med" type="none"/>
+            </a:ln>
+          </p:spPr>
+          <p:txBody>
+            <a:bodyPr anchorCtr="0" anchor="ctr" bIns="91425" lIns="91425" rIns="91425" tIns="91425">
+              <a:noAutofit/>
+            </a:bodyPr>
+            <a:lstStyle/>
+            <a:p>
+              <a:pPr lvl="0">
+                <a:spcBef>
+                  <a:spcPts val="0"/>
+                </a:spcBef>
+                <a:buNone/>
+              </a:pPr>
+              <a:r>
+                <a:t/>
+              </a:r>
+              <a:endParaRPr/>
+            </a:p>
+          </p:txBody>
+        </p:sp>
+        <p:sp>
+          <p:nvSpPr>
+            <p:cNvPr id="194" name="Shape 194"/>
+            <p:cNvSpPr/>
+            <p:nvPr/>
+          </p:nvSpPr>
+          <p:spPr>
+            <a:xfrm>
+              <a:off x="649925" y="534625"/>
+              <a:ext cx="255750" cy="25"/>
+            </a:xfrm>
+            <a:custGeom>
+              <a:pathLst>
+                <a:path extrusionOk="0" fill="none" h="1" w="10230">
+                  <a:moveTo>
+                    <a:pt x="10229" y="1"/>
+                  </a:moveTo>
+                  <a:lnTo>
+                    <a:pt x="0" y="1"/>
+                  </a:lnTo>
+                </a:path>
+              </a:pathLst>
+            </a:custGeom>
+            <a:noFill/>
+            <a:ln cap="rnd" cmpd="sng" w="12175">
+              <a:solidFill>
+                <a:srgbClr val="FFFFFF"/>
+              </a:solidFill>
+              <a:prstDash val="solid"/>
+              <a:round/>
+              <a:headEnd len="med" w="med" type="none"/>
+              <a:tailEnd len="med" w="med" type="none"/>
+            </a:ln>
+          </p:spPr>
+          <p:txBody>
+            <a:bodyPr anchorCtr="0" anchor="ctr" bIns="91425" lIns="91425" rIns="91425" tIns="91425">
+              <a:noAutofit/>
+            </a:bodyPr>
+            <a:lstStyle/>
+            <a:p>
+              <a:pPr lvl="0">
+                <a:spcBef>
+                  <a:spcPts val="0"/>
+                </a:spcBef>
+                <a:buNone/>
+              </a:pPr>
+              <a:r>
+                <a:t/>
+              </a:r>
+              <a:endParaRPr/>
+            </a:p>
+          </p:txBody>
+        </p:sp>
+        <p:sp>
+          <p:nvSpPr>
+            <p:cNvPr id="195" name="Shape 195"/>
+            <p:cNvSpPr/>
+            <p:nvPr/>
+          </p:nvSpPr>
+          <p:spPr>
+            <a:xfrm>
+              <a:off x="649925" y="479825"/>
+              <a:ext cx="255750" cy="25"/>
+            </a:xfrm>
+            <a:custGeom>
+              <a:pathLst>
+                <a:path extrusionOk="0" fill="none" h="1" w="10230">
+                  <a:moveTo>
+                    <a:pt x="10229" y="1"/>
+                  </a:moveTo>
+                  <a:lnTo>
+                    <a:pt x="0" y="1"/>
+                  </a:lnTo>
+                </a:path>
+              </a:pathLst>
+            </a:custGeom>
+            <a:noFill/>
+            <a:ln cap="rnd" cmpd="sng" w="12175">
+              <a:solidFill>
+                <a:srgbClr val="FFFFFF"/>
+              </a:solidFill>
+              <a:prstDash val="solid"/>
+              <a:round/>
+              <a:headEnd len="med" w="med" type="none"/>
+              <a:tailEnd len="med" w="med" type="none"/>
+            </a:ln>
+          </p:spPr>
+          <p:txBody>
+            <a:bodyPr anchorCtr="0" anchor="ctr" bIns="91425" lIns="91425" rIns="91425" tIns="91425">
+              <a:noAutofit/>
+            </a:bodyPr>
+            <a:lstStyle/>
+            <a:p>
+              <a:pPr lvl="0">
+                <a:spcBef>
+                  <a:spcPts val="0"/>
+                </a:spcBef>
+                <a:buNone/>
+              </a:pPr>
+              <a:r>
+                <a:t/>
+              </a:r>
+              <a:endParaRPr/>
+            </a:p>
+          </p:txBody>
+        </p:sp>
+        <p:sp>
+          <p:nvSpPr>
+            <p:cNvPr id="196" name="Shape 196"/>
+            <p:cNvSpPr/>
+            <p:nvPr/>
+          </p:nvSpPr>
+          <p:spPr>
+            <a:xfrm>
+              <a:off x="649925" y="424425"/>
+              <a:ext cx="255750" cy="25"/>
+            </a:xfrm>
+            <a:custGeom>
+              <a:pathLst>
+                <a:path extrusionOk="0" fill="none" h="1" w="10230">
+                  <a:moveTo>
+                    <a:pt x="10229" y="1"/>
+                  </a:moveTo>
+                  <a:lnTo>
+                    <a:pt x="0" y="1"/>
+                  </a:lnTo>
+                </a:path>
+              </a:pathLst>
+            </a:custGeom>
+            <a:noFill/>
+            <a:ln cap="rnd" cmpd="sng" w="12175">
+              <a:solidFill>
+                <a:srgbClr val="FFFFFF"/>
+              </a:solidFill>
+              <a:prstDash val="solid"/>
+              <a:round/>
+              <a:headEnd len="med" w="med" type="none"/>
+              <a:tailEnd len="med" w="med" type="none"/>
+            </a:ln>
+          </p:spPr>
+          <p:txBody>
+            <a:bodyPr anchorCtr="0" anchor="ctr" bIns="91425" lIns="91425" rIns="91425" tIns="91425">
+              <a:noAutofit/>
+            </a:bodyPr>
+            <a:lstStyle/>
+            <a:p>
+              <a:pPr lvl="0">
+                <a:spcBef>
+                  <a:spcPts val="0"/>
+                </a:spcBef>
+                <a:buNone/>
+              </a:pPr>
+              <a:r>
+                <a:t/>
+              </a:r>
+              <a:endParaRPr/>
+            </a:p>
+          </p:txBody>
+        </p:sp>
+        <p:sp>
+          <p:nvSpPr>
+            <p:cNvPr id="197" name="Shape 197"/>
+            <p:cNvSpPr/>
+            <p:nvPr/>
+          </p:nvSpPr>
+          <p:spPr>
+            <a:xfrm>
+              <a:off x="879475" y="274025"/>
+              <a:ext cx="45075" cy="45100"/>
+            </a:xfrm>
+            <a:custGeom>
+              <a:pathLst>
+                <a:path extrusionOk="0" fill="none" h="1804" w="1803">
+                  <a:moveTo>
+                    <a:pt x="901" y="1803"/>
+                  </a:moveTo>
+                  <a:lnTo>
+                    <a:pt x="901" y="1803"/>
+                  </a:lnTo>
+                  <a:lnTo>
+                    <a:pt x="731" y="1779"/>
+                  </a:lnTo>
+                  <a:lnTo>
+                    <a:pt x="560" y="1730"/>
+                  </a:lnTo>
+                  <a:lnTo>
+                    <a:pt x="390" y="1657"/>
+                  </a:lnTo>
+                  <a:lnTo>
+                    <a:pt x="268" y="1535"/>
+                  </a:lnTo>
+                  <a:lnTo>
+                    <a:pt x="146" y="1414"/>
+                  </a:lnTo>
+                  <a:lnTo>
+                    <a:pt x="73" y="1243"/>
+                  </a:lnTo>
+                  <a:lnTo>
+                    <a:pt x="25" y="1073"/>
+                  </a:lnTo>
+                  <a:lnTo>
+                    <a:pt x="0" y="902"/>
+                  </a:lnTo>
+                  <a:lnTo>
+                    <a:pt x="0" y="902"/>
+                  </a:lnTo>
+                  <a:lnTo>
+                    <a:pt x="25" y="732"/>
+                  </a:lnTo>
+                  <a:lnTo>
+                    <a:pt x="73" y="561"/>
+                  </a:lnTo>
+                  <a:lnTo>
+                    <a:pt x="146" y="391"/>
+                  </a:lnTo>
+                  <a:lnTo>
+                    <a:pt x="268" y="269"/>
+                  </a:lnTo>
+                  <a:lnTo>
+                    <a:pt x="390" y="147"/>
+                  </a:lnTo>
+                  <a:lnTo>
+                    <a:pt x="560" y="74"/>
+                  </a:lnTo>
+                  <a:lnTo>
+                    <a:pt x="731" y="25"/>
+                  </a:lnTo>
+                  <a:lnTo>
+                    <a:pt x="901" y="1"/>
+                  </a:lnTo>
+                  <a:lnTo>
+                    <a:pt x="901" y="1"/>
+                  </a:lnTo>
+                  <a:lnTo>
+                    <a:pt x="1072" y="25"/>
+                  </a:lnTo>
+                  <a:lnTo>
+                    <a:pt x="1242" y="74"/>
+                  </a:lnTo>
+                  <a:lnTo>
+                    <a:pt x="1413" y="147"/>
+                  </a:lnTo>
+                  <a:lnTo>
+                    <a:pt x="1535" y="269"/>
+                  </a:lnTo>
+                  <a:lnTo>
+                    <a:pt x="1656" y="391"/>
+                  </a:lnTo>
+                  <a:lnTo>
+                    <a:pt x="1729" y="561"/>
+                  </a:lnTo>
+                  <a:lnTo>
+                    <a:pt x="1778" y="732"/>
+                  </a:lnTo>
+                  <a:lnTo>
+                    <a:pt x="1802" y="902"/>
+                  </a:lnTo>
+                  <a:lnTo>
+                    <a:pt x="1802" y="902"/>
+                  </a:lnTo>
+                  <a:lnTo>
+                    <a:pt x="1778" y="1073"/>
+                  </a:lnTo>
+                  <a:lnTo>
+                    <a:pt x="1729" y="1243"/>
+                  </a:lnTo>
+                  <a:lnTo>
+                    <a:pt x="1656" y="1414"/>
+                  </a:lnTo>
+                  <a:lnTo>
+                    <a:pt x="1535" y="1535"/>
+                  </a:lnTo>
+                  <a:lnTo>
+                    <a:pt x="1413" y="1657"/>
+                  </a:lnTo>
+                  <a:lnTo>
+                    <a:pt x="1242" y="1730"/>
+                  </a:lnTo>
+                  <a:lnTo>
+                    <a:pt x="1072" y="1779"/>
+                  </a:lnTo>
+                  <a:lnTo>
+                    <a:pt x="901" y="1803"/>
+                  </a:lnTo>
+                  <a:lnTo>
+                    <a:pt x="901" y="1803"/>
+                  </a:lnTo>
+                </a:path>
+              </a:pathLst>
+            </a:custGeom>
+            <a:noFill/>
+            <a:ln cap="rnd" cmpd="sng" w="12175">
+              <a:solidFill>
+                <a:srgbClr val="FFFFFF"/>
+              </a:solidFill>
+              <a:prstDash val="solid"/>
+              <a:round/>
+              <a:headEnd len="med" w="med" type="none"/>
+              <a:tailEnd len="med" w="med" type="none"/>
+            </a:ln>
+          </p:spPr>
+          <p:txBody>
+            <a:bodyPr anchorCtr="0" anchor="ctr" bIns="91425" lIns="91425" rIns="91425" tIns="91425">
+              <a:noAutofit/>
+            </a:bodyPr>
+            <a:lstStyle/>
+            <a:p>
+              <a:pPr lvl="0">
+                <a:spcBef>
+                  <a:spcPts val="0"/>
+                </a:spcBef>
+                <a:buNone/>
+              </a:pPr>
+              <a:r>
+                <a:t/>
+              </a:r>
+              <a:endParaRPr/>
+            </a:p>
+          </p:txBody>
+        </p:sp>
+        <p:sp>
+          <p:nvSpPr>
+            <p:cNvPr id="198" name="Shape 198"/>
+            <p:cNvSpPr/>
+            <p:nvPr/>
+          </p:nvSpPr>
+          <p:spPr>
+            <a:xfrm>
+              <a:off x="654800" y="244200"/>
+              <a:ext cx="25" cy="51175"/>
+            </a:xfrm>
+            <a:custGeom>
+              <a:pathLst>
+                <a:path extrusionOk="0" fill="none" h="2047" w="1">
+                  <a:moveTo>
+                    <a:pt x="0" y="1"/>
+                  </a:moveTo>
+                  <a:lnTo>
+                    <a:pt x="0" y="2046"/>
+                  </a:lnTo>
+                </a:path>
+              </a:pathLst>
+            </a:custGeom>
+            <a:noFill/>
+            <a:ln cap="rnd" cmpd="sng" w="12175">
+              <a:solidFill>
+                <a:srgbClr val="FFFFFF"/>
+              </a:solidFill>
+              <a:prstDash val="solid"/>
+              <a:round/>
+              <a:headEnd len="med" w="med" type="none"/>
+              <a:tailEnd len="med" w="med" type="none"/>
+            </a:ln>
+          </p:spPr>
+          <p:txBody>
+            <a:bodyPr anchorCtr="0" anchor="ctr" bIns="91425" lIns="91425" rIns="91425" tIns="91425">
+              <a:noAutofit/>
+            </a:bodyPr>
+            <a:lstStyle/>
+            <a:p>
+              <a:pPr lvl="0">
+                <a:spcBef>
+                  <a:spcPts val="0"/>
+                </a:spcBef>
+                <a:buNone/>
+              </a:pPr>
+              <a:r>
+                <a:t/>
+              </a:r>
+              <a:endParaRPr/>
+            </a:p>
+          </p:txBody>
+        </p:sp>
         <p:sp>
           <p:nvSpPr>
             <p:cNvPr id="199" name="Shape 199"/>
@@ -17042,367 +18039,18 @@
           </p:nvSpPr>
           <p:spPr>
             <a:xfrm>
-              <a:off x="3951850" y="2985350"/>
-              <a:ext cx="314800" cy="314825"/>
+              <a:off x="737600" y="244200"/>
+              <a:ext cx="25" cy="51175"/>
             </a:xfrm>
             <a:custGeom>
               <a:pathLst>
-                <a:path extrusionOk="0" fill="none" h="12593" w="12592">
+                <a:path extrusionOk="0" fill="none" h="2047" w="1">
                   <a:moveTo>
-                    <a:pt x="6284" y="1"/>
+                    <a:pt x="1" y="1"/>
                   </a:moveTo>
                   <a:lnTo>
-                    <a:pt x="6284" y="1"/>
-                  </a:lnTo>
-                  <a:lnTo>
-                    <a:pt x="5967" y="25"/>
-                  </a:lnTo>
-                  <a:lnTo>
-                    <a:pt x="5651" y="49"/>
-                  </a:lnTo>
-                  <a:lnTo>
-                    <a:pt x="5334" y="74"/>
-                  </a:lnTo>
-                  <a:lnTo>
-                    <a:pt x="5017" y="147"/>
-                  </a:lnTo>
-                  <a:lnTo>
-                    <a:pt x="4725" y="220"/>
-                  </a:lnTo>
-                  <a:lnTo>
-                    <a:pt x="4433" y="293"/>
-                  </a:lnTo>
-                  <a:lnTo>
-                    <a:pt x="4141" y="390"/>
-                  </a:lnTo>
-                  <a:lnTo>
-                    <a:pt x="3848" y="512"/>
-                  </a:lnTo>
-                  <a:lnTo>
-                    <a:pt x="3556" y="634"/>
-                  </a:lnTo>
-                  <a:lnTo>
-                    <a:pt x="3288" y="780"/>
-                  </a:lnTo>
-                  <a:lnTo>
-                    <a:pt x="3020" y="926"/>
-                  </a:lnTo>
-                  <a:lnTo>
-                    <a:pt x="2777" y="1072"/>
-                  </a:lnTo>
-                  <a:lnTo>
-                    <a:pt x="2290" y="1437"/>
-                  </a:lnTo>
-                  <a:lnTo>
-                    <a:pt x="1851" y="1852"/>
-                  </a:lnTo>
-                  <a:lnTo>
-                    <a:pt x="1437" y="2290"/>
-                  </a:lnTo>
-                  <a:lnTo>
-                    <a:pt x="1072" y="2777"/>
-                  </a:lnTo>
-                  <a:lnTo>
-                    <a:pt x="901" y="3045"/>
-                  </a:lnTo>
-                  <a:lnTo>
-                    <a:pt x="755" y="3313"/>
-                  </a:lnTo>
-                  <a:lnTo>
-                    <a:pt x="609" y="3581"/>
-                  </a:lnTo>
-                  <a:lnTo>
-                    <a:pt x="487" y="3849"/>
-                  </a:lnTo>
-                  <a:lnTo>
-                    <a:pt x="390" y="4141"/>
-                  </a:lnTo>
-                  <a:lnTo>
-                    <a:pt x="292" y="4433"/>
-                  </a:lnTo>
-                  <a:lnTo>
-                    <a:pt x="195" y="4725"/>
-                  </a:lnTo>
-                  <a:lnTo>
-                    <a:pt x="122" y="5042"/>
-                  </a:lnTo>
-                  <a:lnTo>
-                    <a:pt x="73" y="5334"/>
-                  </a:lnTo>
-                  <a:lnTo>
-                    <a:pt x="25" y="5651"/>
-                  </a:lnTo>
-                  <a:lnTo>
-                    <a:pt x="0" y="5968"/>
-                  </a:lnTo>
-                  <a:lnTo>
-                    <a:pt x="0" y="6308"/>
-                  </a:lnTo>
-                  <a:lnTo>
-                    <a:pt x="0" y="6308"/>
-                  </a:lnTo>
-                  <a:lnTo>
-                    <a:pt x="0" y="6625"/>
-                  </a:lnTo>
-                  <a:lnTo>
-                    <a:pt x="25" y="6942"/>
-                  </a:lnTo>
-                  <a:lnTo>
-                    <a:pt x="73" y="7258"/>
-                  </a:lnTo>
-                  <a:lnTo>
-                    <a:pt x="122" y="7575"/>
-                  </a:lnTo>
-                  <a:lnTo>
-                    <a:pt x="195" y="7867"/>
-                  </a:lnTo>
-                  <a:lnTo>
-                    <a:pt x="292" y="8184"/>
-                  </a:lnTo>
-                  <a:lnTo>
-                    <a:pt x="390" y="8476"/>
-                  </a:lnTo>
-                  <a:lnTo>
-                    <a:pt x="487" y="8744"/>
-                  </a:lnTo>
-                  <a:lnTo>
-                    <a:pt x="609" y="9036"/>
-                  </a:lnTo>
-                  <a:lnTo>
-                    <a:pt x="755" y="9304"/>
-                  </a:lnTo>
-                  <a:lnTo>
-                    <a:pt x="901" y="9572"/>
-                  </a:lnTo>
-                  <a:lnTo>
-                    <a:pt x="1072" y="9816"/>
-                  </a:lnTo>
-                  <a:lnTo>
-                    <a:pt x="1437" y="10303"/>
-                  </a:lnTo>
-                  <a:lnTo>
-                    <a:pt x="1851" y="10741"/>
-                  </a:lnTo>
-                  <a:lnTo>
-                    <a:pt x="2290" y="11155"/>
-                  </a:lnTo>
-                  <a:lnTo>
-                    <a:pt x="2777" y="11520"/>
-                  </a:lnTo>
-                  <a:lnTo>
-                    <a:pt x="3020" y="11691"/>
-                  </a:lnTo>
-                  <a:lnTo>
-                    <a:pt x="3288" y="11837"/>
-                  </a:lnTo>
-                  <a:lnTo>
-                    <a:pt x="3556" y="11983"/>
-                  </a:lnTo>
-                  <a:lnTo>
-                    <a:pt x="3848" y="12105"/>
-                  </a:lnTo>
-                  <a:lnTo>
-                    <a:pt x="4141" y="12202"/>
-                  </a:lnTo>
-                  <a:lnTo>
-                    <a:pt x="4433" y="12300"/>
-                  </a:lnTo>
-                  <a:lnTo>
-                    <a:pt x="4725" y="12397"/>
-                  </a:lnTo>
-                  <a:lnTo>
-                    <a:pt x="5017" y="12470"/>
-                  </a:lnTo>
-                  <a:lnTo>
-                    <a:pt x="5334" y="12519"/>
-                  </a:lnTo>
-                  <a:lnTo>
-                    <a:pt x="5651" y="12568"/>
-                  </a:lnTo>
-                  <a:lnTo>
-                    <a:pt x="5967" y="12592"/>
-                  </a:lnTo>
-                  <a:lnTo>
-                    <a:pt x="6284" y="12592"/>
-                  </a:lnTo>
-                  <a:lnTo>
-                    <a:pt x="6284" y="12592"/>
-                  </a:lnTo>
-                  <a:lnTo>
-                    <a:pt x="6625" y="12592"/>
-                  </a:lnTo>
-                  <a:lnTo>
-                    <a:pt x="6941" y="12568"/>
-                  </a:lnTo>
-                  <a:lnTo>
-                    <a:pt x="7258" y="12519"/>
-                  </a:lnTo>
-                  <a:lnTo>
-                    <a:pt x="7550" y="12470"/>
-                  </a:lnTo>
-                  <a:lnTo>
-                    <a:pt x="7867" y="12397"/>
-                  </a:lnTo>
-                  <a:lnTo>
-                    <a:pt x="8159" y="12300"/>
-                  </a:lnTo>
-                  <a:lnTo>
-                    <a:pt x="8451" y="12202"/>
-                  </a:lnTo>
-                  <a:lnTo>
-                    <a:pt x="8744" y="12105"/>
-                  </a:lnTo>
-                  <a:lnTo>
-                    <a:pt x="9012" y="11983"/>
-                  </a:lnTo>
-                  <a:lnTo>
-                    <a:pt x="9279" y="11837"/>
-                  </a:lnTo>
-                  <a:lnTo>
-                    <a:pt x="9547" y="11691"/>
-                  </a:lnTo>
-                  <a:lnTo>
-                    <a:pt x="9815" y="11520"/>
-                  </a:lnTo>
-                  <a:lnTo>
-                    <a:pt x="10302" y="11155"/>
-                  </a:lnTo>
-                  <a:lnTo>
-                    <a:pt x="10741" y="10741"/>
-                  </a:lnTo>
-                  <a:lnTo>
-                    <a:pt x="11155" y="10303"/>
-                  </a:lnTo>
-                  <a:lnTo>
-                    <a:pt x="11520" y="9816"/>
-                  </a:lnTo>
-                  <a:lnTo>
-                    <a:pt x="11666" y="9572"/>
-                  </a:lnTo>
-                  <a:lnTo>
-                    <a:pt x="11812" y="9304"/>
-                  </a:lnTo>
-                  <a:lnTo>
-                    <a:pt x="11958" y="9036"/>
-                  </a:lnTo>
-                  <a:lnTo>
-                    <a:pt x="12080" y="8744"/>
-                  </a:lnTo>
-                  <a:lnTo>
-                    <a:pt x="12202" y="8476"/>
-                  </a:lnTo>
-                  <a:lnTo>
-                    <a:pt x="12299" y="8184"/>
-                  </a:lnTo>
-                  <a:lnTo>
-                    <a:pt x="12397" y="7867"/>
-                  </a:lnTo>
-                  <a:lnTo>
-                    <a:pt x="12446" y="7575"/>
-                  </a:lnTo>
-                  <a:lnTo>
-                    <a:pt x="12519" y="7258"/>
-                  </a:lnTo>
-                  <a:lnTo>
-                    <a:pt x="12543" y="6942"/>
-                  </a:lnTo>
-                  <a:lnTo>
-                    <a:pt x="12567" y="6625"/>
-                  </a:lnTo>
-                  <a:lnTo>
-                    <a:pt x="12592" y="6308"/>
-                  </a:lnTo>
-                  <a:lnTo>
-                    <a:pt x="12592" y="6308"/>
-                  </a:lnTo>
-                  <a:lnTo>
-                    <a:pt x="12567" y="5968"/>
-                  </a:lnTo>
-                  <a:lnTo>
-                    <a:pt x="12543" y="5651"/>
-                  </a:lnTo>
-                  <a:lnTo>
-                    <a:pt x="12519" y="5334"/>
-                  </a:lnTo>
-                  <a:lnTo>
-                    <a:pt x="12446" y="5042"/>
-                  </a:lnTo>
-                  <a:lnTo>
-                    <a:pt x="12397" y="4725"/>
-                  </a:lnTo>
-                  <a:lnTo>
-                    <a:pt x="12299" y="4433"/>
-                  </a:lnTo>
-                  <a:lnTo>
-                    <a:pt x="12202" y="4141"/>
-                  </a:lnTo>
-                  <a:lnTo>
-                    <a:pt x="12080" y="3849"/>
-                  </a:lnTo>
-                  <a:lnTo>
-                    <a:pt x="11958" y="3581"/>
-                  </a:lnTo>
-                  <a:lnTo>
-                    <a:pt x="11812" y="3313"/>
-                  </a:lnTo>
-                  <a:lnTo>
-                    <a:pt x="11666" y="3045"/>
-                  </a:lnTo>
-                  <a:lnTo>
-                    <a:pt x="11520" y="2777"/>
-                  </a:lnTo>
-                  <a:lnTo>
-                    <a:pt x="11155" y="2290"/>
-                  </a:lnTo>
-                  <a:lnTo>
-                    <a:pt x="10741" y="1852"/>
-                  </a:lnTo>
-                  <a:lnTo>
-                    <a:pt x="10302" y="1437"/>
-                  </a:lnTo>
-                  <a:lnTo>
-                    <a:pt x="9815" y="1072"/>
-                  </a:lnTo>
-                  <a:lnTo>
-                    <a:pt x="9547" y="926"/>
-                  </a:lnTo>
-                  <a:lnTo>
-                    <a:pt x="9279" y="780"/>
-                  </a:lnTo>
-                  <a:lnTo>
-                    <a:pt x="9012" y="634"/>
-                  </a:lnTo>
-                  <a:lnTo>
-                    <a:pt x="8744" y="512"/>
-                  </a:lnTo>
-                  <a:lnTo>
-                    <a:pt x="8451" y="390"/>
-                  </a:lnTo>
-                  <a:lnTo>
-                    <a:pt x="8159" y="293"/>
-                  </a:lnTo>
-                  <a:lnTo>
-                    <a:pt x="7867" y="220"/>
-                  </a:lnTo>
-                  <a:lnTo>
-                    <a:pt x="7550" y="147"/>
-                  </a:lnTo>
-                  <a:lnTo>
-                    <a:pt x="7258" y="74"/>
-                  </a:lnTo>
-                  <a:lnTo>
-                    <a:pt x="6941" y="49"/>
-                  </a:lnTo>
-                  <a:lnTo>
-                    <a:pt x="6625" y="25"/>
-                  </a:lnTo>
-                  <a:lnTo>
-                    <a:pt x="6284" y="1"/>
-                  </a:lnTo>
-                  <a:lnTo>
-                    <a:pt x="6284" y="1"/>
-                  </a:lnTo>
-                  <a:close/>
+                    <a:pt x="1" y="2046"/>
+                  </a:lnTo>
                 </a:path>
               </a:pathLst>
             </a:custGeom>
@@ -17444,221 +18092,17 @@
           </p:nvSpPr>
           <p:spPr>
             <a:xfrm>
-              <a:off x="3988375" y="3021875"/>
-              <a:ext cx="241750" cy="241750"/>
+              <a:off x="820400" y="244200"/>
+              <a:ext cx="25" cy="51175"/>
             </a:xfrm>
             <a:custGeom>
               <a:pathLst>
-                <a:path extrusionOk="0" fill="none" h="9670" w="9670">
+                <a:path extrusionOk="0" fill="none" h="2047" w="1">
                   <a:moveTo>
-                    <a:pt x="4823" y="1"/>
+                    <a:pt x="1" y="1"/>
                   </a:moveTo>
                   <a:lnTo>
-                    <a:pt x="4823" y="1"/>
-                  </a:lnTo>
-                  <a:lnTo>
-                    <a:pt x="4336" y="25"/>
-                  </a:lnTo>
-                  <a:lnTo>
-                    <a:pt x="3849" y="98"/>
-                  </a:lnTo>
-                  <a:lnTo>
-                    <a:pt x="3386" y="220"/>
-                  </a:lnTo>
-                  <a:lnTo>
-                    <a:pt x="2947" y="391"/>
-                  </a:lnTo>
-                  <a:lnTo>
-                    <a:pt x="2533" y="585"/>
-                  </a:lnTo>
-                  <a:lnTo>
-                    <a:pt x="2144" y="829"/>
-                  </a:lnTo>
-                  <a:lnTo>
-                    <a:pt x="1754" y="1121"/>
-                  </a:lnTo>
-                  <a:lnTo>
-                    <a:pt x="1413" y="1438"/>
-                  </a:lnTo>
-                  <a:lnTo>
-                    <a:pt x="1096" y="1779"/>
-                  </a:lnTo>
-                  <a:lnTo>
-                    <a:pt x="829" y="2144"/>
-                  </a:lnTo>
-                  <a:lnTo>
-                    <a:pt x="585" y="2534"/>
-                  </a:lnTo>
-                  <a:lnTo>
-                    <a:pt x="390" y="2972"/>
-                  </a:lnTo>
-                  <a:lnTo>
-                    <a:pt x="220" y="3411"/>
-                  </a:lnTo>
-                  <a:lnTo>
-                    <a:pt x="98" y="3873"/>
-                  </a:lnTo>
-                  <a:lnTo>
-                    <a:pt x="25" y="4336"/>
-                  </a:lnTo>
-                  <a:lnTo>
-                    <a:pt x="1" y="4847"/>
-                  </a:lnTo>
-                  <a:lnTo>
-                    <a:pt x="1" y="4847"/>
-                  </a:lnTo>
-                  <a:lnTo>
-                    <a:pt x="25" y="5335"/>
-                  </a:lnTo>
-                  <a:lnTo>
-                    <a:pt x="98" y="5822"/>
-                  </a:lnTo>
-                  <a:lnTo>
-                    <a:pt x="220" y="6284"/>
-                  </a:lnTo>
-                  <a:lnTo>
-                    <a:pt x="390" y="6723"/>
-                  </a:lnTo>
-                  <a:lnTo>
-                    <a:pt x="585" y="7137"/>
-                  </a:lnTo>
-                  <a:lnTo>
-                    <a:pt x="829" y="7527"/>
-                  </a:lnTo>
-                  <a:lnTo>
-                    <a:pt x="1096" y="7916"/>
-                  </a:lnTo>
-                  <a:lnTo>
-                    <a:pt x="1413" y="8257"/>
-                  </a:lnTo>
-                  <a:lnTo>
-                    <a:pt x="1754" y="8574"/>
-                  </a:lnTo>
-                  <a:lnTo>
-                    <a:pt x="2144" y="8842"/>
-                  </a:lnTo>
-                  <a:lnTo>
-                    <a:pt x="2533" y="9085"/>
-                  </a:lnTo>
-                  <a:lnTo>
-                    <a:pt x="2947" y="9280"/>
-                  </a:lnTo>
-                  <a:lnTo>
-                    <a:pt x="3386" y="9451"/>
-                  </a:lnTo>
-                  <a:lnTo>
-                    <a:pt x="3849" y="9572"/>
-                  </a:lnTo>
-                  <a:lnTo>
-                    <a:pt x="4336" y="9645"/>
-                  </a:lnTo>
-                  <a:lnTo>
-                    <a:pt x="4823" y="9670"/>
-                  </a:lnTo>
-                  <a:lnTo>
-                    <a:pt x="4823" y="9670"/>
-                  </a:lnTo>
-                  <a:lnTo>
-                    <a:pt x="5334" y="9645"/>
-                  </a:lnTo>
-                  <a:lnTo>
-                    <a:pt x="5797" y="9572"/>
-                  </a:lnTo>
-                  <a:lnTo>
-                    <a:pt x="6260" y="9451"/>
-                  </a:lnTo>
-                  <a:lnTo>
-                    <a:pt x="6698" y="9280"/>
-                  </a:lnTo>
-                  <a:lnTo>
-                    <a:pt x="7136" y="9085"/>
-                  </a:lnTo>
-                  <a:lnTo>
-                    <a:pt x="7526" y="8842"/>
-                  </a:lnTo>
-                  <a:lnTo>
-                    <a:pt x="7892" y="8574"/>
-                  </a:lnTo>
-                  <a:lnTo>
-                    <a:pt x="8232" y="8257"/>
-                  </a:lnTo>
-                  <a:lnTo>
-                    <a:pt x="8549" y="7916"/>
-                  </a:lnTo>
-                  <a:lnTo>
-                    <a:pt x="8841" y="7527"/>
-                  </a:lnTo>
-                  <a:lnTo>
-                    <a:pt x="9085" y="7137"/>
-                  </a:lnTo>
-                  <a:lnTo>
-                    <a:pt x="9280" y="6723"/>
-                  </a:lnTo>
-                  <a:lnTo>
-                    <a:pt x="9450" y="6284"/>
-                  </a:lnTo>
-                  <a:lnTo>
-                    <a:pt x="9572" y="5822"/>
-                  </a:lnTo>
-                  <a:lnTo>
-                    <a:pt x="9645" y="5335"/>
-                  </a:lnTo>
-                  <a:lnTo>
-                    <a:pt x="9669" y="4847"/>
-                  </a:lnTo>
-                  <a:lnTo>
-                    <a:pt x="9669" y="4847"/>
-                  </a:lnTo>
-                  <a:lnTo>
-                    <a:pt x="9645" y="4336"/>
-                  </a:lnTo>
-                  <a:lnTo>
-                    <a:pt x="9572" y="3873"/>
-                  </a:lnTo>
-                  <a:lnTo>
-                    <a:pt x="9450" y="3411"/>
-                  </a:lnTo>
-                  <a:lnTo>
-                    <a:pt x="9280" y="2972"/>
-                  </a:lnTo>
-                  <a:lnTo>
-                    <a:pt x="9085" y="2534"/>
-                  </a:lnTo>
-                  <a:lnTo>
-                    <a:pt x="8841" y="2144"/>
-                  </a:lnTo>
-                  <a:lnTo>
-                    <a:pt x="8549" y="1779"/>
-                  </a:lnTo>
-                  <a:lnTo>
-                    <a:pt x="8232" y="1438"/>
-                  </a:lnTo>
-                  <a:lnTo>
-                    <a:pt x="7892" y="1121"/>
-                  </a:lnTo>
-                  <a:lnTo>
-                    <a:pt x="7526" y="829"/>
-                  </a:lnTo>
-                  <a:lnTo>
-                    <a:pt x="7136" y="585"/>
-                  </a:lnTo>
-                  <a:lnTo>
-                    <a:pt x="6698" y="391"/>
-                  </a:lnTo>
-                  <a:lnTo>
-                    <a:pt x="6260" y="220"/>
-                  </a:lnTo>
-                  <a:lnTo>
-                    <a:pt x="5797" y="98"/>
-                  </a:lnTo>
-                  <a:lnTo>
-                    <a:pt x="5334" y="25"/>
-                  </a:lnTo>
-                  <a:lnTo>
-                    <a:pt x="4823" y="1"/>
-                  </a:lnTo>
-                  <a:lnTo>
-                    <a:pt x="4823" y="1"/>
+                    <a:pt x="1" y="2046"/>
                   </a:lnTo>
                 </a:path>
               </a:pathLst>
@@ -17701,66 +18145,1965 @@
           </p:nvSpPr>
           <p:spPr>
             <a:xfrm>
-              <a:off x="4024300" y="3058425"/>
-              <a:ext cx="84650" cy="84650"/>
+              <a:off x="903225" y="244200"/>
+              <a:ext cx="25" cy="51175"/>
             </a:xfrm>
             <a:custGeom>
               <a:pathLst>
-                <a:path extrusionOk="0" fill="none" h="3386" w="3386">
+                <a:path extrusionOk="0" fill="none" h="2047" w="1">
                   <a:moveTo>
-                    <a:pt x="0" y="3385"/>
+                    <a:pt x="0" y="1"/>
                   </a:moveTo>
                   <a:lnTo>
-                    <a:pt x="0" y="3385"/>
-                  </a:lnTo>
-                  <a:lnTo>
-                    <a:pt x="25" y="3020"/>
-                  </a:lnTo>
-                  <a:lnTo>
-                    <a:pt x="74" y="2704"/>
-                  </a:lnTo>
-                  <a:lnTo>
-                    <a:pt x="147" y="2363"/>
-                  </a:lnTo>
-                  <a:lnTo>
-                    <a:pt x="268" y="2070"/>
-                  </a:lnTo>
-                  <a:lnTo>
-                    <a:pt x="414" y="1754"/>
-                  </a:lnTo>
-                  <a:lnTo>
-                    <a:pt x="585" y="1486"/>
-                  </a:lnTo>
-                  <a:lnTo>
-                    <a:pt x="780" y="1218"/>
-                  </a:lnTo>
-                  <a:lnTo>
-                    <a:pt x="999" y="974"/>
-                  </a:lnTo>
-                  <a:lnTo>
-                    <a:pt x="1243" y="755"/>
-                  </a:lnTo>
-                  <a:lnTo>
-                    <a:pt x="1510" y="560"/>
-                  </a:lnTo>
-                  <a:lnTo>
-                    <a:pt x="1778" y="390"/>
-                  </a:lnTo>
-                  <a:lnTo>
-                    <a:pt x="2071" y="244"/>
-                  </a:lnTo>
-                  <a:lnTo>
-                    <a:pt x="2387" y="146"/>
-                  </a:lnTo>
-                  <a:lnTo>
-                    <a:pt x="2704" y="49"/>
-                  </a:lnTo>
-                  <a:lnTo>
-                    <a:pt x="3045" y="0"/>
-                  </a:lnTo>
-                  <a:lnTo>
-                    <a:pt x="3386" y="0"/>
-                  </a:lnTo>
+                    <a:pt x="0" y="2046"/>
+                  </a:lnTo>
+                </a:path>
+              </a:pathLst>
+            </a:custGeom>
+            <a:noFill/>
+            <a:ln cap="rnd" cmpd="sng" w="12175">
+              <a:solidFill>
+                <a:srgbClr val="FFFFFF"/>
+              </a:solidFill>
+              <a:prstDash val="solid"/>
+              <a:round/>
+              <a:headEnd len="med" w="med" type="none"/>
+              <a:tailEnd len="med" w="med" type="none"/>
+            </a:ln>
+          </p:spPr>
+          <p:txBody>
+            <a:bodyPr anchorCtr="0" anchor="ctr" bIns="91425" lIns="91425" rIns="91425" tIns="91425">
+              <a:noAutofit/>
+            </a:bodyPr>
+            <a:lstStyle/>
+            <a:p>
+              <a:pPr lvl="0">
+                <a:spcBef>
+                  <a:spcPts val="0"/>
+                </a:spcBef>
+                <a:buNone/>
+              </a:pPr>
+              <a:r>
+                <a:t/>
+              </a:r>
+              <a:endParaRPr/>
+            </a:p>
+          </p:txBody>
+        </p:sp>
+      </p:grpSp>
+    </p:spTree>
+  </p:cSld>
+  <p:clrMapOvr>
+    <a:masterClrMapping/>
+  </p:clrMapOvr>
+</p:sld>
+</file>
+
+<file path=ppt/slides/slide8.xml><?xml version="1.0" encoding="utf-8"?>
+<p:sld xmlns:a="http://schemas.openxmlformats.org/drawingml/2006/main" xmlns:r="http://schemas.openxmlformats.org/officeDocument/2006/relationships" xmlns:mc="http://schemas.openxmlformats.org/markup-compatibility/2006" xmlns:mv="urn:schemas-microsoft-com:mac:vml" xmlns:p="http://schemas.openxmlformats.org/presentationml/2006/main" xmlns:c="http://schemas.openxmlformats.org/drawingml/2006/chart" xmlns:dgm="http://schemas.openxmlformats.org/drawingml/2006/diagram" xmlns:o="urn:schemas-microsoft-com:office:office" xmlns:v="urn:schemas-microsoft-com:vml" xmlns:pvml="urn:schemas-microsoft-com:office:powerpoint" xmlns:com="http://schemas.openxmlformats.org/drawingml/2006/compatibility" xmlns:p14="http://schemas.microsoft.com/office/powerpoint/2010/main">
+  <p:cSld>
+    <p:spTree>
+      <p:nvGrpSpPr>
+        <p:cNvPr id="205" name="Shape 205"/>
+        <p:cNvGrpSpPr/>
+        <p:nvPr/>
+      </p:nvGrpSpPr>
+      <p:grpSpPr>
+        <a:xfrm>
+          <a:off x="0" y="0"/>
+          <a:ext cx="0" cy="0"/>
+          <a:chOff x="0" y="0"/>
+          <a:chExt cx="0" cy="0"/>
+        </a:xfrm>
+      </p:grpSpPr>
+      <p:sp>
+        <p:nvSpPr>
+          <p:cNvPr id="206" name="Shape 206"/>
+          <p:cNvSpPr txBox="1"/>
+          <p:nvPr>
+            <p:ph type="title"/>
+          </p:nvPr>
+        </p:nvSpPr>
+        <p:spPr>
+          <a:xfrm>
+            <a:off x="457200" y="1146025"/>
+            <a:ext cx="2154600" cy="816300"/>
+          </a:xfrm>
+          <a:prstGeom prst="rect">
+            <a:avLst/>
+          </a:prstGeom>
+        </p:spPr>
+        <p:txBody>
+          <a:bodyPr anchorCtr="0" anchor="t" bIns="91425" lIns="91425" rIns="91425" tIns="91425">
+            <a:noAutofit/>
+          </a:bodyPr>
+          <a:lstStyle/>
+          <a:p>
+            <a:pPr lvl="0" rtl="0">
+              <a:spcBef>
+                <a:spcPts val="0"/>
+              </a:spcBef>
+              <a:buNone/>
+            </a:pPr>
+            <a:r>
+              <a:rPr lang="en"/>
+              <a:t>NEXT STEPS</a:t>
+            </a:r>
+          </a:p>
+        </p:txBody>
+      </p:sp>
+      <p:grpSp>
+        <p:nvGrpSpPr>
+          <p:cNvPr id="207" name="Shape 207"/>
+          <p:cNvGrpSpPr/>
+          <p:nvPr/>
+        </p:nvGrpSpPr>
+        <p:grpSpPr>
+          <a:xfrm>
+            <a:off x="537007" y="676770"/>
+            <a:ext cx="389070" cy="355894"/>
+            <a:chOff x="576250" y="4319400"/>
+            <a:chExt cx="442075" cy="442050"/>
+          </a:xfrm>
+        </p:grpSpPr>
+        <p:sp>
+          <p:nvSpPr>
+            <p:cNvPr id="208" name="Shape 208"/>
+            <p:cNvSpPr/>
+            <p:nvPr/>
+          </p:nvSpPr>
+          <p:spPr>
+            <a:xfrm>
+              <a:off x="576250" y="4319400"/>
+              <a:ext cx="442075" cy="442050"/>
+            </a:xfrm>
+            <a:custGeom>
+              <a:pathLst>
+                <a:path extrusionOk="0" fill="none" h="17682" w="17683">
+                  <a:moveTo>
+                    <a:pt x="11472" y="17292"/>
+                  </a:moveTo>
+                  <a:lnTo>
+                    <a:pt x="11472" y="12153"/>
+                  </a:lnTo>
+                  <a:lnTo>
+                    <a:pt x="16416" y="7209"/>
+                  </a:lnTo>
+                  <a:lnTo>
+                    <a:pt x="16416" y="7209"/>
+                  </a:lnTo>
+                  <a:lnTo>
+                    <a:pt x="16562" y="7063"/>
+                  </a:lnTo>
+                  <a:lnTo>
+                    <a:pt x="16684" y="6868"/>
+                  </a:lnTo>
+                  <a:lnTo>
+                    <a:pt x="16830" y="6674"/>
+                  </a:lnTo>
+                  <a:lnTo>
+                    <a:pt x="16927" y="6479"/>
+                  </a:lnTo>
+                  <a:lnTo>
+                    <a:pt x="17146" y="6040"/>
+                  </a:lnTo>
+                  <a:lnTo>
+                    <a:pt x="17317" y="5553"/>
+                  </a:lnTo>
+                  <a:lnTo>
+                    <a:pt x="17439" y="5042"/>
+                  </a:lnTo>
+                  <a:lnTo>
+                    <a:pt x="17560" y="4506"/>
+                  </a:lnTo>
+                  <a:lnTo>
+                    <a:pt x="17633" y="3970"/>
+                  </a:lnTo>
+                  <a:lnTo>
+                    <a:pt x="17658" y="3434"/>
+                  </a:lnTo>
+                  <a:lnTo>
+                    <a:pt x="17682" y="2898"/>
+                  </a:lnTo>
+                  <a:lnTo>
+                    <a:pt x="17682" y="2411"/>
+                  </a:lnTo>
+                  <a:lnTo>
+                    <a:pt x="17658" y="1949"/>
+                  </a:lnTo>
+                  <a:lnTo>
+                    <a:pt x="17609" y="1510"/>
+                  </a:lnTo>
+                  <a:lnTo>
+                    <a:pt x="17536" y="1145"/>
+                  </a:lnTo>
+                  <a:lnTo>
+                    <a:pt x="17463" y="828"/>
+                  </a:lnTo>
+                  <a:lnTo>
+                    <a:pt x="17366" y="585"/>
+                  </a:lnTo>
+                  <a:lnTo>
+                    <a:pt x="17292" y="487"/>
+                  </a:lnTo>
+                  <a:lnTo>
+                    <a:pt x="17244" y="439"/>
+                  </a:lnTo>
+                  <a:lnTo>
+                    <a:pt x="17244" y="439"/>
+                  </a:lnTo>
+                  <a:lnTo>
+                    <a:pt x="17195" y="390"/>
+                  </a:lnTo>
+                  <a:lnTo>
+                    <a:pt x="17098" y="317"/>
+                  </a:lnTo>
+                  <a:lnTo>
+                    <a:pt x="16854" y="219"/>
+                  </a:lnTo>
+                  <a:lnTo>
+                    <a:pt x="16537" y="146"/>
+                  </a:lnTo>
+                  <a:lnTo>
+                    <a:pt x="16172" y="73"/>
+                  </a:lnTo>
+                  <a:lnTo>
+                    <a:pt x="15734" y="25"/>
+                  </a:lnTo>
+                  <a:lnTo>
+                    <a:pt x="15271" y="0"/>
+                  </a:lnTo>
+                  <a:lnTo>
+                    <a:pt x="14784" y="0"/>
+                  </a:lnTo>
+                  <a:lnTo>
+                    <a:pt x="14248" y="25"/>
+                  </a:lnTo>
+                  <a:lnTo>
+                    <a:pt x="13712" y="49"/>
+                  </a:lnTo>
+                  <a:lnTo>
+                    <a:pt x="13176" y="122"/>
+                  </a:lnTo>
+                  <a:lnTo>
+                    <a:pt x="12641" y="244"/>
+                  </a:lnTo>
+                  <a:lnTo>
+                    <a:pt x="12129" y="366"/>
+                  </a:lnTo>
+                  <a:lnTo>
+                    <a:pt x="11642" y="536"/>
+                  </a:lnTo>
+                  <a:lnTo>
+                    <a:pt x="11204" y="755"/>
+                  </a:lnTo>
+                  <a:lnTo>
+                    <a:pt x="10985" y="853"/>
+                  </a:lnTo>
+                  <a:lnTo>
+                    <a:pt x="10814" y="999"/>
+                  </a:lnTo>
+                  <a:lnTo>
+                    <a:pt x="10619" y="1121"/>
+                  </a:lnTo>
+                  <a:lnTo>
+                    <a:pt x="10473" y="1267"/>
+                  </a:lnTo>
+                  <a:lnTo>
+                    <a:pt x="5529" y="6211"/>
+                  </a:lnTo>
+                  <a:lnTo>
+                    <a:pt x="390" y="6211"/>
+                  </a:lnTo>
+                  <a:lnTo>
+                    <a:pt x="390" y="6211"/>
+                  </a:lnTo>
+                  <a:lnTo>
+                    <a:pt x="244" y="6235"/>
+                  </a:lnTo>
+                  <a:lnTo>
+                    <a:pt x="147" y="6259"/>
+                  </a:lnTo>
+                  <a:lnTo>
+                    <a:pt x="49" y="6308"/>
+                  </a:lnTo>
+                  <a:lnTo>
+                    <a:pt x="0" y="6381"/>
+                  </a:lnTo>
+                  <a:lnTo>
+                    <a:pt x="0" y="6454"/>
+                  </a:lnTo>
+                  <a:lnTo>
+                    <a:pt x="25" y="6552"/>
+                  </a:lnTo>
+                  <a:lnTo>
+                    <a:pt x="74" y="6649"/>
+                  </a:lnTo>
+                  <a:lnTo>
+                    <a:pt x="171" y="6771"/>
+                  </a:lnTo>
+                  <a:lnTo>
+                    <a:pt x="2582" y="9158"/>
+                  </a:lnTo>
+                  <a:lnTo>
+                    <a:pt x="2265" y="9474"/>
+                  </a:lnTo>
+                  <a:lnTo>
+                    <a:pt x="950" y="9718"/>
+                  </a:lnTo>
+                  <a:lnTo>
+                    <a:pt x="950" y="9718"/>
+                  </a:lnTo>
+                  <a:lnTo>
+                    <a:pt x="804" y="9767"/>
+                  </a:lnTo>
+                  <a:lnTo>
+                    <a:pt x="682" y="9815"/>
+                  </a:lnTo>
+                  <a:lnTo>
+                    <a:pt x="609" y="9913"/>
+                  </a:lnTo>
+                  <a:lnTo>
+                    <a:pt x="561" y="9986"/>
+                  </a:lnTo>
+                  <a:lnTo>
+                    <a:pt x="561" y="10083"/>
+                  </a:lnTo>
+                  <a:lnTo>
+                    <a:pt x="585" y="10205"/>
+                  </a:lnTo>
+                  <a:lnTo>
+                    <a:pt x="634" y="10302"/>
+                  </a:lnTo>
+                  <a:lnTo>
+                    <a:pt x="731" y="10424"/>
+                  </a:lnTo>
+                  <a:lnTo>
+                    <a:pt x="7258" y="16951"/>
+                  </a:lnTo>
+                  <a:lnTo>
+                    <a:pt x="7258" y="16951"/>
+                  </a:lnTo>
+                  <a:lnTo>
+                    <a:pt x="7380" y="17049"/>
+                  </a:lnTo>
+                  <a:lnTo>
+                    <a:pt x="7477" y="17097"/>
+                  </a:lnTo>
+                  <a:lnTo>
+                    <a:pt x="7599" y="17122"/>
+                  </a:lnTo>
+                  <a:lnTo>
+                    <a:pt x="7697" y="17122"/>
+                  </a:lnTo>
+                  <a:lnTo>
+                    <a:pt x="7770" y="17073"/>
+                  </a:lnTo>
+                  <a:lnTo>
+                    <a:pt x="7867" y="17000"/>
+                  </a:lnTo>
+                  <a:lnTo>
+                    <a:pt x="7916" y="16878"/>
+                  </a:lnTo>
+                  <a:lnTo>
+                    <a:pt x="7965" y="16732"/>
+                  </a:lnTo>
+                  <a:lnTo>
+                    <a:pt x="8208" y="15417"/>
+                  </a:lnTo>
+                  <a:lnTo>
+                    <a:pt x="8525" y="15100"/>
+                  </a:lnTo>
+                  <a:lnTo>
+                    <a:pt x="10911" y="17511"/>
+                  </a:lnTo>
+                  <a:lnTo>
+                    <a:pt x="10911" y="17511"/>
+                  </a:lnTo>
+                  <a:lnTo>
+                    <a:pt x="11033" y="17609"/>
+                  </a:lnTo>
+                  <a:lnTo>
+                    <a:pt x="11131" y="17658"/>
+                  </a:lnTo>
+                  <a:lnTo>
+                    <a:pt x="11228" y="17682"/>
+                  </a:lnTo>
+                  <a:lnTo>
+                    <a:pt x="11301" y="17682"/>
+                  </a:lnTo>
+                  <a:lnTo>
+                    <a:pt x="11374" y="17633"/>
+                  </a:lnTo>
+                  <a:lnTo>
+                    <a:pt x="11423" y="17536"/>
+                  </a:lnTo>
+                  <a:lnTo>
+                    <a:pt x="11447" y="17438"/>
+                  </a:lnTo>
+                  <a:lnTo>
+                    <a:pt x="11472" y="17292"/>
+                  </a:lnTo>
+                  <a:lnTo>
+                    <a:pt x="11472" y="17292"/>
+                  </a:lnTo>
+                  <a:close/>
+                  <a:moveTo>
+                    <a:pt x="6162" y="12202"/>
+                  </a:moveTo>
+                  <a:lnTo>
+                    <a:pt x="6162" y="12202"/>
+                  </a:lnTo>
+                  <a:lnTo>
+                    <a:pt x="6089" y="12275"/>
+                  </a:lnTo>
+                  <a:lnTo>
+                    <a:pt x="6016" y="12324"/>
+                  </a:lnTo>
+                  <a:lnTo>
+                    <a:pt x="5919" y="12348"/>
+                  </a:lnTo>
+                  <a:lnTo>
+                    <a:pt x="5821" y="12348"/>
+                  </a:lnTo>
+                  <a:lnTo>
+                    <a:pt x="5724" y="12348"/>
+                  </a:lnTo>
+                  <a:lnTo>
+                    <a:pt x="5626" y="12324"/>
+                  </a:lnTo>
+                  <a:lnTo>
+                    <a:pt x="5553" y="12275"/>
+                  </a:lnTo>
+                  <a:lnTo>
+                    <a:pt x="5480" y="12202"/>
+                  </a:lnTo>
+                  <a:lnTo>
+                    <a:pt x="5480" y="12202"/>
+                  </a:lnTo>
+                  <a:lnTo>
+                    <a:pt x="5407" y="12129"/>
+                  </a:lnTo>
+                  <a:lnTo>
+                    <a:pt x="5359" y="12056"/>
+                  </a:lnTo>
+                  <a:lnTo>
+                    <a:pt x="5334" y="11959"/>
+                  </a:lnTo>
+                  <a:lnTo>
+                    <a:pt x="5334" y="11861"/>
+                  </a:lnTo>
+                  <a:lnTo>
+                    <a:pt x="5334" y="11764"/>
+                  </a:lnTo>
+                  <a:lnTo>
+                    <a:pt x="5359" y="11666"/>
+                  </a:lnTo>
+                  <a:lnTo>
+                    <a:pt x="5407" y="11593"/>
+                  </a:lnTo>
+                  <a:lnTo>
+                    <a:pt x="5480" y="11520"/>
+                  </a:lnTo>
+                  <a:lnTo>
+                    <a:pt x="8013" y="8987"/>
+                  </a:lnTo>
+                  <a:lnTo>
+                    <a:pt x="8013" y="8987"/>
+                  </a:lnTo>
+                  <a:lnTo>
+                    <a:pt x="8086" y="8939"/>
+                  </a:lnTo>
+                  <a:lnTo>
+                    <a:pt x="8159" y="8890"/>
+                  </a:lnTo>
+                  <a:lnTo>
+                    <a:pt x="8257" y="8865"/>
+                  </a:lnTo>
+                  <a:lnTo>
+                    <a:pt x="8354" y="8841"/>
+                  </a:lnTo>
+                  <a:lnTo>
+                    <a:pt x="8452" y="8865"/>
+                  </a:lnTo>
+                  <a:lnTo>
+                    <a:pt x="8525" y="8890"/>
+                  </a:lnTo>
+                  <a:lnTo>
+                    <a:pt x="8622" y="8939"/>
+                  </a:lnTo>
+                  <a:lnTo>
+                    <a:pt x="8695" y="8987"/>
+                  </a:lnTo>
+                  <a:lnTo>
+                    <a:pt x="8695" y="8987"/>
+                  </a:lnTo>
+                  <a:lnTo>
+                    <a:pt x="8744" y="9060"/>
+                  </a:lnTo>
+                  <a:lnTo>
+                    <a:pt x="8793" y="9158"/>
+                  </a:lnTo>
+                  <a:lnTo>
+                    <a:pt x="8817" y="9231"/>
+                  </a:lnTo>
+                  <a:lnTo>
+                    <a:pt x="8841" y="9328"/>
+                  </a:lnTo>
+                  <a:lnTo>
+                    <a:pt x="8817" y="9426"/>
+                  </a:lnTo>
+                  <a:lnTo>
+                    <a:pt x="8793" y="9523"/>
+                  </a:lnTo>
+                  <a:lnTo>
+                    <a:pt x="8744" y="9596"/>
+                  </a:lnTo>
+                  <a:lnTo>
+                    <a:pt x="8695" y="9669"/>
+                  </a:lnTo>
+                  <a:lnTo>
+                    <a:pt x="6162" y="12202"/>
+                  </a:lnTo>
+                  <a:close/>
+                  <a:moveTo>
+                    <a:pt x="13396" y="7307"/>
+                  </a:moveTo>
+                  <a:lnTo>
+                    <a:pt x="13396" y="7307"/>
+                  </a:lnTo>
+                  <a:lnTo>
+                    <a:pt x="13274" y="7404"/>
+                  </a:lnTo>
+                  <a:lnTo>
+                    <a:pt x="13152" y="7477"/>
+                  </a:lnTo>
+                  <a:lnTo>
+                    <a:pt x="13006" y="7526"/>
+                  </a:lnTo>
+                  <a:lnTo>
+                    <a:pt x="12836" y="7550"/>
+                  </a:lnTo>
+                  <a:lnTo>
+                    <a:pt x="12689" y="7526"/>
+                  </a:lnTo>
+                  <a:lnTo>
+                    <a:pt x="12543" y="7477"/>
+                  </a:lnTo>
+                  <a:lnTo>
+                    <a:pt x="12421" y="7404"/>
+                  </a:lnTo>
+                  <a:lnTo>
+                    <a:pt x="12300" y="7307"/>
+                  </a:lnTo>
+                  <a:lnTo>
+                    <a:pt x="10376" y="5383"/>
+                  </a:lnTo>
+                  <a:lnTo>
+                    <a:pt x="10376" y="5383"/>
+                  </a:lnTo>
+                  <a:lnTo>
+                    <a:pt x="10278" y="5261"/>
+                  </a:lnTo>
+                  <a:lnTo>
+                    <a:pt x="10205" y="5139"/>
+                  </a:lnTo>
+                  <a:lnTo>
+                    <a:pt x="10156" y="4993"/>
+                  </a:lnTo>
+                  <a:lnTo>
+                    <a:pt x="10132" y="4847"/>
+                  </a:lnTo>
+                  <a:lnTo>
+                    <a:pt x="10156" y="4676"/>
+                  </a:lnTo>
+                  <a:lnTo>
+                    <a:pt x="10205" y="4530"/>
+                  </a:lnTo>
+                  <a:lnTo>
+                    <a:pt x="10278" y="4408"/>
+                  </a:lnTo>
+                  <a:lnTo>
+                    <a:pt x="10376" y="4287"/>
+                  </a:lnTo>
+                  <a:lnTo>
+                    <a:pt x="10376" y="4287"/>
+                  </a:lnTo>
+                  <a:lnTo>
+                    <a:pt x="11326" y="3313"/>
+                  </a:lnTo>
+                  <a:lnTo>
+                    <a:pt x="11326" y="3313"/>
+                  </a:lnTo>
+                  <a:lnTo>
+                    <a:pt x="11496" y="3166"/>
+                  </a:lnTo>
+                  <a:lnTo>
+                    <a:pt x="11666" y="3045"/>
+                  </a:lnTo>
+                  <a:lnTo>
+                    <a:pt x="11861" y="2947"/>
+                  </a:lnTo>
+                  <a:lnTo>
+                    <a:pt x="12032" y="2850"/>
+                  </a:lnTo>
+                  <a:lnTo>
+                    <a:pt x="12227" y="2777"/>
+                  </a:lnTo>
+                  <a:lnTo>
+                    <a:pt x="12446" y="2728"/>
+                  </a:lnTo>
+                  <a:lnTo>
+                    <a:pt x="12641" y="2704"/>
+                  </a:lnTo>
+                  <a:lnTo>
+                    <a:pt x="12836" y="2704"/>
+                  </a:lnTo>
+                  <a:lnTo>
+                    <a:pt x="13055" y="2704"/>
+                  </a:lnTo>
+                  <a:lnTo>
+                    <a:pt x="13250" y="2728"/>
+                  </a:lnTo>
+                  <a:lnTo>
+                    <a:pt x="13469" y="2777"/>
+                  </a:lnTo>
+                  <a:lnTo>
+                    <a:pt x="13664" y="2850"/>
+                  </a:lnTo>
+                  <a:lnTo>
+                    <a:pt x="13834" y="2947"/>
+                  </a:lnTo>
+                  <a:lnTo>
+                    <a:pt x="14029" y="3045"/>
+                  </a:lnTo>
+                  <a:lnTo>
+                    <a:pt x="14199" y="3166"/>
+                  </a:lnTo>
+                  <a:lnTo>
+                    <a:pt x="14370" y="3313"/>
+                  </a:lnTo>
+                  <a:lnTo>
+                    <a:pt x="14370" y="3313"/>
+                  </a:lnTo>
+                  <a:lnTo>
+                    <a:pt x="14516" y="3483"/>
+                  </a:lnTo>
+                  <a:lnTo>
+                    <a:pt x="14638" y="3653"/>
+                  </a:lnTo>
+                  <a:lnTo>
+                    <a:pt x="14735" y="3848"/>
+                  </a:lnTo>
+                  <a:lnTo>
+                    <a:pt x="14833" y="4019"/>
+                  </a:lnTo>
+                  <a:lnTo>
+                    <a:pt x="14906" y="4214"/>
+                  </a:lnTo>
+                  <a:lnTo>
+                    <a:pt x="14954" y="4433"/>
+                  </a:lnTo>
+                  <a:lnTo>
+                    <a:pt x="14979" y="4628"/>
+                  </a:lnTo>
+                  <a:lnTo>
+                    <a:pt x="14979" y="4847"/>
+                  </a:lnTo>
+                  <a:lnTo>
+                    <a:pt x="14979" y="5042"/>
+                  </a:lnTo>
+                  <a:lnTo>
+                    <a:pt x="14954" y="5237"/>
+                  </a:lnTo>
+                  <a:lnTo>
+                    <a:pt x="14906" y="5456"/>
+                  </a:lnTo>
+                  <a:lnTo>
+                    <a:pt x="14833" y="5651"/>
+                  </a:lnTo>
+                  <a:lnTo>
+                    <a:pt x="14735" y="5821"/>
+                  </a:lnTo>
+                  <a:lnTo>
+                    <a:pt x="14638" y="6016"/>
+                  </a:lnTo>
+                  <a:lnTo>
+                    <a:pt x="14516" y="6186"/>
+                  </a:lnTo>
+                  <a:lnTo>
+                    <a:pt x="14370" y="6357"/>
+                  </a:lnTo>
+                  <a:lnTo>
+                    <a:pt x="14370" y="6357"/>
+                  </a:lnTo>
+                  <a:lnTo>
+                    <a:pt x="13396" y="7307"/>
+                  </a:lnTo>
+                  <a:lnTo>
+                    <a:pt x="13396" y="7307"/>
+                  </a:lnTo>
+                  <a:close/>
+                </a:path>
+              </a:pathLst>
+            </a:custGeom>
+            <a:noFill/>
+            <a:ln cap="rnd" cmpd="sng" w="19050">
+              <a:solidFill>
+                <a:srgbClr val="FFFFFF"/>
+              </a:solidFill>
+              <a:prstDash val="solid"/>
+              <a:round/>
+              <a:headEnd len="med" w="med" type="none"/>
+              <a:tailEnd len="med" w="med" type="none"/>
+            </a:ln>
+          </p:spPr>
+          <p:txBody>
+            <a:bodyPr anchorCtr="0" anchor="ctr" bIns="91425" lIns="91425" rIns="91425" tIns="91425">
+              <a:noAutofit/>
+            </a:bodyPr>
+            <a:lstStyle/>
+            <a:p>
+              <a:pPr lvl="0">
+                <a:spcBef>
+                  <a:spcPts val="0"/>
+                </a:spcBef>
+                <a:buNone/>
+              </a:pPr>
+              <a:r>
+                <a:t/>
+              </a:r>
+              <a:endParaRPr/>
+            </a:p>
+          </p:txBody>
+        </p:sp>
+        <p:sp>
+          <p:nvSpPr>
+            <p:cNvPr id="209" name="Shape 209"/>
+            <p:cNvSpPr/>
+            <p:nvPr/>
+          </p:nvSpPr>
+          <p:spPr>
+            <a:xfrm>
+              <a:off x="595725" y="4668875"/>
+              <a:ext cx="73100" cy="73100"/>
+            </a:xfrm>
+            <a:custGeom>
+              <a:pathLst>
+                <a:path extrusionOk="0" fill="none" h="2924" w="2924">
+                  <a:moveTo>
+                    <a:pt x="2656" y="269"/>
+                  </a:moveTo>
+                  <a:lnTo>
+                    <a:pt x="2656" y="269"/>
+                  </a:lnTo>
+                  <a:lnTo>
+                    <a:pt x="2509" y="147"/>
+                  </a:lnTo>
+                  <a:lnTo>
+                    <a:pt x="2363" y="74"/>
+                  </a:lnTo>
+                  <a:lnTo>
+                    <a:pt x="2193" y="25"/>
+                  </a:lnTo>
+                  <a:lnTo>
+                    <a:pt x="2022" y="1"/>
+                  </a:lnTo>
+                  <a:lnTo>
+                    <a:pt x="1852" y="25"/>
+                  </a:lnTo>
+                  <a:lnTo>
+                    <a:pt x="1681" y="74"/>
+                  </a:lnTo>
+                  <a:lnTo>
+                    <a:pt x="1511" y="147"/>
+                  </a:lnTo>
+                  <a:lnTo>
+                    <a:pt x="1365" y="269"/>
+                  </a:lnTo>
+                  <a:lnTo>
+                    <a:pt x="1365" y="269"/>
+                  </a:lnTo>
+                  <a:lnTo>
+                    <a:pt x="1219" y="488"/>
+                  </a:lnTo>
+                  <a:lnTo>
+                    <a:pt x="999" y="829"/>
+                  </a:lnTo>
+                  <a:lnTo>
+                    <a:pt x="561" y="1730"/>
+                  </a:lnTo>
+                  <a:lnTo>
+                    <a:pt x="171" y="2558"/>
+                  </a:lnTo>
+                  <a:lnTo>
+                    <a:pt x="1" y="2924"/>
+                  </a:lnTo>
+                  <a:lnTo>
+                    <a:pt x="1" y="2924"/>
+                  </a:lnTo>
+                  <a:lnTo>
+                    <a:pt x="366" y="2753"/>
+                  </a:lnTo>
+                  <a:lnTo>
+                    <a:pt x="1194" y="2363"/>
+                  </a:lnTo>
+                  <a:lnTo>
+                    <a:pt x="2095" y="1925"/>
+                  </a:lnTo>
+                  <a:lnTo>
+                    <a:pt x="2436" y="1706"/>
+                  </a:lnTo>
+                  <a:lnTo>
+                    <a:pt x="2656" y="1560"/>
+                  </a:lnTo>
+                  <a:lnTo>
+                    <a:pt x="2656" y="1560"/>
+                  </a:lnTo>
+                  <a:lnTo>
+                    <a:pt x="2777" y="1414"/>
+                  </a:lnTo>
+                  <a:lnTo>
+                    <a:pt x="2850" y="1243"/>
+                  </a:lnTo>
+                  <a:lnTo>
+                    <a:pt x="2899" y="1073"/>
+                  </a:lnTo>
+                  <a:lnTo>
+                    <a:pt x="2923" y="902"/>
+                  </a:lnTo>
+                  <a:lnTo>
+                    <a:pt x="2899" y="732"/>
+                  </a:lnTo>
+                  <a:lnTo>
+                    <a:pt x="2850" y="561"/>
+                  </a:lnTo>
+                  <a:lnTo>
+                    <a:pt x="2777" y="415"/>
+                  </a:lnTo>
+                  <a:lnTo>
+                    <a:pt x="2656" y="269"/>
+                  </a:lnTo>
+                  <a:lnTo>
+                    <a:pt x="2656" y="269"/>
+                  </a:lnTo>
+                  <a:close/>
+                </a:path>
+              </a:pathLst>
+            </a:custGeom>
+            <a:noFill/>
+            <a:ln cap="rnd" cmpd="sng" w="19050">
+              <a:solidFill>
+                <a:srgbClr val="FFFFFF"/>
+              </a:solidFill>
+              <a:prstDash val="solid"/>
+              <a:round/>
+              <a:headEnd len="med" w="med" type="none"/>
+              <a:tailEnd len="med" w="med" type="none"/>
+            </a:ln>
+          </p:spPr>
+          <p:txBody>
+            <a:bodyPr anchorCtr="0" anchor="ctr" bIns="91425" lIns="91425" rIns="91425" tIns="91425">
+              <a:noAutofit/>
+            </a:bodyPr>
+            <a:lstStyle/>
+            <a:p>
+              <a:pPr lvl="0">
+                <a:spcBef>
+                  <a:spcPts val="0"/>
+                </a:spcBef>
+                <a:buNone/>
+              </a:pPr>
+              <a:r>
+                <a:t/>
+              </a:r>
+              <a:endParaRPr/>
+            </a:p>
+          </p:txBody>
+        </p:sp>
+        <p:sp>
+          <p:nvSpPr>
+            <p:cNvPr id="210" name="Shape 210"/>
+            <p:cNvSpPr/>
+            <p:nvPr/>
+          </p:nvSpPr>
+          <p:spPr>
+            <a:xfrm>
+              <a:off x="652350" y="4711500"/>
+              <a:ext cx="46925" cy="46925"/>
+            </a:xfrm>
+            <a:custGeom>
+              <a:pathLst>
+                <a:path extrusionOk="0" fill="none" h="1877" w="1877">
+                  <a:moveTo>
+                    <a:pt x="1657" y="244"/>
+                  </a:moveTo>
+                  <a:lnTo>
+                    <a:pt x="1657" y="244"/>
+                  </a:lnTo>
+                  <a:lnTo>
+                    <a:pt x="1535" y="147"/>
+                  </a:lnTo>
+                  <a:lnTo>
+                    <a:pt x="1413" y="74"/>
+                  </a:lnTo>
+                  <a:lnTo>
+                    <a:pt x="1267" y="25"/>
+                  </a:lnTo>
+                  <a:lnTo>
+                    <a:pt x="1121" y="1"/>
+                  </a:lnTo>
+                  <a:lnTo>
+                    <a:pt x="975" y="25"/>
+                  </a:lnTo>
+                  <a:lnTo>
+                    <a:pt x="829" y="74"/>
+                  </a:lnTo>
+                  <a:lnTo>
+                    <a:pt x="707" y="147"/>
+                  </a:lnTo>
+                  <a:lnTo>
+                    <a:pt x="585" y="244"/>
+                  </a:lnTo>
+                  <a:lnTo>
+                    <a:pt x="585" y="244"/>
+                  </a:lnTo>
+                  <a:lnTo>
+                    <a:pt x="464" y="391"/>
+                  </a:lnTo>
+                  <a:lnTo>
+                    <a:pt x="366" y="610"/>
+                  </a:lnTo>
+                  <a:lnTo>
+                    <a:pt x="269" y="878"/>
+                  </a:lnTo>
+                  <a:lnTo>
+                    <a:pt x="171" y="1170"/>
+                  </a:lnTo>
+                  <a:lnTo>
+                    <a:pt x="50" y="1681"/>
+                  </a:lnTo>
+                  <a:lnTo>
+                    <a:pt x="1" y="1876"/>
+                  </a:lnTo>
+                  <a:lnTo>
+                    <a:pt x="1" y="1876"/>
+                  </a:lnTo>
+                  <a:lnTo>
+                    <a:pt x="220" y="1852"/>
+                  </a:lnTo>
+                  <a:lnTo>
+                    <a:pt x="731" y="1706"/>
+                  </a:lnTo>
+                  <a:lnTo>
+                    <a:pt x="999" y="1633"/>
+                  </a:lnTo>
+                  <a:lnTo>
+                    <a:pt x="1267" y="1535"/>
+                  </a:lnTo>
+                  <a:lnTo>
+                    <a:pt x="1511" y="1413"/>
+                  </a:lnTo>
+                  <a:lnTo>
+                    <a:pt x="1657" y="1316"/>
+                  </a:lnTo>
+                  <a:lnTo>
+                    <a:pt x="1657" y="1316"/>
+                  </a:lnTo>
+                  <a:lnTo>
+                    <a:pt x="1754" y="1194"/>
+                  </a:lnTo>
+                  <a:lnTo>
+                    <a:pt x="1827" y="1048"/>
+                  </a:lnTo>
+                  <a:lnTo>
+                    <a:pt x="1876" y="926"/>
+                  </a:lnTo>
+                  <a:lnTo>
+                    <a:pt x="1876" y="780"/>
+                  </a:lnTo>
+                  <a:lnTo>
+                    <a:pt x="1876" y="634"/>
+                  </a:lnTo>
+                  <a:lnTo>
+                    <a:pt x="1827" y="488"/>
+                  </a:lnTo>
+                  <a:lnTo>
+                    <a:pt x="1754" y="366"/>
+                  </a:lnTo>
+                  <a:lnTo>
+                    <a:pt x="1657" y="244"/>
+                  </a:lnTo>
+                  <a:lnTo>
+                    <a:pt x="1657" y="244"/>
+                  </a:lnTo>
+                  <a:close/>
+                </a:path>
+              </a:pathLst>
+            </a:custGeom>
+            <a:noFill/>
+            <a:ln cap="rnd" cmpd="sng" w="19050">
+              <a:solidFill>
+                <a:srgbClr val="FFFFFF"/>
+              </a:solidFill>
+              <a:prstDash val="solid"/>
+              <a:round/>
+              <a:headEnd len="med" w="med" type="none"/>
+              <a:tailEnd len="med" w="med" type="none"/>
+            </a:ln>
+          </p:spPr>
+          <p:txBody>
+            <a:bodyPr anchorCtr="0" anchor="ctr" bIns="91425" lIns="91425" rIns="91425" tIns="91425">
+              <a:noAutofit/>
+            </a:bodyPr>
+            <a:lstStyle/>
+            <a:p>
+              <a:pPr lvl="0">
+                <a:spcBef>
+                  <a:spcPts val="0"/>
+                </a:spcBef>
+                <a:buNone/>
+              </a:pPr>
+              <a:r>
+                <a:t/>
+              </a:r>
+              <a:endParaRPr/>
+            </a:p>
+          </p:txBody>
+        </p:sp>
+        <p:sp>
+          <p:nvSpPr>
+            <p:cNvPr id="211" name="Shape 211"/>
+            <p:cNvSpPr/>
+            <p:nvPr/>
+          </p:nvSpPr>
+          <p:spPr>
+            <a:xfrm>
+              <a:off x="579300" y="4638450"/>
+              <a:ext cx="46900" cy="46900"/>
+            </a:xfrm>
+            <a:custGeom>
+              <a:pathLst>
+                <a:path extrusionOk="0" fill="none" h="1876" w="1876">
+                  <a:moveTo>
+                    <a:pt x="1632" y="219"/>
+                  </a:moveTo>
+                  <a:lnTo>
+                    <a:pt x="1632" y="219"/>
+                  </a:lnTo>
+                  <a:lnTo>
+                    <a:pt x="1510" y="122"/>
+                  </a:lnTo>
+                  <a:lnTo>
+                    <a:pt x="1388" y="49"/>
+                  </a:lnTo>
+                  <a:lnTo>
+                    <a:pt x="1242" y="0"/>
+                  </a:lnTo>
+                  <a:lnTo>
+                    <a:pt x="1096" y="0"/>
+                  </a:lnTo>
+                  <a:lnTo>
+                    <a:pt x="950" y="0"/>
+                  </a:lnTo>
+                  <a:lnTo>
+                    <a:pt x="828" y="49"/>
+                  </a:lnTo>
+                  <a:lnTo>
+                    <a:pt x="682" y="122"/>
+                  </a:lnTo>
+                  <a:lnTo>
+                    <a:pt x="560" y="219"/>
+                  </a:lnTo>
+                  <a:lnTo>
+                    <a:pt x="560" y="219"/>
+                  </a:lnTo>
+                  <a:lnTo>
+                    <a:pt x="463" y="366"/>
+                  </a:lnTo>
+                  <a:lnTo>
+                    <a:pt x="341" y="609"/>
+                  </a:lnTo>
+                  <a:lnTo>
+                    <a:pt x="244" y="877"/>
+                  </a:lnTo>
+                  <a:lnTo>
+                    <a:pt x="171" y="1145"/>
+                  </a:lnTo>
+                  <a:lnTo>
+                    <a:pt x="25" y="1656"/>
+                  </a:lnTo>
+                  <a:lnTo>
+                    <a:pt x="0" y="1876"/>
+                  </a:lnTo>
+                  <a:lnTo>
+                    <a:pt x="0" y="1876"/>
+                  </a:lnTo>
+                  <a:lnTo>
+                    <a:pt x="195" y="1827"/>
+                  </a:lnTo>
+                  <a:lnTo>
+                    <a:pt x="707" y="1705"/>
+                  </a:lnTo>
+                  <a:lnTo>
+                    <a:pt x="999" y="1608"/>
+                  </a:lnTo>
+                  <a:lnTo>
+                    <a:pt x="1267" y="1510"/>
+                  </a:lnTo>
+                  <a:lnTo>
+                    <a:pt x="1486" y="1413"/>
+                  </a:lnTo>
+                  <a:lnTo>
+                    <a:pt x="1632" y="1291"/>
+                  </a:lnTo>
+                  <a:lnTo>
+                    <a:pt x="1632" y="1291"/>
+                  </a:lnTo>
+                  <a:lnTo>
+                    <a:pt x="1729" y="1169"/>
+                  </a:lnTo>
+                  <a:lnTo>
+                    <a:pt x="1802" y="1048"/>
+                  </a:lnTo>
+                  <a:lnTo>
+                    <a:pt x="1851" y="901"/>
+                  </a:lnTo>
+                  <a:lnTo>
+                    <a:pt x="1876" y="755"/>
+                  </a:lnTo>
+                  <a:lnTo>
+                    <a:pt x="1851" y="609"/>
+                  </a:lnTo>
+                  <a:lnTo>
+                    <a:pt x="1802" y="463"/>
+                  </a:lnTo>
+                  <a:lnTo>
+                    <a:pt x="1729" y="341"/>
+                  </a:lnTo>
+                  <a:lnTo>
+                    <a:pt x="1632" y="219"/>
+                  </a:lnTo>
+                  <a:lnTo>
+                    <a:pt x="1632" y="219"/>
+                  </a:lnTo>
+                  <a:close/>
+                </a:path>
+              </a:pathLst>
+            </a:custGeom>
+            <a:noFill/>
+            <a:ln cap="rnd" cmpd="sng" w="19050">
+              <a:solidFill>
+                <a:srgbClr val="FFFFFF"/>
+              </a:solidFill>
+              <a:prstDash val="solid"/>
+              <a:round/>
+              <a:headEnd len="med" w="med" type="none"/>
+              <a:tailEnd len="med" w="med" type="none"/>
+            </a:ln>
+          </p:spPr>
+          <p:txBody>
+            <a:bodyPr anchorCtr="0" anchor="ctr" bIns="91425" lIns="91425" rIns="91425" tIns="91425">
+              <a:noAutofit/>
+            </a:bodyPr>
+            <a:lstStyle/>
+            <a:p>
+              <a:pPr lvl="0">
+                <a:spcBef>
+                  <a:spcPts val="0"/>
+                </a:spcBef>
+                <a:buNone/>
+              </a:pPr>
+              <a:r>
+                <a:t/>
+              </a:r>
+              <a:endParaRPr/>
+            </a:p>
+          </p:txBody>
+        </p:sp>
+      </p:grpSp>
+      <p:sp>
+        <p:nvSpPr>
+          <p:cNvPr id="212" name="Shape 212"/>
+          <p:cNvSpPr txBox="1"/>
+          <p:nvPr>
+            <p:ph idx="1" type="body"/>
+          </p:nvPr>
+        </p:nvSpPr>
+        <p:spPr>
+          <a:xfrm>
+            <a:off x="2096525" y="1085100"/>
+            <a:ext cx="2310900" cy="1710300"/>
+          </a:xfrm>
+          <a:prstGeom prst="rect">
+            <a:avLst/>
+          </a:prstGeom>
+          <a:ln cap="flat" cmpd="sng" w="9525">
+            <a:solidFill>
+              <a:srgbClr val="FFFFFF"/>
+            </a:solidFill>
+            <a:prstDash val="solid"/>
+            <a:round/>
+            <a:headEnd len="med" w="med" type="none"/>
+            <a:tailEnd len="med" w="med" type="none"/>
+          </a:ln>
+        </p:spPr>
+        <p:txBody>
+          <a:bodyPr anchorCtr="0" anchor="t" bIns="91425" lIns="91425" rIns="91425" tIns="91425">
+            <a:noAutofit/>
+          </a:bodyPr>
+          <a:lstStyle/>
+          <a:p>
+            <a:pPr lvl="0">
+              <a:spcBef>
+                <a:spcPts val="0"/>
+              </a:spcBef>
+              <a:buNone/>
+            </a:pPr>
+            <a:r>
+              <a:rPr lang="en" sz="1800" u="sng"/>
+              <a:t>Property managers</a:t>
+            </a:r>
+          </a:p>
+          <a:p>
+            <a:pPr indent="-342900" lvl="0" marL="457200" rtl="0">
+              <a:spcBef>
+                <a:spcPts val="0"/>
+              </a:spcBef>
+              <a:spcAft>
+                <a:spcPts val="1000"/>
+              </a:spcAft>
+              <a:buSzPct val="100000"/>
+            </a:pPr>
+            <a:r>
+              <a:rPr lang="en" sz="1800"/>
+              <a:t>Validation</a:t>
+            </a:r>
+          </a:p>
+          <a:p>
+            <a:pPr indent="-342900" lvl="0" marL="457200">
+              <a:spcBef>
+                <a:spcPts val="0"/>
+              </a:spcBef>
+              <a:spcAft>
+                <a:spcPts val="1000"/>
+              </a:spcAft>
+              <a:buSzPct val="100000"/>
+            </a:pPr>
+            <a:r>
+              <a:rPr lang="en" sz="1800"/>
+              <a:t>Responding</a:t>
+            </a:r>
+          </a:p>
+        </p:txBody>
+      </p:sp>
+      <p:sp>
+        <p:nvSpPr>
+          <p:cNvPr id="213" name="Shape 213"/>
+          <p:cNvSpPr txBox="1"/>
+          <p:nvPr>
+            <p:ph idx="2" type="body"/>
+          </p:nvPr>
+        </p:nvSpPr>
+        <p:spPr>
+          <a:xfrm>
+            <a:off x="4529200" y="1085100"/>
+            <a:ext cx="1955100" cy="1710300"/>
+          </a:xfrm>
+          <a:prstGeom prst="rect">
+            <a:avLst/>
+          </a:prstGeom>
+          <a:ln cap="flat" cmpd="sng" w="9525">
+            <a:solidFill>
+              <a:srgbClr val="FFFFFF"/>
+            </a:solidFill>
+            <a:prstDash val="solid"/>
+            <a:round/>
+            <a:headEnd len="med" w="med" type="none"/>
+            <a:tailEnd len="med" w="med" type="none"/>
+          </a:ln>
+        </p:spPr>
+        <p:txBody>
+          <a:bodyPr anchorCtr="0" anchor="t" bIns="91425" lIns="91425" rIns="91425" tIns="91425">
+            <a:noAutofit/>
+          </a:bodyPr>
+          <a:lstStyle/>
+          <a:p>
+            <a:pPr lvl="0">
+              <a:spcBef>
+                <a:spcPts val="0"/>
+              </a:spcBef>
+              <a:buNone/>
+            </a:pPr>
+            <a:r>
+              <a:rPr lang="en" sz="1800" u="sng"/>
+              <a:t>Administration</a:t>
+            </a:r>
+          </a:p>
+          <a:p>
+            <a:pPr indent="-342900" lvl="0" marL="457200" rtl="0">
+              <a:spcBef>
+                <a:spcPts val="0"/>
+              </a:spcBef>
+              <a:spcAft>
+                <a:spcPts val="1000"/>
+              </a:spcAft>
+              <a:buSzPct val="100000"/>
+            </a:pPr>
+            <a:r>
+              <a:rPr lang="en" sz="1800"/>
+              <a:t>Automation</a:t>
+            </a:r>
+          </a:p>
+          <a:p>
+            <a:pPr indent="-342900" lvl="0" marL="457200">
+              <a:spcBef>
+                <a:spcPts val="0"/>
+              </a:spcBef>
+              <a:spcAft>
+                <a:spcPts val="1000"/>
+              </a:spcAft>
+              <a:buSzPct val="100000"/>
+            </a:pPr>
+            <a:r>
+              <a:rPr lang="en" sz="1800"/>
+              <a:t>Workflows</a:t>
+            </a:r>
+          </a:p>
+        </p:txBody>
+      </p:sp>
+      <p:sp>
+        <p:nvSpPr>
+          <p:cNvPr id="214" name="Shape 214"/>
+          <p:cNvSpPr txBox="1"/>
+          <p:nvPr>
+            <p:ph idx="3" type="body"/>
+          </p:nvPr>
+        </p:nvSpPr>
+        <p:spPr>
+          <a:xfrm>
+            <a:off x="6577850" y="1085100"/>
+            <a:ext cx="2154600" cy="1710300"/>
+          </a:xfrm>
+          <a:prstGeom prst="rect">
+            <a:avLst/>
+          </a:prstGeom>
+          <a:ln cap="flat" cmpd="sng" w="9525">
+            <a:solidFill>
+              <a:srgbClr val="FFFFFF"/>
+            </a:solidFill>
+            <a:prstDash val="solid"/>
+            <a:round/>
+            <a:headEnd len="med" w="med" type="none"/>
+            <a:tailEnd len="med" w="med" type="none"/>
+          </a:ln>
+        </p:spPr>
+        <p:txBody>
+          <a:bodyPr anchorCtr="0" anchor="t" bIns="91425" lIns="91425" rIns="91425" tIns="91425">
+            <a:noAutofit/>
+          </a:bodyPr>
+          <a:lstStyle/>
+          <a:p>
+            <a:pPr lvl="0">
+              <a:spcBef>
+                <a:spcPts val="0"/>
+              </a:spcBef>
+              <a:buNone/>
+            </a:pPr>
+            <a:r>
+              <a:rPr lang="en" sz="1800" u="sng"/>
+              <a:t>Platform</a:t>
+            </a:r>
+          </a:p>
+          <a:p>
+            <a:pPr indent="-342900" lvl="0" marL="457200" rtl="0">
+              <a:spcBef>
+                <a:spcPts val="0"/>
+              </a:spcBef>
+              <a:spcAft>
+                <a:spcPts val="1000"/>
+              </a:spcAft>
+              <a:buSzPct val="100000"/>
+            </a:pPr>
+            <a:r>
+              <a:rPr lang="en" sz="1800"/>
+              <a:t>Hosting</a:t>
+            </a:r>
+          </a:p>
+          <a:p>
+            <a:pPr indent="-342900" lvl="0" marL="457200">
+              <a:spcBef>
+                <a:spcPts val="0"/>
+              </a:spcBef>
+              <a:spcAft>
+                <a:spcPts val="1000"/>
+              </a:spcAft>
+              <a:buSzPct val="100000"/>
+            </a:pPr>
+            <a:r>
+              <a:rPr lang="en" sz="1800"/>
+              <a:t>Development system</a:t>
+            </a:r>
+          </a:p>
+        </p:txBody>
+      </p:sp>
+      <p:sp>
+        <p:nvSpPr>
+          <p:cNvPr id="215" name="Shape 215"/>
+          <p:cNvSpPr txBox="1"/>
+          <p:nvPr>
+            <p:ph idx="12" type="sldNum"/>
+          </p:nvPr>
+        </p:nvSpPr>
+        <p:spPr>
+          <a:xfrm>
+            <a:off x="457200" y="4189182"/>
+            <a:ext cx="548700" cy="544500"/>
+          </a:xfrm>
+          <a:prstGeom prst="rect">
+            <a:avLst/>
+          </a:prstGeom>
+        </p:spPr>
+        <p:txBody>
+          <a:bodyPr anchorCtr="0" anchor="b" bIns="91425" lIns="91425" rIns="91425" tIns="91425">
+            <a:noAutofit/>
+          </a:bodyPr>
+          <a:lstStyle/>
+          <a:p>
+            <a:pPr lvl="0">
+              <a:spcBef>
+                <a:spcPts val="0"/>
+              </a:spcBef>
+              <a:buNone/>
+            </a:pPr>
+            <a:fld id="{00000000-1234-1234-1234-123412341234}" type="slidenum">
+              <a:rPr lang="en"/>
+              <a:t>‹#›</a:t>
+            </a:fld>
+          </a:p>
+        </p:txBody>
+      </p:sp>
+    </p:spTree>
+  </p:cSld>
+  <p:clrMapOvr>
+    <a:masterClrMapping/>
+  </p:clrMapOvr>
+</p:sld>
+</file>
+
+<file path=ppt/slides/slide9.xml><?xml version="1.0" encoding="utf-8"?>
+<p:sld xmlns:a="http://schemas.openxmlformats.org/drawingml/2006/main" xmlns:r="http://schemas.openxmlformats.org/officeDocument/2006/relationships" xmlns:mc="http://schemas.openxmlformats.org/markup-compatibility/2006" xmlns:mv="urn:schemas-microsoft-com:mac:vml" xmlns:p="http://schemas.openxmlformats.org/presentationml/2006/main" xmlns:c="http://schemas.openxmlformats.org/drawingml/2006/chart" xmlns:dgm="http://schemas.openxmlformats.org/drawingml/2006/diagram" xmlns:o="urn:schemas-microsoft-com:office:office" xmlns:v="urn:schemas-microsoft-com:vml" xmlns:pvml="urn:schemas-microsoft-com:office:powerpoint" xmlns:com="http://schemas.openxmlformats.org/drawingml/2006/compatibility" xmlns:p14="http://schemas.microsoft.com/office/powerpoint/2010/main">
+  <p:cSld>
+    <p:spTree>
+      <p:nvGrpSpPr>
+        <p:cNvPr id="219" name="Shape 219"/>
+        <p:cNvGrpSpPr/>
+        <p:nvPr/>
+      </p:nvGrpSpPr>
+      <p:grpSpPr>
+        <a:xfrm>
+          <a:off x="0" y="0"/>
+          <a:ext cx="0" cy="0"/>
+          <a:chOff x="0" y="0"/>
+          <a:chExt cx="0" cy="0"/>
+        </a:xfrm>
+      </p:grpSpPr>
+      <p:sp>
+        <p:nvSpPr>
+          <p:cNvPr id="220" name="Shape 220"/>
+          <p:cNvSpPr txBox="1"/>
+          <p:nvPr>
+            <p:ph idx="12" type="sldNum"/>
+          </p:nvPr>
+        </p:nvSpPr>
+        <p:spPr>
+          <a:xfrm>
+            <a:off x="457200" y="4189182"/>
+            <a:ext cx="548700" cy="544500"/>
+          </a:xfrm>
+          <a:prstGeom prst="rect">
+            <a:avLst/>
+          </a:prstGeom>
+        </p:spPr>
+        <p:txBody>
+          <a:bodyPr anchorCtr="0" anchor="b" bIns="91425" lIns="91425" rIns="91425" tIns="91425">
+            <a:noAutofit/>
+          </a:bodyPr>
+          <a:lstStyle/>
+          <a:p>
+            <a:pPr lvl="0" rtl="0">
+              <a:spcBef>
+                <a:spcPts val="0"/>
+              </a:spcBef>
+              <a:buNone/>
+            </a:pPr>
+            <a:fld id="{00000000-1234-1234-1234-123412341234}" type="slidenum">
+              <a:rPr lang="en">
+                <a:latin typeface="Raleway"/>
+                <a:ea typeface="Raleway"/>
+                <a:cs typeface="Raleway"/>
+                <a:sym typeface="Raleway"/>
+              </a:rPr>
+              <a:t>‹#›</a:t>
+            </a:fld>
+          </a:p>
+        </p:txBody>
+      </p:sp>
+      <p:sp>
+        <p:nvSpPr>
+          <p:cNvPr id="221" name="Shape 221"/>
+          <p:cNvSpPr txBox="1"/>
+          <p:nvPr>
+            <p:ph type="title"/>
+          </p:nvPr>
+        </p:nvSpPr>
+        <p:spPr>
+          <a:xfrm>
+            <a:off x="457200" y="1146025"/>
+            <a:ext cx="2154600" cy="816300"/>
+          </a:xfrm>
+          <a:prstGeom prst="rect">
+            <a:avLst/>
+          </a:prstGeom>
+        </p:spPr>
+        <p:txBody>
+          <a:bodyPr anchorCtr="0" anchor="t" bIns="91425" lIns="91425" rIns="91425" tIns="91425">
+            <a:noAutofit/>
+          </a:bodyPr>
+          <a:lstStyle/>
+          <a:p>
+            <a:pPr lvl="0" rtl="0">
+              <a:spcBef>
+                <a:spcPts val="0"/>
+              </a:spcBef>
+              <a:buNone/>
+            </a:pPr>
+            <a:r>
+              <a:rPr lang="en" sz="3600"/>
+              <a:t>THANKS</a:t>
+            </a:r>
+          </a:p>
+        </p:txBody>
+      </p:sp>
+      <p:sp>
+        <p:nvSpPr>
+          <p:cNvPr id="222" name="Shape 222"/>
+          <p:cNvSpPr txBox="1"/>
+          <p:nvPr>
+            <p:ph idx="1" type="body"/>
+          </p:nvPr>
+        </p:nvSpPr>
+        <p:spPr>
+          <a:xfrm>
+            <a:off x="2961550" y="2521300"/>
+            <a:ext cx="5502900" cy="2172300"/>
+          </a:xfrm>
+          <a:prstGeom prst="rect">
+            <a:avLst/>
+          </a:prstGeom>
+        </p:spPr>
+        <p:txBody>
+          <a:bodyPr anchorCtr="0" anchor="t" bIns="91425" lIns="91425" rIns="91425" tIns="91425">
+            <a:noAutofit/>
+          </a:bodyPr>
+          <a:lstStyle/>
+          <a:p>
+            <a:pPr lvl="0" rtl="0">
+              <a:spcBef>
+                <a:spcPts val="0"/>
+              </a:spcBef>
+              <a:buNone/>
+            </a:pPr>
+            <a:r>
+              <a:rPr b="1" lang="en" sz="3600"/>
+              <a:t>Any questions?</a:t>
+            </a:r>
+          </a:p>
+        </p:txBody>
+      </p:sp>
+      <p:grpSp>
+        <p:nvGrpSpPr>
+          <p:cNvPr id="223" name="Shape 223"/>
+          <p:cNvGrpSpPr/>
+          <p:nvPr/>
+        </p:nvGrpSpPr>
+        <p:grpSpPr>
+          <a:xfrm>
+            <a:off x="575020" y="628245"/>
+            <a:ext cx="313060" cy="319622"/>
+            <a:chOff x="3951850" y="2985350"/>
+            <a:chExt cx="407950" cy="416500"/>
+          </a:xfrm>
+        </p:grpSpPr>
+        <p:sp>
+          <p:nvSpPr>
+            <p:cNvPr id="224" name="Shape 224"/>
+            <p:cNvSpPr/>
+            <p:nvPr/>
+          </p:nvSpPr>
+          <p:spPr>
+            <a:xfrm>
+              <a:off x="3951850" y="2985350"/>
+              <a:ext cx="314800" cy="314825"/>
+            </a:xfrm>
+            <a:custGeom>
+              <a:pathLst>
+                <a:path extrusionOk="0" fill="none" h="12593" w="12592">
+                  <a:moveTo>
+                    <a:pt x="6284" y="1"/>
+                  </a:moveTo>
+                  <a:lnTo>
+                    <a:pt x="6284" y="1"/>
+                  </a:lnTo>
+                  <a:lnTo>
+                    <a:pt x="5967" y="25"/>
+                  </a:lnTo>
+                  <a:lnTo>
+                    <a:pt x="5651" y="49"/>
+                  </a:lnTo>
+                  <a:lnTo>
+                    <a:pt x="5334" y="74"/>
+                  </a:lnTo>
+                  <a:lnTo>
+                    <a:pt x="5017" y="147"/>
+                  </a:lnTo>
+                  <a:lnTo>
+                    <a:pt x="4725" y="220"/>
+                  </a:lnTo>
+                  <a:lnTo>
+                    <a:pt x="4433" y="293"/>
+                  </a:lnTo>
+                  <a:lnTo>
+                    <a:pt x="4141" y="390"/>
+                  </a:lnTo>
+                  <a:lnTo>
+                    <a:pt x="3848" y="512"/>
+                  </a:lnTo>
+                  <a:lnTo>
+                    <a:pt x="3556" y="634"/>
+                  </a:lnTo>
+                  <a:lnTo>
+                    <a:pt x="3288" y="780"/>
+                  </a:lnTo>
+                  <a:lnTo>
+                    <a:pt x="3020" y="926"/>
+                  </a:lnTo>
+                  <a:lnTo>
+                    <a:pt x="2777" y="1072"/>
+                  </a:lnTo>
+                  <a:lnTo>
+                    <a:pt x="2290" y="1437"/>
+                  </a:lnTo>
+                  <a:lnTo>
+                    <a:pt x="1851" y="1852"/>
+                  </a:lnTo>
+                  <a:lnTo>
+                    <a:pt x="1437" y="2290"/>
+                  </a:lnTo>
+                  <a:lnTo>
+                    <a:pt x="1072" y="2777"/>
+                  </a:lnTo>
+                  <a:lnTo>
+                    <a:pt x="901" y="3045"/>
+                  </a:lnTo>
+                  <a:lnTo>
+                    <a:pt x="755" y="3313"/>
+                  </a:lnTo>
+                  <a:lnTo>
+                    <a:pt x="609" y="3581"/>
+                  </a:lnTo>
+                  <a:lnTo>
+                    <a:pt x="487" y="3849"/>
+                  </a:lnTo>
+                  <a:lnTo>
+                    <a:pt x="390" y="4141"/>
+                  </a:lnTo>
+                  <a:lnTo>
+                    <a:pt x="292" y="4433"/>
+                  </a:lnTo>
+                  <a:lnTo>
+                    <a:pt x="195" y="4725"/>
+                  </a:lnTo>
+                  <a:lnTo>
+                    <a:pt x="122" y="5042"/>
+                  </a:lnTo>
+                  <a:lnTo>
+                    <a:pt x="73" y="5334"/>
+                  </a:lnTo>
+                  <a:lnTo>
+                    <a:pt x="25" y="5651"/>
+                  </a:lnTo>
+                  <a:lnTo>
+                    <a:pt x="0" y="5968"/>
+                  </a:lnTo>
+                  <a:lnTo>
+                    <a:pt x="0" y="6308"/>
+                  </a:lnTo>
+                  <a:lnTo>
+                    <a:pt x="0" y="6308"/>
+                  </a:lnTo>
+                  <a:lnTo>
+                    <a:pt x="0" y="6625"/>
+                  </a:lnTo>
+                  <a:lnTo>
+                    <a:pt x="25" y="6942"/>
+                  </a:lnTo>
+                  <a:lnTo>
+                    <a:pt x="73" y="7258"/>
+                  </a:lnTo>
+                  <a:lnTo>
+                    <a:pt x="122" y="7575"/>
+                  </a:lnTo>
+                  <a:lnTo>
+                    <a:pt x="195" y="7867"/>
+                  </a:lnTo>
+                  <a:lnTo>
+                    <a:pt x="292" y="8184"/>
+                  </a:lnTo>
+                  <a:lnTo>
+                    <a:pt x="390" y="8476"/>
+                  </a:lnTo>
+                  <a:lnTo>
+                    <a:pt x="487" y="8744"/>
+                  </a:lnTo>
+                  <a:lnTo>
+                    <a:pt x="609" y="9036"/>
+                  </a:lnTo>
+                  <a:lnTo>
+                    <a:pt x="755" y="9304"/>
+                  </a:lnTo>
+                  <a:lnTo>
+                    <a:pt x="901" y="9572"/>
+                  </a:lnTo>
+                  <a:lnTo>
+                    <a:pt x="1072" y="9816"/>
+                  </a:lnTo>
+                  <a:lnTo>
+                    <a:pt x="1437" y="10303"/>
+                  </a:lnTo>
+                  <a:lnTo>
+                    <a:pt x="1851" y="10741"/>
+                  </a:lnTo>
+                  <a:lnTo>
+                    <a:pt x="2290" y="11155"/>
+                  </a:lnTo>
+                  <a:lnTo>
+                    <a:pt x="2777" y="11520"/>
+                  </a:lnTo>
+                  <a:lnTo>
+                    <a:pt x="3020" y="11691"/>
+                  </a:lnTo>
+                  <a:lnTo>
+                    <a:pt x="3288" y="11837"/>
+                  </a:lnTo>
+                  <a:lnTo>
+                    <a:pt x="3556" y="11983"/>
+                  </a:lnTo>
+                  <a:lnTo>
+                    <a:pt x="3848" y="12105"/>
+                  </a:lnTo>
+                  <a:lnTo>
+                    <a:pt x="4141" y="12202"/>
+                  </a:lnTo>
+                  <a:lnTo>
+                    <a:pt x="4433" y="12300"/>
+                  </a:lnTo>
+                  <a:lnTo>
+                    <a:pt x="4725" y="12397"/>
+                  </a:lnTo>
+                  <a:lnTo>
+                    <a:pt x="5017" y="12470"/>
+                  </a:lnTo>
+                  <a:lnTo>
+                    <a:pt x="5334" y="12519"/>
+                  </a:lnTo>
+                  <a:lnTo>
+                    <a:pt x="5651" y="12568"/>
+                  </a:lnTo>
+                  <a:lnTo>
+                    <a:pt x="5967" y="12592"/>
+                  </a:lnTo>
+                  <a:lnTo>
+                    <a:pt x="6284" y="12592"/>
+                  </a:lnTo>
+                  <a:lnTo>
+                    <a:pt x="6284" y="12592"/>
+                  </a:lnTo>
+                  <a:lnTo>
+                    <a:pt x="6625" y="12592"/>
+                  </a:lnTo>
+                  <a:lnTo>
+                    <a:pt x="6941" y="12568"/>
+                  </a:lnTo>
+                  <a:lnTo>
+                    <a:pt x="7258" y="12519"/>
+                  </a:lnTo>
+                  <a:lnTo>
+                    <a:pt x="7550" y="12470"/>
+                  </a:lnTo>
+                  <a:lnTo>
+                    <a:pt x="7867" y="12397"/>
+                  </a:lnTo>
+                  <a:lnTo>
+                    <a:pt x="8159" y="12300"/>
+                  </a:lnTo>
+                  <a:lnTo>
+                    <a:pt x="8451" y="12202"/>
+                  </a:lnTo>
+                  <a:lnTo>
+                    <a:pt x="8744" y="12105"/>
+                  </a:lnTo>
+                  <a:lnTo>
+                    <a:pt x="9012" y="11983"/>
+                  </a:lnTo>
+                  <a:lnTo>
+                    <a:pt x="9279" y="11837"/>
+                  </a:lnTo>
+                  <a:lnTo>
+                    <a:pt x="9547" y="11691"/>
+                  </a:lnTo>
+                  <a:lnTo>
+                    <a:pt x="9815" y="11520"/>
+                  </a:lnTo>
+                  <a:lnTo>
+                    <a:pt x="10302" y="11155"/>
+                  </a:lnTo>
+                  <a:lnTo>
+                    <a:pt x="10741" y="10741"/>
+                  </a:lnTo>
+                  <a:lnTo>
+                    <a:pt x="11155" y="10303"/>
+                  </a:lnTo>
+                  <a:lnTo>
+                    <a:pt x="11520" y="9816"/>
+                  </a:lnTo>
+                  <a:lnTo>
+                    <a:pt x="11666" y="9572"/>
+                  </a:lnTo>
+                  <a:lnTo>
+                    <a:pt x="11812" y="9304"/>
+                  </a:lnTo>
+                  <a:lnTo>
+                    <a:pt x="11958" y="9036"/>
+                  </a:lnTo>
+                  <a:lnTo>
+                    <a:pt x="12080" y="8744"/>
+                  </a:lnTo>
+                  <a:lnTo>
+                    <a:pt x="12202" y="8476"/>
+                  </a:lnTo>
+                  <a:lnTo>
+                    <a:pt x="12299" y="8184"/>
+                  </a:lnTo>
+                  <a:lnTo>
+                    <a:pt x="12397" y="7867"/>
+                  </a:lnTo>
+                  <a:lnTo>
+                    <a:pt x="12446" y="7575"/>
+                  </a:lnTo>
+                  <a:lnTo>
+                    <a:pt x="12519" y="7258"/>
+                  </a:lnTo>
+                  <a:lnTo>
+                    <a:pt x="12543" y="6942"/>
+                  </a:lnTo>
+                  <a:lnTo>
+                    <a:pt x="12567" y="6625"/>
+                  </a:lnTo>
+                  <a:lnTo>
+                    <a:pt x="12592" y="6308"/>
+                  </a:lnTo>
+                  <a:lnTo>
+                    <a:pt x="12592" y="6308"/>
+                  </a:lnTo>
+                  <a:lnTo>
+                    <a:pt x="12567" y="5968"/>
+                  </a:lnTo>
+                  <a:lnTo>
+                    <a:pt x="12543" y="5651"/>
+                  </a:lnTo>
+                  <a:lnTo>
+                    <a:pt x="12519" y="5334"/>
+                  </a:lnTo>
+                  <a:lnTo>
+                    <a:pt x="12446" y="5042"/>
+                  </a:lnTo>
+                  <a:lnTo>
+                    <a:pt x="12397" y="4725"/>
+                  </a:lnTo>
+                  <a:lnTo>
+                    <a:pt x="12299" y="4433"/>
+                  </a:lnTo>
+                  <a:lnTo>
+                    <a:pt x="12202" y="4141"/>
+                  </a:lnTo>
+                  <a:lnTo>
+                    <a:pt x="12080" y="3849"/>
+                  </a:lnTo>
+                  <a:lnTo>
+                    <a:pt x="11958" y="3581"/>
+                  </a:lnTo>
+                  <a:lnTo>
+                    <a:pt x="11812" y="3313"/>
+                  </a:lnTo>
+                  <a:lnTo>
+                    <a:pt x="11666" y="3045"/>
+                  </a:lnTo>
+                  <a:lnTo>
+                    <a:pt x="11520" y="2777"/>
+                  </a:lnTo>
+                  <a:lnTo>
+                    <a:pt x="11155" y="2290"/>
+                  </a:lnTo>
+                  <a:lnTo>
+                    <a:pt x="10741" y="1852"/>
+                  </a:lnTo>
+                  <a:lnTo>
+                    <a:pt x="10302" y="1437"/>
+                  </a:lnTo>
+                  <a:lnTo>
+                    <a:pt x="9815" y="1072"/>
+                  </a:lnTo>
+                  <a:lnTo>
+                    <a:pt x="9547" y="926"/>
+                  </a:lnTo>
+                  <a:lnTo>
+                    <a:pt x="9279" y="780"/>
+                  </a:lnTo>
+                  <a:lnTo>
+                    <a:pt x="9012" y="634"/>
+                  </a:lnTo>
+                  <a:lnTo>
+                    <a:pt x="8744" y="512"/>
+                  </a:lnTo>
+                  <a:lnTo>
+                    <a:pt x="8451" y="390"/>
+                  </a:lnTo>
+                  <a:lnTo>
+                    <a:pt x="8159" y="293"/>
+                  </a:lnTo>
+                  <a:lnTo>
+                    <a:pt x="7867" y="220"/>
+                  </a:lnTo>
+                  <a:lnTo>
+                    <a:pt x="7550" y="147"/>
+                  </a:lnTo>
+                  <a:lnTo>
+                    <a:pt x="7258" y="74"/>
+                  </a:lnTo>
+                  <a:lnTo>
+                    <a:pt x="6941" y="49"/>
+                  </a:lnTo>
+                  <a:lnTo>
+                    <a:pt x="6625" y="25"/>
+                  </a:lnTo>
+                  <a:lnTo>
+                    <a:pt x="6284" y="1"/>
+                  </a:lnTo>
+                  <a:lnTo>
+                    <a:pt x="6284" y="1"/>
+                  </a:lnTo>
+                  <a:close/>
                 </a:path>
               </a:pathLst>
             </a:custGeom>
@@ -17796,7 +20139,365 @@
         </p:sp>
         <p:sp>
           <p:nvSpPr>
-            <p:cNvPr id="202" name="Shape 202"/>
+            <p:cNvPr id="225" name="Shape 225"/>
+            <p:cNvSpPr/>
+            <p:nvPr/>
+          </p:nvSpPr>
+          <p:spPr>
+            <a:xfrm>
+              <a:off x="3988375" y="3021875"/>
+              <a:ext cx="241750" cy="241750"/>
+            </a:xfrm>
+            <a:custGeom>
+              <a:pathLst>
+                <a:path extrusionOk="0" fill="none" h="9670" w="9670">
+                  <a:moveTo>
+                    <a:pt x="4823" y="1"/>
+                  </a:moveTo>
+                  <a:lnTo>
+                    <a:pt x="4823" y="1"/>
+                  </a:lnTo>
+                  <a:lnTo>
+                    <a:pt x="4336" y="25"/>
+                  </a:lnTo>
+                  <a:lnTo>
+                    <a:pt x="3849" y="98"/>
+                  </a:lnTo>
+                  <a:lnTo>
+                    <a:pt x="3386" y="220"/>
+                  </a:lnTo>
+                  <a:lnTo>
+                    <a:pt x="2947" y="391"/>
+                  </a:lnTo>
+                  <a:lnTo>
+                    <a:pt x="2533" y="585"/>
+                  </a:lnTo>
+                  <a:lnTo>
+                    <a:pt x="2144" y="829"/>
+                  </a:lnTo>
+                  <a:lnTo>
+                    <a:pt x="1754" y="1121"/>
+                  </a:lnTo>
+                  <a:lnTo>
+                    <a:pt x="1413" y="1438"/>
+                  </a:lnTo>
+                  <a:lnTo>
+                    <a:pt x="1096" y="1779"/>
+                  </a:lnTo>
+                  <a:lnTo>
+                    <a:pt x="829" y="2144"/>
+                  </a:lnTo>
+                  <a:lnTo>
+                    <a:pt x="585" y="2534"/>
+                  </a:lnTo>
+                  <a:lnTo>
+                    <a:pt x="390" y="2972"/>
+                  </a:lnTo>
+                  <a:lnTo>
+                    <a:pt x="220" y="3411"/>
+                  </a:lnTo>
+                  <a:lnTo>
+                    <a:pt x="98" y="3873"/>
+                  </a:lnTo>
+                  <a:lnTo>
+                    <a:pt x="25" y="4336"/>
+                  </a:lnTo>
+                  <a:lnTo>
+                    <a:pt x="1" y="4847"/>
+                  </a:lnTo>
+                  <a:lnTo>
+                    <a:pt x="1" y="4847"/>
+                  </a:lnTo>
+                  <a:lnTo>
+                    <a:pt x="25" y="5335"/>
+                  </a:lnTo>
+                  <a:lnTo>
+                    <a:pt x="98" y="5822"/>
+                  </a:lnTo>
+                  <a:lnTo>
+                    <a:pt x="220" y="6284"/>
+                  </a:lnTo>
+                  <a:lnTo>
+                    <a:pt x="390" y="6723"/>
+                  </a:lnTo>
+                  <a:lnTo>
+                    <a:pt x="585" y="7137"/>
+                  </a:lnTo>
+                  <a:lnTo>
+                    <a:pt x="829" y="7527"/>
+                  </a:lnTo>
+                  <a:lnTo>
+                    <a:pt x="1096" y="7916"/>
+                  </a:lnTo>
+                  <a:lnTo>
+                    <a:pt x="1413" y="8257"/>
+                  </a:lnTo>
+                  <a:lnTo>
+                    <a:pt x="1754" y="8574"/>
+                  </a:lnTo>
+                  <a:lnTo>
+                    <a:pt x="2144" y="8842"/>
+                  </a:lnTo>
+                  <a:lnTo>
+                    <a:pt x="2533" y="9085"/>
+                  </a:lnTo>
+                  <a:lnTo>
+                    <a:pt x="2947" y="9280"/>
+                  </a:lnTo>
+                  <a:lnTo>
+                    <a:pt x="3386" y="9451"/>
+                  </a:lnTo>
+                  <a:lnTo>
+                    <a:pt x="3849" y="9572"/>
+                  </a:lnTo>
+                  <a:lnTo>
+                    <a:pt x="4336" y="9645"/>
+                  </a:lnTo>
+                  <a:lnTo>
+                    <a:pt x="4823" y="9670"/>
+                  </a:lnTo>
+                  <a:lnTo>
+                    <a:pt x="4823" y="9670"/>
+                  </a:lnTo>
+                  <a:lnTo>
+                    <a:pt x="5334" y="9645"/>
+                  </a:lnTo>
+                  <a:lnTo>
+                    <a:pt x="5797" y="9572"/>
+                  </a:lnTo>
+                  <a:lnTo>
+                    <a:pt x="6260" y="9451"/>
+                  </a:lnTo>
+                  <a:lnTo>
+                    <a:pt x="6698" y="9280"/>
+                  </a:lnTo>
+                  <a:lnTo>
+                    <a:pt x="7136" y="9085"/>
+                  </a:lnTo>
+                  <a:lnTo>
+                    <a:pt x="7526" y="8842"/>
+                  </a:lnTo>
+                  <a:lnTo>
+                    <a:pt x="7892" y="8574"/>
+                  </a:lnTo>
+                  <a:lnTo>
+                    <a:pt x="8232" y="8257"/>
+                  </a:lnTo>
+                  <a:lnTo>
+                    <a:pt x="8549" y="7916"/>
+                  </a:lnTo>
+                  <a:lnTo>
+                    <a:pt x="8841" y="7527"/>
+                  </a:lnTo>
+                  <a:lnTo>
+                    <a:pt x="9085" y="7137"/>
+                  </a:lnTo>
+                  <a:lnTo>
+                    <a:pt x="9280" y="6723"/>
+                  </a:lnTo>
+                  <a:lnTo>
+                    <a:pt x="9450" y="6284"/>
+                  </a:lnTo>
+                  <a:lnTo>
+                    <a:pt x="9572" y="5822"/>
+                  </a:lnTo>
+                  <a:lnTo>
+                    <a:pt x="9645" y="5335"/>
+                  </a:lnTo>
+                  <a:lnTo>
+                    <a:pt x="9669" y="4847"/>
+                  </a:lnTo>
+                  <a:lnTo>
+                    <a:pt x="9669" y="4847"/>
+                  </a:lnTo>
+                  <a:lnTo>
+                    <a:pt x="9645" y="4336"/>
+                  </a:lnTo>
+                  <a:lnTo>
+                    <a:pt x="9572" y="3873"/>
+                  </a:lnTo>
+                  <a:lnTo>
+                    <a:pt x="9450" y="3411"/>
+                  </a:lnTo>
+                  <a:lnTo>
+                    <a:pt x="9280" y="2972"/>
+                  </a:lnTo>
+                  <a:lnTo>
+                    <a:pt x="9085" y="2534"/>
+                  </a:lnTo>
+                  <a:lnTo>
+                    <a:pt x="8841" y="2144"/>
+                  </a:lnTo>
+                  <a:lnTo>
+                    <a:pt x="8549" y="1779"/>
+                  </a:lnTo>
+                  <a:lnTo>
+                    <a:pt x="8232" y="1438"/>
+                  </a:lnTo>
+                  <a:lnTo>
+                    <a:pt x="7892" y="1121"/>
+                  </a:lnTo>
+                  <a:lnTo>
+                    <a:pt x="7526" y="829"/>
+                  </a:lnTo>
+                  <a:lnTo>
+                    <a:pt x="7136" y="585"/>
+                  </a:lnTo>
+                  <a:lnTo>
+                    <a:pt x="6698" y="391"/>
+                  </a:lnTo>
+                  <a:lnTo>
+                    <a:pt x="6260" y="220"/>
+                  </a:lnTo>
+                  <a:lnTo>
+                    <a:pt x="5797" y="98"/>
+                  </a:lnTo>
+                  <a:lnTo>
+                    <a:pt x="5334" y="25"/>
+                  </a:lnTo>
+                  <a:lnTo>
+                    <a:pt x="4823" y="1"/>
+                  </a:lnTo>
+                  <a:lnTo>
+                    <a:pt x="4823" y="1"/>
+                  </a:lnTo>
+                </a:path>
+              </a:pathLst>
+            </a:custGeom>
+            <a:noFill/>
+            <a:ln cap="rnd" cmpd="sng" w="12175">
+              <a:solidFill>
+                <a:srgbClr val="FFFFFF"/>
+              </a:solidFill>
+              <a:prstDash val="solid"/>
+              <a:round/>
+              <a:headEnd len="med" w="med" type="none"/>
+              <a:tailEnd len="med" w="med" type="none"/>
+            </a:ln>
+          </p:spPr>
+          <p:txBody>
+            <a:bodyPr anchorCtr="0" anchor="ctr" bIns="91425" lIns="91425" rIns="91425" tIns="91425">
+              <a:noAutofit/>
+            </a:bodyPr>
+            <a:lstStyle/>
+            <a:p>
+              <a:pPr lvl="0">
+                <a:spcBef>
+                  <a:spcPts val="0"/>
+                </a:spcBef>
+                <a:buNone/>
+              </a:pPr>
+              <a:r>
+                <a:t/>
+              </a:r>
+              <a:endParaRPr/>
+            </a:p>
+          </p:txBody>
+        </p:sp>
+        <p:sp>
+          <p:nvSpPr>
+            <p:cNvPr id="226" name="Shape 226"/>
+            <p:cNvSpPr/>
+            <p:nvPr/>
+          </p:nvSpPr>
+          <p:spPr>
+            <a:xfrm>
+              <a:off x="4024300" y="3058425"/>
+              <a:ext cx="84650" cy="84650"/>
+            </a:xfrm>
+            <a:custGeom>
+              <a:pathLst>
+                <a:path extrusionOk="0" fill="none" h="3386" w="3386">
+                  <a:moveTo>
+                    <a:pt x="0" y="3385"/>
+                  </a:moveTo>
+                  <a:lnTo>
+                    <a:pt x="0" y="3385"/>
+                  </a:lnTo>
+                  <a:lnTo>
+                    <a:pt x="25" y="3020"/>
+                  </a:lnTo>
+                  <a:lnTo>
+                    <a:pt x="74" y="2704"/>
+                  </a:lnTo>
+                  <a:lnTo>
+                    <a:pt x="147" y="2363"/>
+                  </a:lnTo>
+                  <a:lnTo>
+                    <a:pt x="268" y="2070"/>
+                  </a:lnTo>
+                  <a:lnTo>
+                    <a:pt x="414" y="1754"/>
+                  </a:lnTo>
+                  <a:lnTo>
+                    <a:pt x="585" y="1486"/>
+                  </a:lnTo>
+                  <a:lnTo>
+                    <a:pt x="780" y="1218"/>
+                  </a:lnTo>
+                  <a:lnTo>
+                    <a:pt x="999" y="974"/>
+                  </a:lnTo>
+                  <a:lnTo>
+                    <a:pt x="1243" y="755"/>
+                  </a:lnTo>
+                  <a:lnTo>
+                    <a:pt x="1510" y="560"/>
+                  </a:lnTo>
+                  <a:lnTo>
+                    <a:pt x="1778" y="390"/>
+                  </a:lnTo>
+                  <a:lnTo>
+                    <a:pt x="2071" y="244"/>
+                  </a:lnTo>
+                  <a:lnTo>
+                    <a:pt x="2387" y="146"/>
+                  </a:lnTo>
+                  <a:lnTo>
+                    <a:pt x="2704" y="49"/>
+                  </a:lnTo>
+                  <a:lnTo>
+                    <a:pt x="3045" y="0"/>
+                  </a:lnTo>
+                  <a:lnTo>
+                    <a:pt x="3386" y="0"/>
+                  </a:lnTo>
+                </a:path>
+              </a:pathLst>
+            </a:custGeom>
+            <a:noFill/>
+            <a:ln cap="rnd" cmpd="sng" w="12175">
+              <a:solidFill>
+                <a:srgbClr val="FFFFFF"/>
+              </a:solidFill>
+              <a:prstDash val="solid"/>
+              <a:round/>
+              <a:headEnd len="med" w="med" type="none"/>
+              <a:tailEnd len="med" w="med" type="none"/>
+            </a:ln>
+          </p:spPr>
+          <p:txBody>
+            <a:bodyPr anchorCtr="0" anchor="ctr" bIns="91425" lIns="91425" rIns="91425" tIns="91425">
+              <a:noAutofit/>
+            </a:bodyPr>
+            <a:lstStyle/>
+            <a:p>
+              <a:pPr lvl="0">
+                <a:spcBef>
+                  <a:spcPts val="0"/>
+                </a:spcBef>
+                <a:buNone/>
+              </a:pPr>
+              <a:r>
+                <a:t/>
+              </a:r>
+              <a:endParaRPr/>
+            </a:p>
+          </p:txBody>
+        </p:sp>
+        <p:sp>
+          <p:nvSpPr>
+            <p:cNvPr id="227" name="Shape 227"/>
             <p:cNvSpPr/>
             <p:nvPr/>
           </p:nvSpPr>
@@ -17910,7 +20611,7 @@
       </p:grpSp>
       <p:pic>
         <p:nvPicPr>
-          <p:cNvPr id="203" name="Shape 203"/>
+          <p:cNvPr id="228" name="Shape 228"/>
           <p:cNvPicPr preferRelativeResize="0"/>
           <p:nvPr/>
         </p:nvPicPr>
@@ -17945,6 +20646,285 @@
 </file>
 
 <file path=ppt/theme/theme1.xml><?xml version="1.0" encoding="utf-8"?>
+<a:theme xmlns:a="http://schemas.openxmlformats.org/drawingml/2006/main" xmlns:r="http://schemas.openxmlformats.org/officeDocument/2006/relationships" name="Marina template">
+  <a:themeElements>
+    <a:clrScheme name="Custom 347">
+      <a:dk1>
+        <a:srgbClr val="000000"/>
+      </a:dk1>
+      <a:lt1>
+        <a:srgbClr val="FFFFFF"/>
+      </a:lt1>
+      <a:dk2>
+        <a:srgbClr val="666666"/>
+      </a:dk2>
+      <a:lt2>
+        <a:srgbClr val="CCCCCC"/>
+      </a:lt2>
+      <a:accent1>
+        <a:srgbClr val="3A81BA"/>
+      </a:accent1>
+      <a:accent2>
+        <a:srgbClr val="D89F39"/>
+      </a:accent2>
+      <a:accent3>
+        <a:srgbClr val="8BAB42"/>
+      </a:accent3>
+      <a:accent4>
+        <a:srgbClr val="57A7B5"/>
+      </a:accent4>
+      <a:accent5>
+        <a:srgbClr val="8B81D2"/>
+      </a:accent5>
+      <a:accent6>
+        <a:srgbClr val="963334"/>
+      </a:accent6>
+      <a:hlink>
+        <a:srgbClr val="1155CC"/>
+      </a:hlink>
+      <a:folHlink>
+        <a:srgbClr val="6611CC"/>
+      </a:folHlink>
+    </a:clrScheme>
+    <a:fontScheme name="Office">
+      <a:majorFont>
+        <a:latin typeface="Arial"/>
+        <a:ea typeface=""/>
+        <a:cs typeface=""/>
+        <a:font script="Jpan" typeface="ＭＳ Ｐゴシック"/>
+        <a:font script="Hang" typeface="맑은 고딕"/>
+        <a:font script="Hans" typeface="宋体"/>
+        <a:font script="Hant" typeface="新細明體"/>
+        <a:font script="Arab" typeface="Times New Roman"/>
+        <a:font script="Hebr" typeface="Times New Roman"/>
+        <a:font script="Thai" typeface="Angsana New"/>
+        <a:font script="Ethi" typeface="Nyala"/>
+        <a:font script="Beng" typeface="Vrinda"/>
+        <a:font script="Gujr" typeface="Shruti"/>
+        <a:font script="Khmr" typeface="MoolBoran"/>
+        <a:font script="Knda" typeface="Tunga"/>
+        <a:font script="Guru" typeface="Raavi"/>
+        <a:font script="Cans" typeface="Euphemia"/>
+        <a:font script="Cher" typeface="Plantagenet Cherokee"/>
+        <a:font script="Yiii" typeface="Microsoft Yi Baiti"/>
+        <a:font script="Tibt" typeface="Microsoft Himalaya"/>
+        <a:font script="Thaa" typeface="MV Boli"/>
+        <a:font script="Deva" typeface="Mangal"/>
+        <a:font script="Telu" typeface="Gautami"/>
+        <a:font script="Taml" typeface="Latha"/>
+        <a:font script="Syrc" typeface="Estrangelo Edessa"/>
+        <a:font script="Orya" typeface="Kalinga"/>
+        <a:font script="Mlym" typeface="Kartika"/>
+        <a:font script="Laoo" typeface="DokChampa"/>
+        <a:font script="Sinh" typeface="Iskoola Pota"/>
+        <a:font script="Mong" typeface="Mongolian Baiti"/>
+        <a:font script="Viet" typeface="Times New Roman"/>
+        <a:font script="Uigh" typeface="Microsoft Uighur"/>
+        <a:font script="Geor" typeface="Sylfaen"/>
+      </a:majorFont>
+      <a:minorFont>
+        <a:latin typeface="Arial"/>
+        <a:ea typeface=""/>
+        <a:cs typeface=""/>
+        <a:font script="Jpan" typeface="ＭＳ Ｐゴシック"/>
+        <a:font script="Hang" typeface="맑은 고딕"/>
+        <a:font script="Hans" typeface="宋体"/>
+        <a:font script="Hant" typeface="新細明體"/>
+        <a:font script="Arab" typeface="Arial"/>
+        <a:font script="Hebr" typeface="Arial"/>
+        <a:font script="Thai" typeface="Cordia New"/>
+        <a:font script="Ethi" typeface="Nyala"/>
+        <a:font script="Beng" typeface="Vrinda"/>
+        <a:font script="Gujr" typeface="Shruti"/>
+        <a:font script="Khmr" typeface="DaunPenh"/>
+        <a:font script="Knda" typeface="Tunga"/>
+        <a:font script="Guru" typeface="Raavi"/>
+        <a:font script="Cans" typeface="Euphemia"/>
+        <a:font script="Cher" typeface="Plantagenet Cherokee"/>
+        <a:font script="Yiii" typeface="Microsoft Yi Baiti"/>
+        <a:font script="Tibt" typeface="Microsoft Himalaya"/>
+        <a:font script="Thaa" typeface="MV Boli"/>
+        <a:font script="Deva" typeface="Mangal"/>
+        <a:font script="Telu" typeface="Gautami"/>
+        <a:font script="Taml" typeface="Latha"/>
+        <a:font script="Syrc" typeface="Estrangelo Edessa"/>
+        <a:font script="Orya" typeface="Kalinga"/>
+        <a:font script="Mlym" typeface="Kartika"/>
+        <a:font script="Laoo" typeface="DokChampa"/>
+        <a:font script="Sinh" typeface="Iskoola Pota"/>
+        <a:font script="Mong" typeface="Mongolian Baiti"/>
+        <a:font script="Viet" typeface="Arial"/>
+        <a:font script="Uigh" typeface="Microsoft Uighur"/>
+        <a:font script="Geor" typeface="Sylfaen"/>
+      </a:minorFont>
+    </a:fontScheme>
+    <a:fmtScheme name="Office">
+      <a:fillStyleLst>
+        <a:solidFill>
+          <a:schemeClr val="phClr"/>
+        </a:solidFill>
+        <a:gradFill rotWithShape="1">
+          <a:gsLst>
+            <a:gs pos="0">
+              <a:schemeClr val="phClr">
+                <a:tint val="50000"/>
+                <a:satMod val="300000"/>
+              </a:schemeClr>
+            </a:gs>
+            <a:gs pos="35000">
+              <a:schemeClr val="phClr">
+                <a:tint val="37000"/>
+                <a:satMod val="300000"/>
+              </a:schemeClr>
+            </a:gs>
+            <a:gs pos="100000">
+              <a:schemeClr val="phClr">
+                <a:tint val="15000"/>
+                <a:satMod val="350000"/>
+              </a:schemeClr>
+            </a:gs>
+          </a:gsLst>
+          <a:lin ang="16200000" scaled="1"/>
+        </a:gradFill>
+        <a:gradFill rotWithShape="1">
+          <a:gsLst>
+            <a:gs pos="0">
+              <a:schemeClr val="phClr">
+                <a:tint val="100000"/>
+                <a:shade val="100000"/>
+                <a:satMod val="130000"/>
+              </a:schemeClr>
+            </a:gs>
+            <a:gs pos="100000">
+              <a:schemeClr val="phClr">
+                <a:tint val="50000"/>
+                <a:shade val="100000"/>
+                <a:satMod val="350000"/>
+              </a:schemeClr>
+            </a:gs>
+          </a:gsLst>
+          <a:lin ang="16200000" scaled="0"/>
+        </a:gradFill>
+      </a:fillStyleLst>
+      <a:lnStyleLst>
+        <a:ln w="9525" cap="flat" cmpd="sng" algn="ctr">
+          <a:solidFill>
+            <a:schemeClr val="phClr">
+              <a:shade val="95000"/>
+              <a:satMod val="105000"/>
+            </a:schemeClr>
+          </a:solidFill>
+          <a:prstDash val="solid"/>
+        </a:ln>
+        <a:ln w="25400" cap="flat" cmpd="sng" algn="ctr">
+          <a:solidFill>
+            <a:schemeClr val="phClr"/>
+          </a:solidFill>
+          <a:prstDash val="solid"/>
+        </a:ln>
+        <a:ln w="38100" cap="flat" cmpd="sng" algn="ctr">
+          <a:solidFill>
+            <a:schemeClr val="phClr"/>
+          </a:solidFill>
+          <a:prstDash val="solid"/>
+        </a:ln>
+      </a:lnStyleLst>
+      <a:effectStyleLst>
+        <a:effectStyle>
+          <a:effectLst>
+            <a:outerShdw blurRad="40000" dist="20000" dir="5400000" rotWithShape="0">
+              <a:srgbClr val="000000">
+                <a:alpha val="38000"/>
+              </a:srgbClr>
+            </a:outerShdw>
+          </a:effectLst>
+        </a:effectStyle>
+        <a:effectStyle>
+          <a:effectLst>
+            <a:outerShdw blurRad="40000" dist="23000" dir="5400000" rotWithShape="0">
+              <a:srgbClr val="000000">
+                <a:alpha val="35000"/>
+              </a:srgbClr>
+            </a:outerShdw>
+          </a:effectLst>
+        </a:effectStyle>
+        <a:effectStyle>
+          <a:effectLst>
+            <a:outerShdw blurRad="40000" dist="23000" dir="5400000" rotWithShape="0">
+              <a:srgbClr val="000000">
+                <a:alpha val="35000"/>
+              </a:srgbClr>
+            </a:outerShdw>
+          </a:effectLst>
+          <a:scene3d>
+            <a:camera prst="orthographicFront">
+              <a:rot lat="0" lon="0" rev="0"/>
+            </a:camera>
+            <a:lightRig rig="threePt" dir="t">
+              <a:rot lat="0" lon="0" rev="1200000"/>
+            </a:lightRig>
+          </a:scene3d>
+          <a:sp3d>
+            <a:bevelT w="63500" h="25400"/>
+          </a:sp3d>
+        </a:effectStyle>
+      </a:effectStyleLst>
+      <a:bgFillStyleLst>
+        <a:solidFill>
+          <a:schemeClr val="phClr"/>
+        </a:solidFill>
+        <a:gradFill rotWithShape="1">
+          <a:gsLst>
+            <a:gs pos="0">
+              <a:schemeClr val="phClr">
+                <a:tint val="40000"/>
+                <a:satMod val="350000"/>
+              </a:schemeClr>
+            </a:gs>
+            <a:gs pos="40000">
+              <a:schemeClr val="phClr">
+                <a:tint val="45000"/>
+                <a:shade val="99000"/>
+                <a:satMod val="350000"/>
+              </a:schemeClr>
+            </a:gs>
+            <a:gs pos="100000">
+              <a:schemeClr val="phClr">
+                <a:shade val="20000"/>
+                <a:satMod val="255000"/>
+              </a:schemeClr>
+            </a:gs>
+          </a:gsLst>
+          <a:path path="circle">
+            <a:fillToRect l="50000" t="-80000" r="50000" b="180000"/>
+          </a:path>
+        </a:gradFill>
+        <a:gradFill rotWithShape="1">
+          <a:gsLst>
+            <a:gs pos="0">
+              <a:schemeClr val="phClr">
+                <a:tint val="80000"/>
+                <a:satMod val="300000"/>
+              </a:schemeClr>
+            </a:gs>
+            <a:gs pos="100000">
+              <a:schemeClr val="phClr">
+                <a:shade val="30000"/>
+                <a:satMod val="200000"/>
+              </a:schemeClr>
+            </a:gs>
+          </a:gsLst>
+          <a:path path="circle">
+            <a:fillToRect l="50000" t="50000" r="50000" b="50000"/>
+          </a:path>
+        </a:gradFill>
+      </a:bgFillStyleLst>
+    </a:fmtScheme>
+  </a:themeElements>
+</a:theme>
+</file>
+
+<file path=ppt/theme/theme2.xml><?xml version="1.0" encoding="utf-8"?>
 <a:theme xmlns:a="http://schemas.openxmlformats.org/drawingml/2006/main" xmlns:r="http://schemas.openxmlformats.org/officeDocument/2006/relationships" name="Custom Theme">
   <a:themeElements>
     <a:clrScheme name="Default">
@@ -18221,283 +21201,4 @@
     </a:fmtScheme>
   </a:themeElements>
 </a:theme>
-</file>
-
-<file path=ppt/theme/theme2.xml><?xml version="1.0" encoding="utf-8"?>
-<a:theme xmlns:a="http://schemas.openxmlformats.org/drawingml/2006/main" xmlns:r="http://schemas.openxmlformats.org/officeDocument/2006/relationships" name="Marina template">
-  <a:themeElements>
-    <a:clrScheme name="Custom 347">
-      <a:dk1>
-        <a:srgbClr val="000000"/>
-      </a:dk1>
-      <a:lt1>
-        <a:srgbClr val="FFFFFF"/>
-      </a:lt1>
-      <a:dk2>
-        <a:srgbClr val="666666"/>
-      </a:dk2>
-      <a:lt2>
-        <a:srgbClr val="CCCCCC"/>
-      </a:lt2>
-      <a:accent1>
-        <a:srgbClr val="3A81BA"/>
-      </a:accent1>
-      <a:accent2>
-        <a:srgbClr val="D89F39"/>
-      </a:accent2>
-      <a:accent3>
-        <a:srgbClr val="8BAB42"/>
-      </a:accent3>
-      <a:accent4>
-        <a:srgbClr val="57A7B5"/>
-      </a:accent4>
-      <a:accent5>
-        <a:srgbClr val="8B81D2"/>
-      </a:accent5>
-      <a:accent6>
-        <a:srgbClr val="963334"/>
-      </a:accent6>
-      <a:hlink>
-        <a:srgbClr val="1155CC"/>
-      </a:hlink>
-      <a:folHlink>
-        <a:srgbClr val="6611CC"/>
-      </a:folHlink>
-    </a:clrScheme>
-    <a:fontScheme name="Office">
-      <a:majorFont>
-        <a:latin typeface="Arial"/>
-        <a:ea typeface=""/>
-        <a:cs typeface=""/>
-        <a:font script="Jpan" typeface="ＭＳ Ｐゴシック"/>
-        <a:font script="Hang" typeface="맑은 고딕"/>
-        <a:font script="Hans" typeface="宋体"/>
-        <a:font script="Hant" typeface="新細明體"/>
-        <a:font script="Arab" typeface="Times New Roman"/>
-        <a:font script="Hebr" typeface="Times New Roman"/>
-        <a:font script="Thai" typeface="Angsana New"/>
-        <a:font script="Ethi" typeface="Nyala"/>
-        <a:font script="Beng" typeface="Vrinda"/>
-        <a:font script="Gujr" typeface="Shruti"/>
-        <a:font script="Khmr" typeface="MoolBoran"/>
-        <a:font script="Knda" typeface="Tunga"/>
-        <a:font script="Guru" typeface="Raavi"/>
-        <a:font script="Cans" typeface="Euphemia"/>
-        <a:font script="Cher" typeface="Plantagenet Cherokee"/>
-        <a:font script="Yiii" typeface="Microsoft Yi Baiti"/>
-        <a:font script="Tibt" typeface="Microsoft Himalaya"/>
-        <a:font script="Thaa" typeface="MV Boli"/>
-        <a:font script="Deva" typeface="Mangal"/>
-        <a:font script="Telu" typeface="Gautami"/>
-        <a:font script="Taml" typeface="Latha"/>
-        <a:font script="Syrc" typeface="Estrangelo Edessa"/>
-        <a:font script="Orya" typeface="Kalinga"/>
-        <a:font script="Mlym" typeface="Kartika"/>
-        <a:font script="Laoo" typeface="DokChampa"/>
-        <a:font script="Sinh" typeface="Iskoola Pota"/>
-        <a:font script="Mong" typeface="Mongolian Baiti"/>
-        <a:font script="Viet" typeface="Times New Roman"/>
-        <a:font script="Uigh" typeface="Microsoft Uighur"/>
-        <a:font script="Geor" typeface="Sylfaen"/>
-      </a:majorFont>
-      <a:minorFont>
-        <a:latin typeface="Arial"/>
-        <a:ea typeface=""/>
-        <a:cs typeface=""/>
-        <a:font script="Jpan" typeface="ＭＳ Ｐゴシック"/>
-        <a:font script="Hang" typeface="맑은 고딕"/>
-        <a:font script="Hans" typeface="宋体"/>
-        <a:font script="Hant" typeface="新細明體"/>
-        <a:font script="Arab" typeface="Arial"/>
-        <a:font script="Hebr" typeface="Arial"/>
-        <a:font script="Thai" typeface="Cordia New"/>
-        <a:font script="Ethi" typeface="Nyala"/>
-        <a:font script="Beng" typeface="Vrinda"/>
-        <a:font script="Gujr" typeface="Shruti"/>
-        <a:font script="Khmr" typeface="DaunPenh"/>
-        <a:font script="Knda" typeface="Tunga"/>
-        <a:font script="Guru" typeface="Raavi"/>
-        <a:font script="Cans" typeface="Euphemia"/>
-        <a:font script="Cher" typeface="Plantagenet Cherokee"/>
-        <a:font script="Yiii" typeface="Microsoft Yi Baiti"/>
-        <a:font script="Tibt" typeface="Microsoft Himalaya"/>
-        <a:font script="Thaa" typeface="MV Boli"/>
-        <a:font script="Deva" typeface="Mangal"/>
-        <a:font script="Telu" typeface="Gautami"/>
-        <a:font script="Taml" typeface="Latha"/>
-        <a:font script="Syrc" typeface="Estrangelo Edessa"/>
-        <a:font script="Orya" typeface="Kalinga"/>
-        <a:font script="Mlym" typeface="Kartika"/>
-        <a:font script="Laoo" typeface="DokChampa"/>
-        <a:font script="Sinh" typeface="Iskoola Pota"/>
-        <a:font script="Mong" typeface="Mongolian Baiti"/>
-        <a:font script="Viet" typeface="Arial"/>
-        <a:font script="Uigh" typeface="Microsoft Uighur"/>
-        <a:font script="Geor" typeface="Sylfaen"/>
-      </a:minorFont>
-    </a:fontScheme>
-    <a:fmtScheme name="Office">
-      <a:fillStyleLst>
-        <a:solidFill>
-          <a:schemeClr val="phClr"/>
-        </a:solidFill>
-        <a:gradFill rotWithShape="1">
-          <a:gsLst>
-            <a:gs pos="0">
-              <a:schemeClr val="phClr">
-                <a:tint val="50000"/>
-                <a:satMod val="300000"/>
-              </a:schemeClr>
-            </a:gs>
-            <a:gs pos="35000">
-              <a:schemeClr val="phClr">
-                <a:tint val="37000"/>
-                <a:satMod val="300000"/>
-              </a:schemeClr>
-            </a:gs>
-            <a:gs pos="100000">
-              <a:schemeClr val="phClr">
-                <a:tint val="15000"/>
-                <a:satMod val="350000"/>
-              </a:schemeClr>
-            </a:gs>
-          </a:gsLst>
-          <a:lin ang="16200000" scaled="1"/>
-        </a:gradFill>
-        <a:gradFill rotWithShape="1">
-          <a:gsLst>
-            <a:gs pos="0">
-              <a:schemeClr val="phClr">
-                <a:tint val="100000"/>
-                <a:shade val="100000"/>
-                <a:satMod val="130000"/>
-              </a:schemeClr>
-            </a:gs>
-            <a:gs pos="100000">
-              <a:schemeClr val="phClr">
-                <a:tint val="50000"/>
-                <a:shade val="100000"/>
-                <a:satMod val="350000"/>
-              </a:schemeClr>
-            </a:gs>
-          </a:gsLst>
-          <a:lin ang="16200000" scaled="0"/>
-        </a:gradFill>
-      </a:fillStyleLst>
-      <a:lnStyleLst>
-        <a:ln w="9525" cap="flat" cmpd="sng" algn="ctr">
-          <a:solidFill>
-            <a:schemeClr val="phClr">
-              <a:shade val="95000"/>
-              <a:satMod val="105000"/>
-            </a:schemeClr>
-          </a:solidFill>
-          <a:prstDash val="solid"/>
-        </a:ln>
-        <a:ln w="25400" cap="flat" cmpd="sng" algn="ctr">
-          <a:solidFill>
-            <a:schemeClr val="phClr"/>
-          </a:solidFill>
-          <a:prstDash val="solid"/>
-        </a:ln>
-        <a:ln w="38100" cap="flat" cmpd="sng" algn="ctr">
-          <a:solidFill>
-            <a:schemeClr val="phClr"/>
-          </a:solidFill>
-          <a:prstDash val="solid"/>
-        </a:ln>
-      </a:lnStyleLst>
-      <a:effectStyleLst>
-        <a:effectStyle>
-          <a:effectLst>
-            <a:outerShdw blurRad="40000" dist="20000" dir="5400000" rotWithShape="0">
-              <a:srgbClr val="000000">
-                <a:alpha val="38000"/>
-              </a:srgbClr>
-            </a:outerShdw>
-          </a:effectLst>
-        </a:effectStyle>
-        <a:effectStyle>
-          <a:effectLst>
-            <a:outerShdw blurRad="40000" dist="23000" dir="5400000" rotWithShape="0">
-              <a:srgbClr val="000000">
-                <a:alpha val="35000"/>
-              </a:srgbClr>
-            </a:outerShdw>
-          </a:effectLst>
-        </a:effectStyle>
-        <a:effectStyle>
-          <a:effectLst>
-            <a:outerShdw blurRad="40000" dist="23000" dir="5400000" rotWithShape="0">
-              <a:srgbClr val="000000">
-                <a:alpha val="35000"/>
-              </a:srgbClr>
-            </a:outerShdw>
-          </a:effectLst>
-          <a:scene3d>
-            <a:camera prst="orthographicFront">
-              <a:rot lat="0" lon="0" rev="0"/>
-            </a:camera>
-            <a:lightRig rig="threePt" dir="t">
-              <a:rot lat="0" lon="0" rev="1200000"/>
-            </a:lightRig>
-          </a:scene3d>
-          <a:sp3d>
-            <a:bevelT w="63500" h="25400"/>
-          </a:sp3d>
-        </a:effectStyle>
-      </a:effectStyleLst>
-      <a:bgFillStyleLst>
-        <a:solidFill>
-          <a:schemeClr val="phClr"/>
-        </a:solidFill>
-        <a:gradFill rotWithShape="1">
-          <a:gsLst>
-            <a:gs pos="0">
-              <a:schemeClr val="phClr">
-                <a:tint val="40000"/>
-                <a:satMod val="350000"/>
-              </a:schemeClr>
-            </a:gs>
-            <a:gs pos="40000">
-              <a:schemeClr val="phClr">
-                <a:tint val="45000"/>
-                <a:shade val="99000"/>
-                <a:satMod val="350000"/>
-              </a:schemeClr>
-            </a:gs>
-            <a:gs pos="100000">
-              <a:schemeClr val="phClr">
-                <a:shade val="20000"/>
-                <a:satMod val="255000"/>
-              </a:schemeClr>
-            </a:gs>
-          </a:gsLst>
-          <a:path path="circle">
-            <a:fillToRect l="50000" t="-80000" r="50000" b="180000"/>
-          </a:path>
-        </a:gradFill>
-        <a:gradFill rotWithShape="1">
-          <a:gsLst>
-            <a:gs pos="0">
-              <a:schemeClr val="phClr">
-                <a:tint val="80000"/>
-                <a:satMod val="300000"/>
-              </a:schemeClr>
-            </a:gs>
-            <a:gs pos="100000">
-              <a:schemeClr val="phClr">
-                <a:shade val="30000"/>
-                <a:satMod val="200000"/>
-              </a:schemeClr>
-            </a:gs>
-          </a:gsLst>
-          <a:path path="circle">
-            <a:fillToRect l="50000" t="50000" r="50000" b="50000"/>
-          </a:path>
-        </a:gradFill>
-      </a:bgFillStyleLst>
-    </a:fmtScheme>
-  </a:themeElements>
-</a:theme>
 </file>
--- a/Presentation/Service Final Presentation.pptx
+++ b/Presentation/Service Final Presentation.pptx
@@ -20646,6 +20646,285 @@
 </file>
 
 <file path=ppt/theme/theme1.xml><?xml version="1.0" encoding="utf-8"?>
+<a:theme xmlns:a="http://schemas.openxmlformats.org/drawingml/2006/main" xmlns:r="http://schemas.openxmlformats.org/officeDocument/2006/relationships" name="Custom Theme">
+  <a:themeElements>
+    <a:clrScheme name="Default">
+      <a:dk1>
+        <a:srgbClr val="000000"/>
+      </a:dk1>
+      <a:lt1>
+        <a:srgbClr val="FFFFFF"/>
+      </a:lt1>
+      <a:dk2>
+        <a:srgbClr val="158158"/>
+      </a:dk2>
+      <a:lt2>
+        <a:srgbClr val="F3F3F3"/>
+      </a:lt2>
+      <a:accent1>
+        <a:srgbClr val="058DC7"/>
+      </a:accent1>
+      <a:accent2>
+        <a:srgbClr val="50B432"/>
+      </a:accent2>
+      <a:accent3>
+        <a:srgbClr val="ED561B"/>
+      </a:accent3>
+      <a:accent4>
+        <a:srgbClr val="EDEF00"/>
+      </a:accent4>
+      <a:accent5>
+        <a:srgbClr val="24CBE5"/>
+      </a:accent5>
+      <a:accent6>
+        <a:srgbClr val="64E572"/>
+      </a:accent6>
+      <a:hlink>
+        <a:srgbClr val="2200CC"/>
+      </a:hlink>
+      <a:folHlink>
+        <a:srgbClr val="551A8B"/>
+      </a:folHlink>
+    </a:clrScheme>
+    <a:fontScheme name="Office">
+      <a:majorFont>
+        <a:latin typeface="Arial"/>
+        <a:ea typeface=""/>
+        <a:cs typeface=""/>
+        <a:font script="Jpan" typeface="ＭＳ Ｐゴシック"/>
+        <a:font script="Hang" typeface="맑은 고딕"/>
+        <a:font script="Hans" typeface="宋体"/>
+        <a:font script="Hant" typeface="新細明體"/>
+        <a:font script="Arab" typeface="Times New Roman"/>
+        <a:font script="Hebr" typeface="Times New Roman"/>
+        <a:font script="Thai" typeface="Angsana New"/>
+        <a:font script="Ethi" typeface="Nyala"/>
+        <a:font script="Beng" typeface="Vrinda"/>
+        <a:font script="Gujr" typeface="Shruti"/>
+        <a:font script="Khmr" typeface="MoolBoran"/>
+        <a:font script="Knda" typeface="Tunga"/>
+        <a:font script="Guru" typeface="Raavi"/>
+        <a:font script="Cans" typeface="Euphemia"/>
+        <a:font script="Cher" typeface="Plantagenet Cherokee"/>
+        <a:font script="Yiii" typeface="Microsoft Yi Baiti"/>
+        <a:font script="Tibt" typeface="Microsoft Himalaya"/>
+        <a:font script="Thaa" typeface="MV Boli"/>
+        <a:font script="Deva" typeface="Mangal"/>
+        <a:font script="Telu" typeface="Gautami"/>
+        <a:font script="Taml" typeface="Latha"/>
+        <a:font script="Syrc" typeface="Estrangelo Edessa"/>
+        <a:font script="Orya" typeface="Kalinga"/>
+        <a:font script="Mlym" typeface="Kartika"/>
+        <a:font script="Laoo" typeface="DokChampa"/>
+        <a:font script="Sinh" typeface="Iskoola Pota"/>
+        <a:font script="Mong" typeface="Mongolian Baiti"/>
+        <a:font script="Viet" typeface="Times New Roman"/>
+        <a:font script="Uigh" typeface="Microsoft Uighur"/>
+        <a:font script="Geor" typeface="Sylfaen"/>
+      </a:majorFont>
+      <a:minorFont>
+        <a:latin typeface="Arial"/>
+        <a:ea typeface=""/>
+        <a:cs typeface=""/>
+        <a:font script="Jpan" typeface="ＭＳ Ｐゴシック"/>
+        <a:font script="Hang" typeface="맑은 고딕"/>
+        <a:font script="Hans" typeface="宋体"/>
+        <a:font script="Hant" typeface="新細明體"/>
+        <a:font script="Arab" typeface="Arial"/>
+        <a:font script="Hebr" typeface="Arial"/>
+        <a:font script="Thai" typeface="Cordia New"/>
+        <a:font script="Ethi" typeface="Nyala"/>
+        <a:font script="Beng" typeface="Vrinda"/>
+        <a:font script="Gujr" typeface="Shruti"/>
+        <a:font script="Khmr" typeface="DaunPenh"/>
+        <a:font script="Knda" typeface="Tunga"/>
+        <a:font script="Guru" typeface="Raavi"/>
+        <a:font script="Cans" typeface="Euphemia"/>
+        <a:font script="Cher" typeface="Plantagenet Cherokee"/>
+        <a:font script="Yiii" typeface="Microsoft Yi Baiti"/>
+        <a:font script="Tibt" typeface="Microsoft Himalaya"/>
+        <a:font script="Thaa" typeface="MV Boli"/>
+        <a:font script="Deva" typeface="Mangal"/>
+        <a:font script="Telu" typeface="Gautami"/>
+        <a:font script="Taml" typeface="Latha"/>
+        <a:font script="Syrc" typeface="Estrangelo Edessa"/>
+        <a:font script="Orya" typeface="Kalinga"/>
+        <a:font script="Mlym" typeface="Kartika"/>
+        <a:font script="Laoo" typeface="DokChampa"/>
+        <a:font script="Sinh" typeface="Iskoola Pota"/>
+        <a:font script="Mong" typeface="Mongolian Baiti"/>
+        <a:font script="Viet" typeface="Arial"/>
+        <a:font script="Uigh" typeface="Microsoft Uighur"/>
+        <a:font script="Geor" typeface="Sylfaen"/>
+      </a:minorFont>
+    </a:fontScheme>
+    <a:fmtScheme name="Office">
+      <a:fillStyleLst>
+        <a:solidFill>
+          <a:schemeClr val="phClr"/>
+        </a:solidFill>
+        <a:gradFill rotWithShape="1">
+          <a:gsLst>
+            <a:gs pos="0">
+              <a:schemeClr val="phClr">
+                <a:tint val="50000"/>
+                <a:satMod val="300000"/>
+              </a:schemeClr>
+            </a:gs>
+            <a:gs pos="35000">
+              <a:schemeClr val="phClr">
+                <a:tint val="37000"/>
+                <a:satMod val="300000"/>
+              </a:schemeClr>
+            </a:gs>
+            <a:gs pos="100000">
+              <a:schemeClr val="phClr">
+                <a:tint val="15000"/>
+                <a:satMod val="350000"/>
+              </a:schemeClr>
+            </a:gs>
+          </a:gsLst>
+          <a:lin ang="16200000" scaled="1"/>
+        </a:gradFill>
+        <a:gradFill rotWithShape="1">
+          <a:gsLst>
+            <a:gs pos="0">
+              <a:schemeClr val="phClr">
+                <a:tint val="100000"/>
+                <a:shade val="100000"/>
+                <a:satMod val="130000"/>
+              </a:schemeClr>
+            </a:gs>
+            <a:gs pos="100000">
+              <a:schemeClr val="phClr">
+                <a:tint val="50000"/>
+                <a:shade val="100000"/>
+                <a:satMod val="350000"/>
+              </a:schemeClr>
+            </a:gs>
+          </a:gsLst>
+          <a:lin ang="16200000" scaled="0"/>
+        </a:gradFill>
+      </a:fillStyleLst>
+      <a:lnStyleLst>
+        <a:ln w="9525" cap="flat" cmpd="sng" algn="ctr">
+          <a:solidFill>
+            <a:schemeClr val="phClr">
+              <a:shade val="95000"/>
+              <a:satMod val="105000"/>
+            </a:schemeClr>
+          </a:solidFill>
+          <a:prstDash val="solid"/>
+        </a:ln>
+        <a:ln w="25400" cap="flat" cmpd="sng" algn="ctr">
+          <a:solidFill>
+            <a:schemeClr val="phClr"/>
+          </a:solidFill>
+          <a:prstDash val="solid"/>
+        </a:ln>
+        <a:ln w="38100" cap="flat" cmpd="sng" algn="ctr">
+          <a:solidFill>
+            <a:schemeClr val="phClr"/>
+          </a:solidFill>
+          <a:prstDash val="solid"/>
+        </a:ln>
+      </a:lnStyleLst>
+      <a:effectStyleLst>
+        <a:effectStyle>
+          <a:effectLst>
+            <a:outerShdw blurRad="40000" dist="20000" dir="5400000" rotWithShape="0">
+              <a:srgbClr val="000000">
+                <a:alpha val="38000"/>
+              </a:srgbClr>
+            </a:outerShdw>
+          </a:effectLst>
+        </a:effectStyle>
+        <a:effectStyle>
+          <a:effectLst>
+            <a:outerShdw blurRad="40000" dist="23000" dir="5400000" rotWithShape="0">
+              <a:srgbClr val="000000">
+                <a:alpha val="35000"/>
+              </a:srgbClr>
+            </a:outerShdw>
+          </a:effectLst>
+        </a:effectStyle>
+        <a:effectStyle>
+          <a:effectLst>
+            <a:outerShdw blurRad="40000" dist="23000" dir="5400000" rotWithShape="0">
+              <a:srgbClr val="000000">
+                <a:alpha val="35000"/>
+              </a:srgbClr>
+            </a:outerShdw>
+          </a:effectLst>
+          <a:scene3d>
+            <a:camera prst="orthographicFront">
+              <a:rot lat="0" lon="0" rev="0"/>
+            </a:camera>
+            <a:lightRig rig="threePt" dir="t">
+              <a:rot lat="0" lon="0" rev="1200000"/>
+            </a:lightRig>
+          </a:scene3d>
+          <a:sp3d>
+            <a:bevelT w="63500" h="25400"/>
+          </a:sp3d>
+        </a:effectStyle>
+      </a:effectStyleLst>
+      <a:bgFillStyleLst>
+        <a:solidFill>
+          <a:schemeClr val="phClr"/>
+        </a:solidFill>
+        <a:gradFill rotWithShape="1">
+          <a:gsLst>
+            <a:gs pos="0">
+              <a:schemeClr val="phClr">
+                <a:tint val="40000"/>
+                <a:satMod val="350000"/>
+              </a:schemeClr>
+            </a:gs>
+            <a:gs pos="40000">
+              <a:schemeClr val="phClr">
+                <a:tint val="45000"/>
+                <a:shade val="99000"/>
+                <a:satMod val="350000"/>
+              </a:schemeClr>
+            </a:gs>
+            <a:gs pos="100000">
+              <a:schemeClr val="phClr">
+                <a:shade val="20000"/>
+                <a:satMod val="255000"/>
+              </a:schemeClr>
+            </a:gs>
+          </a:gsLst>
+          <a:path path="circle">
+            <a:fillToRect l="50000" t="-80000" r="50000" b="180000"/>
+          </a:path>
+        </a:gradFill>
+        <a:gradFill rotWithShape="1">
+          <a:gsLst>
+            <a:gs pos="0">
+              <a:schemeClr val="phClr">
+                <a:tint val="80000"/>
+                <a:satMod val="300000"/>
+              </a:schemeClr>
+            </a:gs>
+            <a:gs pos="100000">
+              <a:schemeClr val="phClr">
+                <a:shade val="30000"/>
+                <a:satMod val="200000"/>
+              </a:schemeClr>
+            </a:gs>
+          </a:gsLst>
+          <a:path path="circle">
+            <a:fillToRect l="50000" t="50000" r="50000" b="50000"/>
+          </a:path>
+        </a:gradFill>
+      </a:bgFillStyleLst>
+    </a:fmtScheme>
+  </a:themeElements>
+</a:theme>
+</file>
+
+<file path=ppt/theme/theme2.xml><?xml version="1.0" encoding="utf-8"?>
 <a:theme xmlns:a="http://schemas.openxmlformats.org/drawingml/2006/main" xmlns:r="http://schemas.openxmlformats.org/officeDocument/2006/relationships" name="Marina template">
   <a:themeElements>
     <a:clrScheme name="Custom 347">
@@ -20922,283 +21201,4 @@
     </a:fmtScheme>
   </a:themeElements>
 </a:theme>
-</file>
-
-<file path=ppt/theme/theme2.xml><?xml version="1.0" encoding="utf-8"?>
-<a:theme xmlns:a="http://schemas.openxmlformats.org/drawingml/2006/main" xmlns:r="http://schemas.openxmlformats.org/officeDocument/2006/relationships" name="Custom Theme">
-  <a:themeElements>
-    <a:clrScheme name="Default">
-      <a:dk1>
-        <a:srgbClr val="000000"/>
-      </a:dk1>
-      <a:lt1>
-        <a:srgbClr val="FFFFFF"/>
-      </a:lt1>
-      <a:dk2>
-        <a:srgbClr val="158158"/>
-      </a:dk2>
-      <a:lt2>
-        <a:srgbClr val="F3F3F3"/>
-      </a:lt2>
-      <a:accent1>
-        <a:srgbClr val="058DC7"/>
-      </a:accent1>
-      <a:accent2>
-        <a:srgbClr val="50B432"/>
-      </a:accent2>
-      <a:accent3>
-        <a:srgbClr val="ED561B"/>
-      </a:accent3>
-      <a:accent4>
-        <a:srgbClr val="EDEF00"/>
-      </a:accent4>
-      <a:accent5>
-        <a:srgbClr val="24CBE5"/>
-      </a:accent5>
-      <a:accent6>
-        <a:srgbClr val="64E572"/>
-      </a:accent6>
-      <a:hlink>
-        <a:srgbClr val="2200CC"/>
-      </a:hlink>
-      <a:folHlink>
-        <a:srgbClr val="551A8B"/>
-      </a:folHlink>
-    </a:clrScheme>
-    <a:fontScheme name="Office">
-      <a:majorFont>
-        <a:latin typeface="Arial"/>
-        <a:ea typeface=""/>
-        <a:cs typeface=""/>
-        <a:font script="Jpan" typeface="ＭＳ Ｐゴシック"/>
-        <a:font script="Hang" typeface="맑은 고딕"/>
-        <a:font script="Hans" typeface="宋体"/>
-        <a:font script="Hant" typeface="新細明體"/>
-        <a:font script="Arab" typeface="Times New Roman"/>
-        <a:font script="Hebr" typeface="Times New Roman"/>
-        <a:font script="Thai" typeface="Angsana New"/>
-        <a:font script="Ethi" typeface="Nyala"/>
-        <a:font script="Beng" typeface="Vrinda"/>
-        <a:font script="Gujr" typeface="Shruti"/>
-        <a:font script="Khmr" typeface="MoolBoran"/>
-        <a:font script="Knda" typeface="Tunga"/>
-        <a:font script="Guru" typeface="Raavi"/>
-        <a:font script="Cans" typeface="Euphemia"/>
-        <a:font script="Cher" typeface="Plantagenet Cherokee"/>
-        <a:font script="Yiii" typeface="Microsoft Yi Baiti"/>
-        <a:font script="Tibt" typeface="Microsoft Himalaya"/>
-        <a:font script="Thaa" typeface="MV Boli"/>
-        <a:font script="Deva" typeface="Mangal"/>
-        <a:font script="Telu" typeface="Gautami"/>
-        <a:font script="Taml" typeface="Latha"/>
-        <a:font script="Syrc" typeface="Estrangelo Edessa"/>
-        <a:font script="Orya" typeface="Kalinga"/>
-        <a:font script="Mlym" typeface="Kartika"/>
-        <a:font script="Laoo" typeface="DokChampa"/>
-        <a:font script="Sinh" typeface="Iskoola Pota"/>
-        <a:font script="Mong" typeface="Mongolian Baiti"/>
-        <a:font script="Viet" typeface="Times New Roman"/>
-        <a:font script="Uigh" typeface="Microsoft Uighur"/>
-        <a:font script="Geor" typeface="Sylfaen"/>
-      </a:majorFont>
-      <a:minorFont>
-        <a:latin typeface="Arial"/>
-        <a:ea typeface=""/>
-        <a:cs typeface=""/>
-        <a:font script="Jpan" typeface="ＭＳ Ｐゴシック"/>
-        <a:font script="Hang" typeface="맑은 고딕"/>
-        <a:font script="Hans" typeface="宋体"/>
-        <a:font script="Hant" typeface="新細明體"/>
-        <a:font script="Arab" typeface="Arial"/>
-        <a:font script="Hebr" typeface="Arial"/>
-        <a:font script="Thai" typeface="Cordia New"/>
-        <a:font script="Ethi" typeface="Nyala"/>
-        <a:font script="Beng" typeface="Vrinda"/>
-        <a:font script="Gujr" typeface="Shruti"/>
-        <a:font script="Khmr" typeface="DaunPenh"/>
-        <a:font script="Knda" typeface="Tunga"/>
-        <a:font script="Guru" typeface="Raavi"/>
-        <a:font script="Cans" typeface="Euphemia"/>
-        <a:font script="Cher" typeface="Plantagenet Cherokee"/>
-        <a:font script="Yiii" typeface="Microsoft Yi Baiti"/>
-        <a:font script="Tibt" typeface="Microsoft Himalaya"/>
-        <a:font script="Thaa" typeface="MV Boli"/>
-        <a:font script="Deva" typeface="Mangal"/>
-        <a:font script="Telu" typeface="Gautami"/>
-        <a:font script="Taml" typeface="Latha"/>
-        <a:font script="Syrc" typeface="Estrangelo Edessa"/>
-        <a:font script="Orya" typeface="Kalinga"/>
-        <a:font script="Mlym" typeface="Kartika"/>
-        <a:font script="Laoo" typeface="DokChampa"/>
-        <a:font script="Sinh" typeface="Iskoola Pota"/>
-        <a:font script="Mong" typeface="Mongolian Baiti"/>
-        <a:font script="Viet" typeface="Arial"/>
-        <a:font script="Uigh" typeface="Microsoft Uighur"/>
-        <a:font script="Geor" typeface="Sylfaen"/>
-      </a:minorFont>
-    </a:fontScheme>
-    <a:fmtScheme name="Office">
-      <a:fillStyleLst>
-        <a:solidFill>
-          <a:schemeClr val="phClr"/>
-        </a:solidFill>
-        <a:gradFill rotWithShape="1">
-          <a:gsLst>
-            <a:gs pos="0">
-              <a:schemeClr val="phClr">
-                <a:tint val="50000"/>
-                <a:satMod val="300000"/>
-              </a:schemeClr>
-            </a:gs>
-            <a:gs pos="35000">
-              <a:schemeClr val="phClr">
-                <a:tint val="37000"/>
-                <a:satMod val="300000"/>
-              </a:schemeClr>
-            </a:gs>
-            <a:gs pos="100000">
-              <a:schemeClr val="phClr">
-                <a:tint val="15000"/>
-                <a:satMod val="350000"/>
-              </a:schemeClr>
-            </a:gs>
-          </a:gsLst>
-          <a:lin ang="16200000" scaled="1"/>
-        </a:gradFill>
-        <a:gradFill rotWithShape="1">
-          <a:gsLst>
-            <a:gs pos="0">
-              <a:schemeClr val="phClr">
-                <a:tint val="100000"/>
-                <a:shade val="100000"/>
-                <a:satMod val="130000"/>
-              </a:schemeClr>
-            </a:gs>
-            <a:gs pos="100000">
-              <a:schemeClr val="phClr">
-                <a:tint val="50000"/>
-                <a:shade val="100000"/>
-                <a:satMod val="350000"/>
-              </a:schemeClr>
-            </a:gs>
-          </a:gsLst>
-          <a:lin ang="16200000" scaled="0"/>
-        </a:gradFill>
-      </a:fillStyleLst>
-      <a:lnStyleLst>
-        <a:ln w="9525" cap="flat" cmpd="sng" algn="ctr">
-          <a:solidFill>
-            <a:schemeClr val="phClr">
-              <a:shade val="95000"/>
-              <a:satMod val="105000"/>
-            </a:schemeClr>
-          </a:solidFill>
-          <a:prstDash val="solid"/>
-        </a:ln>
-        <a:ln w="25400" cap="flat" cmpd="sng" algn="ctr">
-          <a:solidFill>
-            <a:schemeClr val="phClr"/>
-          </a:solidFill>
-          <a:prstDash val="solid"/>
-        </a:ln>
-        <a:ln w="38100" cap="flat" cmpd="sng" algn="ctr">
-          <a:solidFill>
-            <a:schemeClr val="phClr"/>
-          </a:solidFill>
-          <a:prstDash val="solid"/>
-        </a:ln>
-      </a:lnStyleLst>
-      <a:effectStyleLst>
-        <a:effectStyle>
-          <a:effectLst>
-            <a:outerShdw blurRad="40000" dist="20000" dir="5400000" rotWithShape="0">
-              <a:srgbClr val="000000">
-                <a:alpha val="38000"/>
-              </a:srgbClr>
-            </a:outerShdw>
-          </a:effectLst>
-        </a:effectStyle>
-        <a:effectStyle>
-          <a:effectLst>
-            <a:outerShdw blurRad="40000" dist="23000" dir="5400000" rotWithShape="0">
-              <a:srgbClr val="000000">
-                <a:alpha val="35000"/>
-              </a:srgbClr>
-            </a:outerShdw>
-          </a:effectLst>
-        </a:effectStyle>
-        <a:effectStyle>
-          <a:effectLst>
-            <a:outerShdw blurRad="40000" dist="23000" dir="5400000" rotWithShape="0">
-              <a:srgbClr val="000000">
-                <a:alpha val="35000"/>
-              </a:srgbClr>
-            </a:outerShdw>
-          </a:effectLst>
-          <a:scene3d>
-            <a:camera prst="orthographicFront">
-              <a:rot lat="0" lon="0" rev="0"/>
-            </a:camera>
-            <a:lightRig rig="threePt" dir="t">
-              <a:rot lat="0" lon="0" rev="1200000"/>
-            </a:lightRig>
-          </a:scene3d>
-          <a:sp3d>
-            <a:bevelT w="63500" h="25400"/>
-          </a:sp3d>
-        </a:effectStyle>
-      </a:effectStyleLst>
-      <a:bgFillStyleLst>
-        <a:solidFill>
-          <a:schemeClr val="phClr"/>
-        </a:solidFill>
-        <a:gradFill rotWithShape="1">
-          <a:gsLst>
-            <a:gs pos="0">
-              <a:schemeClr val="phClr">
-                <a:tint val="40000"/>
-                <a:satMod val="350000"/>
-              </a:schemeClr>
-            </a:gs>
-            <a:gs pos="40000">
-              <a:schemeClr val="phClr">
-                <a:tint val="45000"/>
-                <a:shade val="99000"/>
-                <a:satMod val="350000"/>
-              </a:schemeClr>
-            </a:gs>
-            <a:gs pos="100000">
-              <a:schemeClr val="phClr">
-                <a:shade val="20000"/>
-                <a:satMod val="255000"/>
-              </a:schemeClr>
-            </a:gs>
-          </a:gsLst>
-          <a:path path="circle">
-            <a:fillToRect l="50000" t="-80000" r="50000" b="180000"/>
-          </a:path>
-        </a:gradFill>
-        <a:gradFill rotWithShape="1">
-          <a:gsLst>
-            <a:gs pos="0">
-              <a:schemeClr val="phClr">
-                <a:tint val="80000"/>
-                <a:satMod val="300000"/>
-              </a:schemeClr>
-            </a:gs>
-            <a:gs pos="100000">
-              <a:schemeClr val="phClr">
-                <a:shade val="30000"/>
-                <a:satMod val="200000"/>
-              </a:schemeClr>
-            </a:gs>
-          </a:gsLst>
-          <a:path path="circle">
-            <a:fillToRect l="50000" t="50000" r="50000" b="50000"/>
-          </a:path>
-        </a:gradFill>
-      </a:bgFillStyleLst>
-    </a:fmtScheme>
-  </a:themeElements>
-</a:theme>
 </file>